--- a/Лекции/pptx/Лекция2-ПГП-2025.pptx
+++ b/Лекции/pptx/Лекция2-ПГП-2025.pptx
@@ -874,7 +874,7 @@
   <p:cSld>
     <p:spTree>
       <p:nvGrpSpPr>
-        <p:cNvPr id="117" name="Shape 117"/>
+        <p:cNvPr id="115" name="Shape 115"/>
         <p:cNvGrpSpPr/>
         <p:nvPr/>
       </p:nvGrpSpPr>
@@ -888,7 +888,7 @@
       </p:grpSpPr>
       <p:sp>
         <p:nvSpPr>
-          <p:cNvPr id="118" name="Google Shape;118;g205b4ad81c8_0_25:notes"/>
+          <p:cNvPr id="116" name="Google Shape;116;g205b4ad81c8_0_124:notes"/>
           <p:cNvSpPr/>
           <p:nvPr>
             <p:ph idx="2" type="sldImg"/>
@@ -923,7 +923,7 @@
       </p:sp>
       <p:sp>
         <p:nvSpPr>
-          <p:cNvPr id="119" name="Google Shape;119;g205b4ad81c8_0_25:notes"/>
+          <p:cNvPr id="117" name="Google Shape;117;g205b4ad81c8_0_124:notes"/>
           <p:cNvSpPr txBox="1"/>
           <p:nvPr>
             <p:ph idx="1" type="body"/>
@@ -973,7 +973,7 @@
   <p:cSld>
     <p:spTree>
       <p:nvGrpSpPr>
-        <p:cNvPr id="123" name="Shape 123"/>
+        <p:cNvPr id="120" name="Shape 120"/>
         <p:cNvGrpSpPr/>
         <p:nvPr/>
       </p:nvGrpSpPr>
@@ -987,7 +987,7 @@
       </p:grpSpPr>
       <p:sp>
         <p:nvSpPr>
-          <p:cNvPr id="124" name="Google Shape;124;g205b4ad81c8_0_132:notes"/>
+          <p:cNvPr id="121" name="Google Shape;121;g205b4ad81c8_0_59:notes"/>
           <p:cNvSpPr/>
           <p:nvPr>
             <p:ph idx="2" type="sldImg"/>
@@ -1022,7 +1022,7 @@
       </p:sp>
       <p:sp>
         <p:nvSpPr>
-          <p:cNvPr id="125" name="Google Shape;125;g205b4ad81c8_0_132:notes"/>
+          <p:cNvPr id="122" name="Google Shape;122;g205b4ad81c8_0_59:notes"/>
           <p:cNvSpPr txBox="1"/>
           <p:nvPr>
             <p:ph idx="1" type="body"/>
@@ -1072,7 +1072,7 @@
   <p:cSld>
     <p:spTree>
       <p:nvGrpSpPr>
-        <p:cNvPr id="128" name="Shape 128"/>
+        <p:cNvPr id="125" name="Shape 125"/>
         <p:cNvGrpSpPr/>
         <p:nvPr/>
       </p:nvGrpSpPr>
@@ -1086,7 +1086,7 @@
       </p:grpSpPr>
       <p:sp>
         <p:nvSpPr>
-          <p:cNvPr id="129" name="Google Shape;129;g205b4ad81c8_0_56:notes"/>
+          <p:cNvPr id="126" name="Google Shape;126;g205b4ad81c8_0_62:notes"/>
           <p:cNvSpPr/>
           <p:nvPr>
             <p:ph idx="2" type="sldImg"/>
@@ -1121,7 +1121,7 @@
       </p:sp>
       <p:sp>
         <p:nvSpPr>
-          <p:cNvPr id="130" name="Google Shape;130;g205b4ad81c8_0_56:notes"/>
+          <p:cNvPr id="127" name="Google Shape;127;g205b4ad81c8_0_62:notes"/>
           <p:cNvSpPr txBox="1"/>
           <p:nvPr>
             <p:ph idx="1" type="body"/>
@@ -1171,7 +1171,7 @@
   <p:cSld>
     <p:spTree>
       <p:nvGrpSpPr>
-        <p:cNvPr id="134" name="Shape 134"/>
+        <p:cNvPr id="130" name="Shape 130"/>
         <p:cNvGrpSpPr/>
         <p:nvPr/>
       </p:nvGrpSpPr>
@@ -1185,7 +1185,7 @@
       </p:grpSpPr>
       <p:sp>
         <p:nvSpPr>
-          <p:cNvPr id="135" name="Google Shape;135;g205b4ad81c8_0_121:notes"/>
+          <p:cNvPr id="131" name="Google Shape;131;g205b4ad81c8_0_0:notes"/>
           <p:cNvSpPr/>
           <p:nvPr>
             <p:ph idx="2" type="sldImg"/>
@@ -1220,7 +1220,7 @@
       </p:sp>
       <p:sp>
         <p:nvSpPr>
-          <p:cNvPr id="136" name="Google Shape;136;g205b4ad81c8_0_121:notes"/>
+          <p:cNvPr id="132" name="Google Shape;132;g205b4ad81c8_0_0:notes"/>
           <p:cNvSpPr txBox="1"/>
           <p:nvPr>
             <p:ph idx="1" type="body"/>
@@ -1270,7 +1270,7 @@
   <p:cSld>
     <p:spTree>
       <p:nvGrpSpPr>
-        <p:cNvPr id="139" name="Shape 139"/>
+        <p:cNvPr id="135" name="Shape 135"/>
         <p:cNvGrpSpPr/>
         <p:nvPr/>
       </p:nvGrpSpPr>
@@ -1284,7 +1284,7 @@
       </p:grpSpPr>
       <p:sp>
         <p:nvSpPr>
-          <p:cNvPr id="140" name="Google Shape;140;g205b4ad81c8_0_124:notes"/>
+          <p:cNvPr id="136" name="Google Shape;136;g205b4ad81c8_0_100:notes"/>
           <p:cNvSpPr/>
           <p:nvPr>
             <p:ph idx="2" type="sldImg"/>
@@ -1319,7 +1319,7 @@
       </p:sp>
       <p:sp>
         <p:nvSpPr>
-          <p:cNvPr id="141" name="Google Shape;141;g205b4ad81c8_0_124:notes"/>
+          <p:cNvPr id="137" name="Google Shape;137;g205b4ad81c8_0_100:notes"/>
           <p:cNvSpPr txBox="1"/>
           <p:nvPr>
             <p:ph idx="1" type="body"/>
@@ -1369,7 +1369,7 @@
   <p:cSld>
     <p:spTree>
       <p:nvGrpSpPr>
-        <p:cNvPr id="144" name="Shape 144"/>
+        <p:cNvPr id="140" name="Shape 140"/>
         <p:cNvGrpSpPr/>
         <p:nvPr/>
       </p:nvGrpSpPr>
@@ -1383,7 +1383,7 @@
       </p:grpSpPr>
       <p:sp>
         <p:nvSpPr>
-          <p:cNvPr id="145" name="Google Shape;145;g205b4ad81c8_0_59:notes"/>
+          <p:cNvPr id="141" name="Google Shape;141;g205b4ad81c8_0_103:notes"/>
           <p:cNvSpPr/>
           <p:nvPr>
             <p:ph idx="2" type="sldImg"/>
@@ -1418,7 +1418,7 @@
       </p:sp>
       <p:sp>
         <p:nvSpPr>
-          <p:cNvPr id="146" name="Google Shape;146;g205b4ad81c8_0_59:notes"/>
+          <p:cNvPr id="142" name="Google Shape;142;g205b4ad81c8_0_103:notes"/>
           <p:cNvSpPr txBox="1"/>
           <p:nvPr>
             <p:ph idx="1" type="body"/>
@@ -1468,7 +1468,7 @@
   <p:cSld>
     <p:spTree>
       <p:nvGrpSpPr>
-        <p:cNvPr id="149" name="Shape 149"/>
+        <p:cNvPr id="145" name="Shape 145"/>
         <p:cNvGrpSpPr/>
         <p:nvPr/>
       </p:nvGrpSpPr>
@@ -1482,7 +1482,7 @@
       </p:grpSpPr>
       <p:sp>
         <p:nvSpPr>
-          <p:cNvPr id="150" name="Google Shape;150;g205b4ad81c8_0_62:notes"/>
+          <p:cNvPr id="146" name="Google Shape;146;g205b4ad81c8_0_106:notes"/>
           <p:cNvSpPr/>
           <p:nvPr>
             <p:ph idx="2" type="sldImg"/>
@@ -1517,7 +1517,7 @@
       </p:sp>
       <p:sp>
         <p:nvSpPr>
-          <p:cNvPr id="151" name="Google Shape;151;g205b4ad81c8_0_62:notes"/>
+          <p:cNvPr id="147" name="Google Shape;147;g205b4ad81c8_0_106:notes"/>
           <p:cNvSpPr txBox="1"/>
           <p:nvPr>
             <p:ph idx="1" type="body"/>
@@ -1567,7 +1567,7 @@
   <p:cSld>
     <p:spTree>
       <p:nvGrpSpPr>
-        <p:cNvPr id="154" name="Shape 154"/>
+        <p:cNvPr id="152" name="Shape 152"/>
         <p:cNvGrpSpPr/>
         <p:nvPr/>
       </p:nvGrpSpPr>
@@ -1581,7 +1581,7 @@
       </p:grpSpPr>
       <p:sp>
         <p:nvSpPr>
-          <p:cNvPr id="155" name="Google Shape;155;g205b4ad81c8_0_0:notes"/>
+          <p:cNvPr id="153" name="Google Shape;153;g2af84f4be04_0_0:notes"/>
           <p:cNvSpPr/>
           <p:nvPr>
             <p:ph idx="2" type="sldImg"/>
@@ -1616,7 +1616,7 @@
       </p:sp>
       <p:sp>
         <p:nvSpPr>
-          <p:cNvPr id="156" name="Google Shape;156;g205b4ad81c8_0_0:notes"/>
+          <p:cNvPr id="154" name="Google Shape;154;g2af84f4be04_0_0:notes"/>
           <p:cNvSpPr txBox="1"/>
           <p:nvPr>
             <p:ph idx="1" type="body"/>
@@ -1666,7 +1666,7 @@
   <p:cSld>
     <p:spTree>
       <p:nvGrpSpPr>
-        <p:cNvPr id="159" name="Shape 159"/>
+        <p:cNvPr id="158" name="Shape 158"/>
         <p:cNvGrpSpPr/>
         <p:nvPr/>
       </p:nvGrpSpPr>
@@ -1680,7 +1680,7 @@
       </p:grpSpPr>
       <p:sp>
         <p:nvSpPr>
-          <p:cNvPr id="160" name="Google Shape;160;g205b4ad81c8_0_100:notes"/>
+          <p:cNvPr id="159" name="Google Shape;159;g2af84f4be04_0_5:notes"/>
           <p:cNvSpPr/>
           <p:nvPr>
             <p:ph idx="2" type="sldImg"/>
@@ -1715,7 +1715,7 @@
       </p:sp>
       <p:sp>
         <p:nvSpPr>
-          <p:cNvPr id="161" name="Google Shape;161;g205b4ad81c8_0_100:notes"/>
+          <p:cNvPr id="160" name="Google Shape;160;g2af84f4be04_0_5:notes"/>
           <p:cNvSpPr txBox="1"/>
           <p:nvPr>
             <p:ph idx="1" type="body"/>
@@ -1779,7 +1779,7 @@
       </p:grpSpPr>
       <p:sp>
         <p:nvSpPr>
-          <p:cNvPr id="165" name="Google Shape;165;g205b4ad81c8_0_103:notes"/>
+          <p:cNvPr id="165" name="Google Shape;165;g2af84f4be04_0_10:notes"/>
           <p:cNvSpPr/>
           <p:nvPr>
             <p:ph idx="2" type="sldImg"/>
@@ -1814,7 +1814,7 @@
       </p:sp>
       <p:sp>
         <p:nvSpPr>
-          <p:cNvPr id="166" name="Google Shape;166;g205b4ad81c8_0_103:notes"/>
+          <p:cNvPr id="166" name="Google Shape;166;g2af84f4be04_0_10:notes"/>
           <p:cNvSpPr txBox="1"/>
           <p:nvPr>
             <p:ph idx="1" type="body"/>
@@ -1878,7 +1878,106 @@
       </p:grpSpPr>
       <p:sp>
         <p:nvSpPr>
-          <p:cNvPr id="68" name="Google Shape;68;g205b4ad81c8_0_71:notes"/>
+          <p:cNvPr id="68" name="Google Shape;68;p:notes"/>
+          <p:cNvSpPr/>
+          <p:nvPr>
+            <p:ph idx="2" type="sldImg"/>
+          </p:nvPr>
+        </p:nvSpPr>
+        <p:spPr>
+          <a:xfrm>
+            <a:off x="381300" y="685800"/>
+            <a:ext cx="6096075" cy="3429000"/>
+          </a:xfrm>
+          <a:custGeom>
+            <a:rect b="b" l="l" r="r" t="t"/>
+            <a:pathLst>
+              <a:path extrusionOk="0" h="120000" w="120000">
+                <a:moveTo>
+                  <a:pt x="0" y="0"/>
+                </a:moveTo>
+                <a:lnTo>
+                  <a:pt x="120000" y="0"/>
+                </a:lnTo>
+                <a:lnTo>
+                  <a:pt x="120000" y="120000"/>
+                </a:lnTo>
+                <a:lnTo>
+                  <a:pt x="0" y="120000"/>
+                </a:lnTo>
+                <a:close/>
+              </a:path>
+            </a:pathLst>
+          </a:custGeom>
+        </p:spPr>
+      </p:sp>
+      <p:sp>
+        <p:nvSpPr>
+          <p:cNvPr id="69" name="Google Shape;69;p:notes"/>
+          <p:cNvSpPr txBox="1"/>
+          <p:nvPr>
+            <p:ph idx="1" type="body"/>
+          </p:nvPr>
+        </p:nvSpPr>
+        <p:spPr>
+          <a:xfrm>
+            <a:off x="685800" y="4343400"/>
+            <a:ext cx="5486400" cy="4114800"/>
+          </a:xfrm>
+          <a:prstGeom prst="rect">
+            <a:avLst/>
+          </a:prstGeom>
+        </p:spPr>
+        <p:txBody>
+          <a:bodyPr anchorCtr="0" anchor="t" bIns="91425" lIns="91425" spcFirstLastPara="1" rIns="91425" wrap="square" tIns="91425">
+            <a:noAutofit/>
+          </a:bodyPr>
+          <a:lstStyle/>
+          <a:p>
+            <a:pPr indent="0" lvl="0" marL="0" rtl="0" algn="l">
+              <a:spcBef>
+                <a:spcPts val="0"/>
+              </a:spcBef>
+              <a:spcAft>
+                <a:spcPts val="0"/>
+              </a:spcAft>
+              <a:buNone/>
+            </a:pPr>
+            <a:r>
+              <a:t/>
+            </a:r>
+            <a:endParaRPr/>
+          </a:p>
+        </p:txBody>
+      </p:sp>
+    </p:spTree>
+  </p:cSld>
+  <p:clrMapOvr>
+    <a:masterClrMapping/>
+  </p:clrMapOvr>
+</p:notes>
+</file>
+
+<file path=ppt/notesSlides/notesSlide20.xml><?xml version="1.0" encoding="utf-8"?>
+<p:notes xmlns:a="http://schemas.openxmlformats.org/drawingml/2006/main" xmlns:r="http://schemas.openxmlformats.org/officeDocument/2006/relationships" xmlns:mc="http://schemas.openxmlformats.org/markup-compatibility/2006" xmlns:mv="urn:schemas-microsoft-com:mac:vml" xmlns:p="http://schemas.openxmlformats.org/presentationml/2006/main" xmlns:c="http://schemas.openxmlformats.org/drawingml/2006/chart" xmlns:dgm="http://schemas.openxmlformats.org/drawingml/2006/diagram" xmlns:o="urn:schemas-microsoft-com:office:office" xmlns:v="urn:schemas-microsoft-com:vml" xmlns:pvml="urn:schemas-microsoft-com:office:powerpoint" xmlns:com="http://schemas.openxmlformats.org/drawingml/2006/compatibility" xmlns:p14="http://schemas.microsoft.com/office/powerpoint/2010/main" xmlns:p15="http://schemas.microsoft.com/office/powerpoint/2012/main" xmlns:ahyp="http://schemas.microsoft.com/office/drawing/2018/hyperlinkcolor" showMasterPhAnim="0" showMasterSp="0">
+  <p:cSld>
+    <p:spTree>
+      <p:nvGrpSpPr>
+        <p:cNvPr id="170" name="Shape 170"/>
+        <p:cNvGrpSpPr/>
+        <p:nvPr/>
+      </p:nvGrpSpPr>
+      <p:grpSpPr>
+        <a:xfrm>
+          <a:off x="0" y="0"/>
+          <a:ext cx="0" cy="0"/>
+          <a:chOff x="0" y="0"/>
+          <a:chExt cx="0" cy="0"/>
+        </a:xfrm>
+      </p:grpSpPr>
+      <p:sp>
+        <p:nvSpPr>
+          <p:cNvPr id="171" name="Google Shape;171;g2af84f4be04_0_15:notes"/>
           <p:cNvSpPr/>
           <p:nvPr>
             <p:ph idx="2" type="sldImg"/>
@@ -1913,7 +2012,7 @@
       </p:sp>
       <p:sp>
         <p:nvSpPr>
-          <p:cNvPr id="69" name="Google Shape;69;g205b4ad81c8_0_71:notes"/>
+          <p:cNvPr id="172" name="Google Shape;172;g2af84f4be04_0_15:notes"/>
           <p:cNvSpPr txBox="1"/>
           <p:nvPr>
             <p:ph idx="1" type="body"/>
@@ -1958,12 +2057,12 @@
 </p:notes>
 </file>
 
-<file path=ppt/notesSlides/notesSlide20.xml><?xml version="1.0" encoding="utf-8"?>
+<file path=ppt/notesSlides/notesSlide3.xml><?xml version="1.0" encoding="utf-8"?>
 <p:notes xmlns:a="http://schemas.openxmlformats.org/drawingml/2006/main" xmlns:r="http://schemas.openxmlformats.org/officeDocument/2006/relationships" xmlns:mc="http://schemas.openxmlformats.org/markup-compatibility/2006" xmlns:mv="urn:schemas-microsoft-com:mac:vml" xmlns:p="http://schemas.openxmlformats.org/presentationml/2006/main" xmlns:c="http://schemas.openxmlformats.org/drawingml/2006/chart" xmlns:dgm="http://schemas.openxmlformats.org/drawingml/2006/diagram" xmlns:o="urn:schemas-microsoft-com:office:office" xmlns:v="urn:schemas-microsoft-com:vml" xmlns:pvml="urn:schemas-microsoft-com:office:powerpoint" xmlns:com="http://schemas.openxmlformats.org/drawingml/2006/compatibility" xmlns:p14="http://schemas.microsoft.com/office/powerpoint/2010/main" xmlns:p15="http://schemas.microsoft.com/office/powerpoint/2012/main" xmlns:ahyp="http://schemas.microsoft.com/office/drawing/2018/hyperlinkcolor" showMasterPhAnim="0" showMasterSp="0">
   <p:cSld>
     <p:spTree>
       <p:nvGrpSpPr>
-        <p:cNvPr id="169" name="Shape 169"/>
+        <p:cNvPr id="75" name="Shape 75"/>
         <p:cNvGrpSpPr/>
         <p:nvPr/>
       </p:nvGrpSpPr>
@@ -1977,7 +2076,7 @@
       </p:grpSpPr>
       <p:sp>
         <p:nvSpPr>
-          <p:cNvPr id="170" name="Google Shape;170;g205b4ad81c8_0_106:notes"/>
+          <p:cNvPr id="76" name="Google Shape;76;g205b4ad81c8_0_4:notes"/>
           <p:cNvSpPr/>
           <p:nvPr>
             <p:ph idx="2" type="sldImg"/>
@@ -2012,7 +2111,7 @@
       </p:sp>
       <p:sp>
         <p:nvSpPr>
-          <p:cNvPr id="171" name="Google Shape;171;g205b4ad81c8_0_106:notes"/>
+          <p:cNvPr id="77" name="Google Shape;77;g205b4ad81c8_0_4:notes"/>
           <p:cNvSpPr txBox="1"/>
           <p:nvPr>
             <p:ph idx="1" type="body"/>
@@ -2057,12 +2156,12 @@
 </p:notes>
 </file>
 
-<file path=ppt/notesSlides/notesSlide3.xml><?xml version="1.0" encoding="utf-8"?>
+<file path=ppt/notesSlides/notesSlide4.xml><?xml version="1.0" encoding="utf-8"?>
 <p:notes xmlns:a="http://schemas.openxmlformats.org/drawingml/2006/main" xmlns:r="http://schemas.openxmlformats.org/officeDocument/2006/relationships" xmlns:mc="http://schemas.openxmlformats.org/markup-compatibility/2006" xmlns:mv="urn:schemas-microsoft-com:mac:vml" xmlns:p="http://schemas.openxmlformats.org/presentationml/2006/main" xmlns:c="http://schemas.openxmlformats.org/drawingml/2006/chart" xmlns:dgm="http://schemas.openxmlformats.org/drawingml/2006/diagram" xmlns:o="urn:schemas-microsoft-com:office:office" xmlns:v="urn:schemas-microsoft-com:vml" xmlns:pvml="urn:schemas-microsoft-com:office:powerpoint" xmlns:com="http://schemas.openxmlformats.org/drawingml/2006/compatibility" xmlns:p14="http://schemas.microsoft.com/office/powerpoint/2010/main" xmlns:p15="http://schemas.microsoft.com/office/powerpoint/2012/main" xmlns:ahyp="http://schemas.microsoft.com/office/drawing/2018/hyperlinkcolor" showMasterPhAnim="0" showMasterSp="0">
   <p:cSld>
     <p:spTree>
       <p:nvGrpSpPr>
-        <p:cNvPr id="73" name="Shape 73"/>
+        <p:cNvPr id="81" name="Shape 81"/>
         <p:cNvGrpSpPr/>
         <p:nvPr/>
       </p:nvGrpSpPr>
@@ -2076,7 +2175,7 @@
       </p:grpSpPr>
       <p:sp>
         <p:nvSpPr>
-          <p:cNvPr id="74" name="Google Shape;74;g205b4ad81c8_0_68:notes"/>
+          <p:cNvPr id="82" name="Google Shape;82;g205b4ad81c8_0_8:notes"/>
           <p:cNvSpPr/>
           <p:nvPr>
             <p:ph idx="2" type="sldImg"/>
@@ -2111,7 +2210,7 @@
       </p:sp>
       <p:sp>
         <p:nvSpPr>
-          <p:cNvPr id="75" name="Google Shape;75;g205b4ad81c8_0_68:notes"/>
+          <p:cNvPr id="83" name="Google Shape;83;g205b4ad81c8_0_8:notes"/>
           <p:cNvSpPr txBox="1"/>
           <p:nvPr>
             <p:ph idx="1" type="body"/>
@@ -2156,12 +2255,12 @@
 </p:notes>
 </file>
 
-<file path=ppt/notesSlides/notesSlide4.xml><?xml version="1.0" encoding="utf-8"?>
+<file path=ppt/notesSlides/notesSlide5.xml><?xml version="1.0" encoding="utf-8"?>
 <p:notes xmlns:a="http://schemas.openxmlformats.org/drawingml/2006/main" xmlns:r="http://schemas.openxmlformats.org/officeDocument/2006/relationships" xmlns:mc="http://schemas.openxmlformats.org/markup-compatibility/2006" xmlns:mv="urn:schemas-microsoft-com:mac:vml" xmlns:p="http://schemas.openxmlformats.org/presentationml/2006/main" xmlns:c="http://schemas.openxmlformats.org/drawingml/2006/chart" xmlns:dgm="http://schemas.openxmlformats.org/drawingml/2006/diagram" xmlns:o="urn:schemas-microsoft-com:office:office" xmlns:v="urn:schemas-microsoft-com:vml" xmlns:pvml="urn:schemas-microsoft-com:office:powerpoint" xmlns:com="http://schemas.openxmlformats.org/drawingml/2006/compatibility" xmlns:p14="http://schemas.microsoft.com/office/powerpoint/2010/main" xmlns:p15="http://schemas.microsoft.com/office/powerpoint/2012/main" xmlns:ahyp="http://schemas.microsoft.com/office/drawing/2018/hyperlinkcolor" showMasterPhAnim="0" showMasterSp="0">
   <p:cSld>
     <p:spTree>
       <p:nvGrpSpPr>
-        <p:cNvPr id="79" name="Shape 79"/>
+        <p:cNvPr id="87" name="Shape 87"/>
         <p:cNvGrpSpPr/>
         <p:nvPr/>
       </p:nvGrpSpPr>
@@ -2175,7 +2274,7 @@
       </p:grpSpPr>
       <p:sp>
         <p:nvSpPr>
-          <p:cNvPr id="80" name="Google Shape;80;g205b4ad81c8_0_82:notes"/>
+          <p:cNvPr id="88" name="Google Shape;88;g205b4ad81c8_0_12:notes"/>
           <p:cNvSpPr/>
           <p:nvPr>
             <p:ph idx="2" type="sldImg"/>
@@ -2210,7 +2309,7 @@
       </p:sp>
       <p:sp>
         <p:nvSpPr>
-          <p:cNvPr id="81" name="Google Shape;81;g205b4ad81c8_0_82:notes"/>
+          <p:cNvPr id="89" name="Google Shape;89;g205b4ad81c8_0_12:notes"/>
           <p:cNvSpPr txBox="1"/>
           <p:nvPr>
             <p:ph idx="1" type="body"/>
@@ -2255,12 +2354,12 @@
 </p:notes>
 </file>
 
-<file path=ppt/notesSlides/notesSlide5.xml><?xml version="1.0" encoding="utf-8"?>
+<file path=ppt/notesSlides/notesSlide6.xml><?xml version="1.0" encoding="utf-8"?>
 <p:notes xmlns:a="http://schemas.openxmlformats.org/drawingml/2006/main" xmlns:r="http://schemas.openxmlformats.org/officeDocument/2006/relationships" xmlns:mc="http://schemas.openxmlformats.org/markup-compatibility/2006" xmlns:mv="urn:schemas-microsoft-com:mac:vml" xmlns:p="http://schemas.openxmlformats.org/presentationml/2006/main" xmlns:c="http://schemas.openxmlformats.org/drawingml/2006/chart" xmlns:dgm="http://schemas.openxmlformats.org/drawingml/2006/diagram" xmlns:o="urn:schemas-microsoft-com:office:office" xmlns:v="urn:schemas-microsoft-com:vml" xmlns:pvml="urn:schemas-microsoft-com:office:powerpoint" xmlns:com="http://schemas.openxmlformats.org/drawingml/2006/compatibility" xmlns:p14="http://schemas.microsoft.com/office/powerpoint/2010/main" xmlns:p15="http://schemas.microsoft.com/office/powerpoint/2012/main" xmlns:ahyp="http://schemas.microsoft.com/office/drawing/2018/hyperlinkcolor" showMasterPhAnim="0" showMasterSp="0">
   <p:cSld>
     <p:spTree>
       <p:nvGrpSpPr>
-        <p:cNvPr id="85" name="Shape 85"/>
+        <p:cNvPr id="93" name="Shape 93"/>
         <p:cNvGrpSpPr/>
         <p:nvPr/>
       </p:nvGrpSpPr>
@@ -2274,7 +2373,7 @@
       </p:grpSpPr>
       <p:sp>
         <p:nvSpPr>
-          <p:cNvPr id="86" name="Google Shape;86;g205b4ad81c8_0_85:notes"/>
+          <p:cNvPr id="94" name="Google Shape;94;g205b4ad81c8_0_25:notes"/>
           <p:cNvSpPr/>
           <p:nvPr>
             <p:ph idx="2" type="sldImg"/>
@@ -2309,106 +2408,7 @@
       </p:sp>
       <p:sp>
         <p:nvSpPr>
-          <p:cNvPr id="87" name="Google Shape;87;g205b4ad81c8_0_85:notes"/>
-          <p:cNvSpPr txBox="1"/>
-          <p:nvPr>
-            <p:ph idx="1" type="body"/>
-          </p:nvPr>
-        </p:nvSpPr>
-        <p:spPr>
-          <a:xfrm>
-            <a:off x="685800" y="4343400"/>
-            <a:ext cx="5486400" cy="4114800"/>
-          </a:xfrm>
-          <a:prstGeom prst="rect">
-            <a:avLst/>
-          </a:prstGeom>
-        </p:spPr>
-        <p:txBody>
-          <a:bodyPr anchorCtr="0" anchor="t" bIns="91425" lIns="91425" spcFirstLastPara="1" rIns="91425" wrap="square" tIns="91425">
-            <a:noAutofit/>
-          </a:bodyPr>
-          <a:lstStyle/>
-          <a:p>
-            <a:pPr indent="0" lvl="0" marL="0" rtl="0" algn="l">
-              <a:spcBef>
-                <a:spcPts val="0"/>
-              </a:spcBef>
-              <a:spcAft>
-                <a:spcPts val="0"/>
-              </a:spcAft>
-              <a:buNone/>
-            </a:pPr>
-            <a:r>
-              <a:t/>
-            </a:r>
-            <a:endParaRPr/>
-          </a:p>
-        </p:txBody>
-      </p:sp>
-    </p:spTree>
-  </p:cSld>
-  <p:clrMapOvr>
-    <a:masterClrMapping/>
-  </p:clrMapOvr>
-</p:notes>
-</file>
-
-<file path=ppt/notesSlides/notesSlide6.xml><?xml version="1.0" encoding="utf-8"?>
-<p:notes xmlns:a="http://schemas.openxmlformats.org/drawingml/2006/main" xmlns:r="http://schemas.openxmlformats.org/officeDocument/2006/relationships" xmlns:mc="http://schemas.openxmlformats.org/markup-compatibility/2006" xmlns:mv="urn:schemas-microsoft-com:mac:vml" xmlns:p="http://schemas.openxmlformats.org/presentationml/2006/main" xmlns:c="http://schemas.openxmlformats.org/drawingml/2006/chart" xmlns:dgm="http://schemas.openxmlformats.org/drawingml/2006/diagram" xmlns:o="urn:schemas-microsoft-com:office:office" xmlns:v="urn:schemas-microsoft-com:vml" xmlns:pvml="urn:schemas-microsoft-com:office:powerpoint" xmlns:com="http://schemas.openxmlformats.org/drawingml/2006/compatibility" xmlns:p14="http://schemas.microsoft.com/office/powerpoint/2010/main" xmlns:p15="http://schemas.microsoft.com/office/powerpoint/2012/main" xmlns:ahyp="http://schemas.microsoft.com/office/drawing/2018/hyperlinkcolor" showMasterPhAnim="0" showMasterSp="0">
-  <p:cSld>
-    <p:spTree>
-      <p:nvGrpSpPr>
-        <p:cNvPr id="91" name="Shape 91"/>
-        <p:cNvGrpSpPr/>
-        <p:nvPr/>
-      </p:nvGrpSpPr>
-      <p:grpSpPr>
-        <a:xfrm>
-          <a:off x="0" y="0"/>
-          <a:ext cx="0" cy="0"/>
-          <a:chOff x="0" y="0"/>
-          <a:chExt cx="0" cy="0"/>
-        </a:xfrm>
-      </p:grpSpPr>
-      <p:sp>
-        <p:nvSpPr>
-          <p:cNvPr id="92" name="Google Shape;92;p:notes"/>
-          <p:cNvSpPr/>
-          <p:nvPr>
-            <p:ph idx="2" type="sldImg"/>
-          </p:nvPr>
-        </p:nvSpPr>
-        <p:spPr>
-          <a:xfrm>
-            <a:off x="381300" y="685800"/>
-            <a:ext cx="6096075" cy="3429000"/>
-          </a:xfrm>
-          <a:custGeom>
-            <a:rect b="b" l="l" r="r" t="t"/>
-            <a:pathLst>
-              <a:path extrusionOk="0" h="120000" w="120000">
-                <a:moveTo>
-                  <a:pt x="0" y="0"/>
-                </a:moveTo>
-                <a:lnTo>
-                  <a:pt x="120000" y="0"/>
-                </a:lnTo>
-                <a:lnTo>
-                  <a:pt x="120000" y="120000"/>
-                </a:lnTo>
-                <a:lnTo>
-                  <a:pt x="0" y="120000"/>
-                </a:lnTo>
-                <a:close/>
-              </a:path>
-            </a:pathLst>
-          </a:custGeom>
-        </p:spPr>
-      </p:sp>
-      <p:sp>
-        <p:nvSpPr>
-          <p:cNvPr id="93" name="Google Shape;93;p:notes"/>
+          <p:cNvPr id="95" name="Google Shape;95;g205b4ad81c8_0_25:notes"/>
           <p:cNvSpPr txBox="1"/>
           <p:nvPr>
             <p:ph idx="1" type="body"/>
@@ -2472,7 +2472,7 @@
       </p:grpSpPr>
       <p:sp>
         <p:nvSpPr>
-          <p:cNvPr id="100" name="Google Shape;100;g205b4ad81c8_0_4:notes"/>
+          <p:cNvPr id="100" name="Google Shape;100;g205b4ad81c8_0_132:notes"/>
           <p:cNvSpPr/>
           <p:nvPr>
             <p:ph idx="2" type="sldImg"/>
@@ -2507,7 +2507,7 @@
       </p:sp>
       <p:sp>
         <p:nvSpPr>
-          <p:cNvPr id="101" name="Google Shape;101;g205b4ad81c8_0_4:notes"/>
+          <p:cNvPr id="101" name="Google Shape;101;g205b4ad81c8_0_132:notes"/>
           <p:cNvSpPr txBox="1"/>
           <p:nvPr>
             <p:ph idx="1" type="body"/>
@@ -2557,7 +2557,7 @@
   <p:cSld>
     <p:spTree>
       <p:nvGrpSpPr>
-        <p:cNvPr id="105" name="Shape 105"/>
+        <p:cNvPr id="104" name="Shape 104"/>
         <p:cNvGrpSpPr/>
         <p:nvPr/>
       </p:nvGrpSpPr>
@@ -2571,7 +2571,7 @@
       </p:grpSpPr>
       <p:sp>
         <p:nvSpPr>
-          <p:cNvPr id="106" name="Google Shape;106;g205b4ad81c8_0_8:notes"/>
+          <p:cNvPr id="105" name="Google Shape;105;g205b4ad81c8_0_56:notes"/>
           <p:cNvSpPr/>
           <p:nvPr>
             <p:ph idx="2" type="sldImg"/>
@@ -2606,7 +2606,7 @@
       </p:sp>
       <p:sp>
         <p:nvSpPr>
-          <p:cNvPr id="107" name="Google Shape;107;g205b4ad81c8_0_8:notes"/>
+          <p:cNvPr id="106" name="Google Shape;106;g205b4ad81c8_0_56:notes"/>
           <p:cNvSpPr txBox="1"/>
           <p:nvPr>
             <p:ph idx="1" type="body"/>
@@ -2656,7 +2656,7 @@
   <p:cSld>
     <p:spTree>
       <p:nvGrpSpPr>
-        <p:cNvPr id="111" name="Shape 111"/>
+        <p:cNvPr id="110" name="Shape 110"/>
         <p:cNvGrpSpPr/>
         <p:nvPr/>
       </p:nvGrpSpPr>
@@ -2670,7 +2670,7 @@
       </p:grpSpPr>
       <p:sp>
         <p:nvSpPr>
-          <p:cNvPr id="112" name="Google Shape;112;g205b4ad81c8_0_12:notes"/>
+          <p:cNvPr id="111" name="Google Shape;111;g205b4ad81c8_0_121:notes"/>
           <p:cNvSpPr/>
           <p:nvPr>
             <p:ph idx="2" type="sldImg"/>
@@ -2705,7 +2705,7 @@
       </p:sp>
       <p:sp>
         <p:nvSpPr>
-          <p:cNvPr id="113" name="Google Shape;113;g205b4ad81c8_0_12:notes"/>
+          <p:cNvPr id="112" name="Google Shape;112;g205b4ad81c8_0_121:notes"/>
           <p:cNvSpPr txBox="1"/>
           <p:nvPr>
             <p:ph idx="1" type="body"/>
@@ -9881,8 +9881,8 @@
         </p:nvSpPr>
         <p:spPr>
           <a:xfrm>
-            <a:off x="323700" y="1498851"/>
-            <a:ext cx="8715600" cy="1897800"/>
+            <a:off x="323700" y="1895475"/>
+            <a:ext cx="8715600" cy="1905000"/>
           </a:xfrm>
           <a:prstGeom prst="rect">
             <a:avLst/>
@@ -9915,7 +9915,7 @@
             </a:pPr>
             <a:r>
               <a:rPr lang="en" sz="2800"/>
-              <a:t>Характеристики GPU.</a:t>
+              <a:t>Обработка ошибок.</a:t>
             </a:r>
             <a:endParaRPr sz="2800"/>
           </a:p>
@@ -9935,7 +9935,11 @@
             </a:pPr>
             <a:r>
               <a:rPr lang="en" sz="2800"/>
-              <a:t>Вычислительные возможности и версии CUDA.</a:t>
+              <a:t>Анализ производительности</a:t>
+            </a:r>
+            <a:r>
+              <a:rPr lang="en" sz="2800"/>
+              <a:t>.</a:t>
             </a:r>
             <a:endParaRPr sz="2800"/>
           </a:p>
@@ -9954,10 +9958,18 @@
               <a:buChar char="●"/>
             </a:pPr>
             <a:r>
-              <a:rPr lang="en" sz="2800"/>
-              <a:t>Обработка ошибок.</a:t>
-            </a:r>
-            <a:endParaRPr sz="2800"/>
+              <a:rPr lang="en" sz="2800">
+                <a:solidFill>
+                  <a:schemeClr val="dk1"/>
+                </a:solidFill>
+              </a:rPr>
+              <a:t>Характеристики GPU.</a:t>
+            </a:r>
+            <a:endParaRPr sz="2800">
+              <a:solidFill>
+                <a:schemeClr val="dk1"/>
+              </a:solidFill>
+            </a:endParaRPr>
           </a:p>
           <a:p>
             <a:pPr indent="-406400" lvl="0" marL="457200" rtl="0" algn="l">
@@ -9974,18 +9986,14 @@
               <a:buChar char="●"/>
             </a:pPr>
             <a:r>
-              <a:rPr lang="en" sz="2800"/>
-              <a:t>Анализ производительности</a:t>
-            </a:r>
-            <a:r>
-              <a:rPr lang="en" sz="2800"/>
-              <a:t>.</a:t>
-            </a:r>
-            <a:endParaRPr sz="2800">
-              <a:solidFill>
-                <a:srgbClr val="000000"/>
-              </a:solidFill>
-            </a:endParaRPr>
+              <a:rPr lang="en" sz="2800">
+                <a:solidFill>
+                  <a:schemeClr val="dk1"/>
+                </a:solidFill>
+              </a:rPr>
+              <a:t>Вычислительные возможности и версии CUDA.</a:t>
+            </a:r>
+            <a:endParaRPr sz="2800"/>
           </a:p>
         </p:txBody>
       </p:sp>
@@ -10002,7 +10010,7 @@
   <p:cSld>
     <p:spTree>
       <p:nvGrpSpPr>
-        <p:cNvPr id="120" name="Shape 120"/>
+        <p:cNvPr id="118" name="Shape 118"/>
         <p:cNvGrpSpPr/>
         <p:nvPr/>
       </p:nvGrpSpPr>
@@ -10016,1135 +10024,7 @@
       </p:grpSpPr>
       <p:sp>
         <p:nvSpPr>
-          <p:cNvPr id="121" name="Google Shape;121;p24"/>
-          <p:cNvSpPr txBox="1"/>
-          <p:nvPr/>
-        </p:nvSpPr>
-        <p:spPr>
-          <a:xfrm>
-            <a:off x="990600" y="76200"/>
-            <a:ext cx="7086600" cy="464100"/>
-          </a:xfrm>
-          <a:prstGeom prst="rect">
-            <a:avLst/>
-          </a:prstGeom>
-          <a:solidFill>
-            <a:srgbClr val="FFCC00"/>
-          </a:solidFill>
-          <a:ln>
-            <a:noFill/>
-          </a:ln>
-        </p:spPr>
-        <p:txBody>
-          <a:bodyPr anchorCtr="0" anchor="t" bIns="46800" lIns="90000" spcFirstLastPara="1" rIns="90000" wrap="square" tIns="46800">
-            <a:spAutoFit/>
-          </a:bodyPr>
-          <a:lstStyle/>
-          <a:p>
-            <a:pPr indent="0" lvl="0" marL="0" marR="0" rtl="0" algn="ctr">
-              <a:lnSpc>
-                <a:spcPct val="100000"/>
-              </a:lnSpc>
-              <a:spcBef>
-                <a:spcPts val="0"/>
-              </a:spcBef>
-              <a:spcAft>
-                <a:spcPts val="0"/>
-              </a:spcAft>
-              <a:buClr>
-                <a:srgbClr val="000000"/>
-              </a:buClr>
-              <a:buSzPts val="2400"/>
-              <a:buFont typeface="Arial"/>
-              <a:buNone/>
-            </a:pPr>
-            <a:r>
-              <a:rPr b="1" lang="en" sz="2400"/>
-              <a:t>Синхронизация по событию</a:t>
-            </a:r>
-            <a:endParaRPr/>
-          </a:p>
-        </p:txBody>
-      </p:sp>
-      <p:pic>
-        <p:nvPicPr>
-          <p:cNvPr id="122" name="Google Shape;122;p24"/>
-          <p:cNvPicPr preferRelativeResize="0"/>
-          <p:nvPr/>
-        </p:nvPicPr>
-        <p:blipFill>
-          <a:blip r:embed="rId3">
-            <a:alphaModFix/>
-          </a:blip>
-          <a:stretch>
-            <a:fillRect/>
-          </a:stretch>
-        </p:blipFill>
-        <p:spPr>
-          <a:xfrm>
-            <a:off x="152400" y="692700"/>
-            <a:ext cx="8872538" cy="4168801"/>
-          </a:xfrm>
-          <a:prstGeom prst="rect">
-            <a:avLst/>
-          </a:prstGeom>
-          <a:noFill/>
-          <a:ln>
-            <a:noFill/>
-          </a:ln>
-        </p:spPr>
-      </p:pic>
-    </p:spTree>
-  </p:cSld>
-  <p:clrMapOvr>
-    <a:masterClrMapping/>
-  </p:clrMapOvr>
-</p:sld>
-</file>
-
-<file path=ppt/slides/slide11.xml><?xml version="1.0" encoding="utf-8"?>
-<p:sld xmlns:a="http://schemas.openxmlformats.org/drawingml/2006/main" xmlns:r="http://schemas.openxmlformats.org/officeDocument/2006/relationships" xmlns:mc="http://schemas.openxmlformats.org/markup-compatibility/2006" xmlns:mv="urn:schemas-microsoft-com:mac:vml" xmlns:p="http://schemas.openxmlformats.org/presentationml/2006/main" xmlns:c="http://schemas.openxmlformats.org/drawingml/2006/chart" xmlns:dgm="http://schemas.openxmlformats.org/drawingml/2006/diagram" xmlns:o="urn:schemas-microsoft-com:office:office" xmlns:v="urn:schemas-microsoft-com:vml" xmlns:pvml="urn:schemas-microsoft-com:office:powerpoint" xmlns:com="http://schemas.openxmlformats.org/drawingml/2006/compatibility" xmlns:p14="http://schemas.microsoft.com/office/powerpoint/2010/main" xmlns:p15="http://schemas.microsoft.com/office/powerpoint/2012/main" xmlns:ahyp="http://schemas.microsoft.com/office/drawing/2018/hyperlinkcolor">
-  <p:cSld>
-    <p:spTree>
-      <p:nvGrpSpPr>
-        <p:cNvPr id="126" name="Shape 126"/>
-        <p:cNvGrpSpPr/>
-        <p:nvPr/>
-      </p:nvGrpSpPr>
-      <p:grpSpPr>
-        <a:xfrm>
-          <a:off x="0" y="0"/>
-          <a:ext cx="0" cy="0"/>
-          <a:chOff x="0" y="0"/>
-          <a:chExt cx="0" cy="0"/>
-        </a:xfrm>
-      </p:grpSpPr>
-      <p:sp>
-        <p:nvSpPr>
-          <p:cNvPr id="127" name="Google Shape;127;p25"/>
-          <p:cNvSpPr txBox="1"/>
-          <p:nvPr/>
-        </p:nvSpPr>
-        <p:spPr>
-          <a:xfrm>
-            <a:off x="118925" y="1023775"/>
-            <a:ext cx="8892900" cy="3140100"/>
-          </a:xfrm>
-          <a:prstGeom prst="rect">
-            <a:avLst/>
-          </a:prstGeom>
-          <a:solidFill>
-            <a:srgbClr val="F4CCCC"/>
-          </a:solidFill>
-          <a:ln cap="flat" cmpd="sng" w="9525">
-            <a:solidFill>
-              <a:schemeClr val="dk1"/>
-            </a:solidFill>
-            <a:prstDash val="solid"/>
-            <a:round/>
-            <a:headEnd len="sm" w="sm" type="none"/>
-            <a:tailEnd len="sm" w="sm" type="none"/>
-          </a:ln>
-        </p:spPr>
-        <p:txBody>
-          <a:bodyPr anchorCtr="0" anchor="t" bIns="91425" lIns="91425" spcFirstLastPara="1" rIns="91425" wrap="square" tIns="91425">
-            <a:spAutoFit/>
-          </a:bodyPr>
-          <a:lstStyle/>
-          <a:p>
-            <a:pPr indent="0" lvl="0" marL="0" rtl="0" algn="l">
-              <a:spcBef>
-                <a:spcPts val="0"/>
-              </a:spcBef>
-              <a:spcAft>
-                <a:spcPts val="0"/>
-              </a:spcAft>
-              <a:buNone/>
-            </a:pPr>
-            <a:r>
-              <a:rPr lang="en" sz="2400"/>
-              <a:t>Задача:</a:t>
-            </a:r>
-            <a:endParaRPr sz="2400"/>
-          </a:p>
-          <a:p>
-            <a:pPr indent="-381000" lvl="0" marL="457200" rtl="0" algn="l">
-              <a:spcBef>
-                <a:spcPts val="0"/>
-              </a:spcBef>
-              <a:spcAft>
-                <a:spcPts val="0"/>
-              </a:spcAft>
-              <a:buSzPts val="2400"/>
-              <a:buAutoNum type="arabicPeriod"/>
-            </a:pPr>
-            <a:r>
-              <a:rPr lang="en" sz="2400"/>
-              <a:t>Определить при какой длине векторов имеет смысл распараллеливать операцию сложения.</a:t>
-            </a:r>
-            <a:endParaRPr sz="2400"/>
-          </a:p>
-          <a:p>
-            <a:pPr indent="-381000" lvl="0" marL="457200" rtl="0" algn="l">
-              <a:spcBef>
-                <a:spcPts val="0"/>
-              </a:spcBef>
-              <a:spcAft>
-                <a:spcPts val="0"/>
-              </a:spcAft>
-              <a:buSzPts val="2400"/>
-              <a:buAutoNum type="arabicPeriod"/>
-            </a:pPr>
-            <a:r>
-              <a:rPr lang="en" sz="2400"/>
-              <a:t>Определить оптимальное количество потоков POSIX для распараллеливания.</a:t>
-            </a:r>
-            <a:endParaRPr sz="2400"/>
-          </a:p>
-          <a:p>
-            <a:pPr indent="-381000" lvl="0" marL="457200" rtl="0" algn="l">
-              <a:spcBef>
-                <a:spcPts val="0"/>
-              </a:spcBef>
-              <a:spcAft>
-                <a:spcPts val="0"/>
-              </a:spcAft>
-              <a:buSzPts val="2400"/>
-              <a:buAutoNum type="arabicPeriod"/>
-            </a:pPr>
-            <a:r>
-              <a:rPr lang="en" sz="2400"/>
-              <a:t>Определить зависимость времени выполнения операции сложения на GPU от длины векторов (выбирать количество нитей равным длине вектора).  </a:t>
-            </a:r>
-            <a:endParaRPr sz="2400"/>
-          </a:p>
-        </p:txBody>
-      </p:sp>
-    </p:spTree>
-  </p:cSld>
-  <p:clrMapOvr>
-    <a:masterClrMapping/>
-  </p:clrMapOvr>
-</p:sld>
-</file>
-
-<file path=ppt/slides/slide12.xml><?xml version="1.0" encoding="utf-8"?>
-<p:sld xmlns:a="http://schemas.openxmlformats.org/drawingml/2006/main" xmlns:r="http://schemas.openxmlformats.org/officeDocument/2006/relationships" xmlns:mc="http://schemas.openxmlformats.org/markup-compatibility/2006" xmlns:mv="urn:schemas-microsoft-com:mac:vml" xmlns:p="http://schemas.openxmlformats.org/presentationml/2006/main" xmlns:c="http://schemas.openxmlformats.org/drawingml/2006/chart" xmlns:dgm="http://schemas.openxmlformats.org/drawingml/2006/diagram" xmlns:o="urn:schemas-microsoft-com:office:office" xmlns:v="urn:schemas-microsoft-com:vml" xmlns:pvml="urn:schemas-microsoft-com:office:powerpoint" xmlns:com="http://schemas.openxmlformats.org/drawingml/2006/compatibility" xmlns:p14="http://schemas.microsoft.com/office/powerpoint/2010/main" xmlns:p15="http://schemas.microsoft.com/office/powerpoint/2012/main" xmlns:ahyp="http://schemas.microsoft.com/office/drawing/2018/hyperlinkcolor">
-  <p:cSld>
-    <p:spTree>
-      <p:nvGrpSpPr>
-        <p:cNvPr id="131" name="Shape 131"/>
-        <p:cNvGrpSpPr/>
-        <p:nvPr/>
-      </p:nvGrpSpPr>
-      <p:grpSpPr>
-        <a:xfrm>
-          <a:off x="0" y="0"/>
-          <a:ext cx="0" cy="0"/>
-          <a:chOff x="0" y="0"/>
-          <a:chExt cx="0" cy="0"/>
-        </a:xfrm>
-      </p:grpSpPr>
-      <p:sp>
-        <p:nvSpPr>
-          <p:cNvPr id="132" name="Google Shape;132;p26"/>
-          <p:cNvSpPr txBox="1"/>
-          <p:nvPr/>
-        </p:nvSpPr>
-        <p:spPr>
-          <a:xfrm>
-            <a:off x="317125" y="330925"/>
-            <a:ext cx="8615400" cy="400200"/>
-          </a:xfrm>
-          <a:prstGeom prst="rect">
-            <a:avLst/>
-          </a:prstGeom>
-          <a:noFill/>
-          <a:ln>
-            <a:noFill/>
-          </a:ln>
-        </p:spPr>
-        <p:txBody>
-          <a:bodyPr anchorCtr="0" anchor="t" bIns="91425" lIns="91425" spcFirstLastPara="1" rIns="91425" wrap="square" tIns="91425">
-            <a:spAutoFit/>
-          </a:bodyPr>
-          <a:lstStyle/>
-          <a:p>
-            <a:pPr indent="0" lvl="0" marL="0" rtl="0" algn="l">
-              <a:spcBef>
-                <a:spcPts val="0"/>
-              </a:spcBef>
-              <a:spcAft>
-                <a:spcPts val="0"/>
-              </a:spcAft>
-              <a:buNone/>
-            </a:pPr>
-            <a:r>
-              <a:t/>
-            </a:r>
-            <a:endParaRPr/>
-          </a:p>
-        </p:txBody>
-      </p:sp>
-      <p:sp>
-        <p:nvSpPr>
-          <p:cNvPr id="133" name="Google Shape;133;p26"/>
-          <p:cNvSpPr txBox="1"/>
-          <p:nvPr/>
-        </p:nvSpPr>
-        <p:spPr>
-          <a:xfrm>
-            <a:off x="237850" y="134925"/>
-            <a:ext cx="8826900" cy="4802400"/>
-          </a:xfrm>
-          <a:prstGeom prst="rect">
-            <a:avLst/>
-          </a:prstGeom>
-          <a:solidFill>
-            <a:srgbClr val="FFF2CC"/>
-          </a:solidFill>
-          <a:ln cap="flat" cmpd="sng" w="9525">
-            <a:solidFill>
-              <a:schemeClr val="dk1"/>
-            </a:solidFill>
-            <a:prstDash val="solid"/>
-            <a:round/>
-            <a:headEnd len="sm" w="sm" type="none"/>
-            <a:tailEnd len="sm" w="sm" type="none"/>
-          </a:ln>
-        </p:spPr>
-        <p:txBody>
-          <a:bodyPr anchorCtr="0" anchor="t" bIns="91425" lIns="91425" spcFirstLastPara="1" rIns="91425" wrap="square" tIns="91425">
-            <a:spAutoFit/>
-          </a:bodyPr>
-          <a:lstStyle/>
-          <a:p>
-            <a:pPr indent="0" lvl="0" marL="0" rtl="0" algn="l">
-              <a:spcBef>
-                <a:spcPts val="0"/>
-              </a:spcBef>
-              <a:spcAft>
-                <a:spcPts val="0"/>
-              </a:spcAft>
-              <a:buClr>
-                <a:schemeClr val="dk1"/>
-              </a:buClr>
-              <a:buSzPts val="1100"/>
-              <a:buFont typeface="Arial"/>
-              <a:buNone/>
-            </a:pPr>
-            <a:r>
-              <a:rPr lang="en" sz="2000"/>
-              <a:t>#include &lt;malloc.h&gt;</a:t>
-            </a:r>
-            <a:endParaRPr sz="2000"/>
-          </a:p>
-          <a:p>
-            <a:pPr indent="0" lvl="0" marL="0" rtl="0" algn="l">
-              <a:spcBef>
-                <a:spcPts val="0"/>
-              </a:spcBef>
-              <a:spcAft>
-                <a:spcPts val="0"/>
-              </a:spcAft>
-              <a:buClr>
-                <a:schemeClr val="dk1"/>
-              </a:buClr>
-              <a:buSzPts val="1100"/>
-              <a:buFont typeface="Arial"/>
-              <a:buNone/>
-            </a:pPr>
-            <a:r>
-              <a:rPr lang="en" sz="2000"/>
-              <a:t>#include &lt;stdio.h&gt;</a:t>
-            </a:r>
-            <a:endParaRPr sz="2000"/>
-          </a:p>
-          <a:p>
-            <a:pPr indent="0" lvl="0" marL="0" rtl="0" algn="l">
-              <a:spcBef>
-                <a:spcPts val="0"/>
-              </a:spcBef>
-              <a:spcAft>
-                <a:spcPts val="0"/>
-              </a:spcAft>
-              <a:buClr>
-                <a:schemeClr val="dk1"/>
-              </a:buClr>
-              <a:buSzPts val="1100"/>
-              <a:buFont typeface="Arial"/>
-              <a:buNone/>
-            </a:pPr>
-            <a:r>
-              <a:rPr lang="en" sz="2000"/>
-              <a:t>#include &lt;stdlib.h&gt;</a:t>
-            </a:r>
-            <a:endParaRPr sz="2000"/>
-          </a:p>
-          <a:p>
-            <a:pPr indent="0" lvl="0" marL="0" rtl="0" algn="l">
-              <a:spcBef>
-                <a:spcPts val="0"/>
-              </a:spcBef>
-              <a:spcAft>
-                <a:spcPts val="0"/>
-              </a:spcAft>
-              <a:buClr>
-                <a:schemeClr val="dk1"/>
-              </a:buClr>
-              <a:buSzPts val="1100"/>
-              <a:buFont typeface="Arial"/>
-              <a:buNone/>
-            </a:pPr>
-            <a:r>
-              <a:rPr lang="en" sz="2000"/>
-              <a:t>#include &lt;sys/time.h&gt;</a:t>
-            </a:r>
-            <a:endParaRPr sz="2000"/>
-          </a:p>
-          <a:p>
-            <a:pPr indent="0" lvl="0" marL="0" rtl="0" algn="l">
-              <a:spcBef>
-                <a:spcPts val="0"/>
-              </a:spcBef>
-              <a:spcAft>
-                <a:spcPts val="0"/>
-              </a:spcAft>
-              <a:buClr>
-                <a:schemeClr val="dk1"/>
-              </a:buClr>
-              <a:buSzPts val="1100"/>
-              <a:buFont typeface="Arial"/>
-              <a:buNone/>
-            </a:pPr>
-            <a:r>
-              <a:t/>
-            </a:r>
-            <a:endParaRPr sz="2000"/>
-          </a:p>
-          <a:p>
-            <a:pPr indent="0" lvl="0" marL="0" rtl="0" algn="l">
-              <a:spcBef>
-                <a:spcPts val="0"/>
-              </a:spcBef>
-              <a:spcAft>
-                <a:spcPts val="0"/>
-              </a:spcAft>
-              <a:buClr>
-                <a:schemeClr val="dk1"/>
-              </a:buClr>
-              <a:buSzPts val="1100"/>
-              <a:buFont typeface="Arial"/>
-              <a:buNone/>
-            </a:pPr>
-            <a:r>
-              <a:rPr lang="en" sz="2000"/>
-              <a:t>void hTest(int N, int* a, int* b){</a:t>
-            </a:r>
-            <a:endParaRPr sz="2000"/>
-          </a:p>
-          <a:p>
-            <a:pPr indent="0" lvl="0" marL="0" rtl="0" algn="l">
-              <a:spcBef>
-                <a:spcPts val="0"/>
-              </a:spcBef>
-              <a:spcAft>
-                <a:spcPts val="0"/>
-              </a:spcAft>
-              <a:buClr>
-                <a:schemeClr val="dk1"/>
-              </a:buClr>
-              <a:buSzPts val="1100"/>
-              <a:buFont typeface="Arial"/>
-              <a:buNone/>
-            </a:pPr>
-            <a:r>
-              <a:rPr lang="en" sz="2000"/>
-              <a:t> for(int i=0; i&lt;N;i++)</a:t>
-            </a:r>
-            <a:endParaRPr sz="2000"/>
-          </a:p>
-          <a:p>
-            <a:pPr indent="0" lvl="0" marL="0" rtl="0" algn="l">
-              <a:spcBef>
-                <a:spcPts val="0"/>
-              </a:spcBef>
-              <a:spcAft>
-                <a:spcPts val="0"/>
-              </a:spcAft>
-              <a:buClr>
-                <a:schemeClr val="dk1"/>
-              </a:buClr>
-              <a:buSzPts val="1100"/>
-              <a:buFont typeface="Arial"/>
-              <a:buNone/>
-            </a:pPr>
-            <a:r>
-              <a:rPr lang="en" sz="2000"/>
-              <a:t>    a[i]+=b[i];</a:t>
-            </a:r>
-            <a:endParaRPr sz="2000"/>
-          </a:p>
-          <a:p>
-            <a:pPr indent="0" lvl="0" marL="0" rtl="0" algn="l">
-              <a:spcBef>
-                <a:spcPts val="0"/>
-              </a:spcBef>
-              <a:spcAft>
-                <a:spcPts val="0"/>
-              </a:spcAft>
-              <a:buClr>
-                <a:schemeClr val="dk1"/>
-              </a:buClr>
-              <a:buSzPts val="1100"/>
-              <a:buFont typeface="Arial"/>
-              <a:buNone/>
-            </a:pPr>
-            <a:r>
-              <a:rPr lang="en" sz="2000"/>
-              <a:t>}</a:t>
-            </a:r>
-            <a:endParaRPr sz="2000"/>
-          </a:p>
-          <a:p>
-            <a:pPr indent="0" lvl="0" marL="0" rtl="0" algn="l">
-              <a:spcBef>
-                <a:spcPts val="0"/>
-              </a:spcBef>
-              <a:spcAft>
-                <a:spcPts val="0"/>
-              </a:spcAft>
-              <a:buClr>
-                <a:schemeClr val="dk1"/>
-              </a:buClr>
-              <a:buSzPts val="1100"/>
-              <a:buFont typeface="Arial"/>
-              <a:buNone/>
-            </a:pPr>
-            <a:r>
-              <a:t/>
-            </a:r>
-            <a:endParaRPr sz="2000"/>
-          </a:p>
-          <a:p>
-            <a:pPr indent="0" lvl="0" marL="0" rtl="0" algn="l">
-              <a:spcBef>
-                <a:spcPts val="0"/>
-              </a:spcBef>
-              <a:spcAft>
-                <a:spcPts val="0"/>
-              </a:spcAft>
-              <a:buClr>
-                <a:schemeClr val="dk1"/>
-              </a:buClr>
-              <a:buSzPts val="1100"/>
-              <a:buFont typeface="Arial"/>
-              <a:buNone/>
-            </a:pPr>
-            <a:r>
-              <a:rPr lang="en" sz="2000"/>
-              <a:t>int main(int argc, char** argv){</a:t>
-            </a:r>
-            <a:endParaRPr sz="2000"/>
-          </a:p>
-          <a:p>
-            <a:pPr indent="0" lvl="0" marL="0" rtl="0" algn="l">
-              <a:spcBef>
-                <a:spcPts val="0"/>
-              </a:spcBef>
-              <a:spcAft>
-                <a:spcPts val="0"/>
-              </a:spcAft>
-              <a:buClr>
-                <a:schemeClr val="dk1"/>
-              </a:buClr>
-              <a:buSzPts val="1100"/>
-              <a:buFont typeface="Arial"/>
-              <a:buNone/>
-            </a:pPr>
-            <a:r>
-              <a:rPr lang="en" sz="2000"/>
-              <a:t> if(argc&lt;2){</a:t>
-            </a:r>
-            <a:endParaRPr sz="2000"/>
-          </a:p>
-          <a:p>
-            <a:pPr indent="0" lvl="0" marL="0" rtl="0" algn="l">
-              <a:spcBef>
-                <a:spcPts val="0"/>
-              </a:spcBef>
-              <a:spcAft>
-                <a:spcPts val="0"/>
-              </a:spcAft>
-              <a:buClr>
-                <a:schemeClr val="dk1"/>
-              </a:buClr>
-              <a:buSzPts val="1100"/>
-              <a:buFont typeface="Arial"/>
-              <a:buNone/>
-            </a:pPr>
-            <a:r>
-              <a:rPr lang="en" sz="2000"/>
-              <a:t>   fprintf(stderr, "USAGE: lab2 &lt;N&gt;\n");</a:t>
-            </a:r>
-            <a:endParaRPr sz="2000"/>
-          </a:p>
-          <a:p>
-            <a:pPr indent="0" lvl="0" marL="0" rtl="0" algn="l">
-              <a:spcBef>
-                <a:spcPts val="0"/>
-              </a:spcBef>
-              <a:spcAft>
-                <a:spcPts val="0"/>
-              </a:spcAft>
-              <a:buClr>
-                <a:schemeClr val="dk1"/>
-              </a:buClr>
-              <a:buSzPts val="1100"/>
-              <a:buFont typeface="Arial"/>
-              <a:buNone/>
-            </a:pPr>
-            <a:r>
-              <a:rPr lang="en" sz="2000"/>
-              <a:t>   return -1;</a:t>
-            </a:r>
-            <a:endParaRPr sz="2000"/>
-          </a:p>
-          <a:p>
-            <a:pPr indent="0" lvl="0" marL="0" rtl="0" algn="l">
-              <a:spcBef>
-                <a:spcPts val="0"/>
-              </a:spcBef>
-              <a:spcAft>
-                <a:spcPts val="0"/>
-              </a:spcAft>
-              <a:buNone/>
-            </a:pPr>
-            <a:r>
-              <a:rPr lang="en" sz="2000"/>
-              <a:t> }</a:t>
-            </a:r>
-            <a:endParaRPr/>
-          </a:p>
-        </p:txBody>
-      </p:sp>
-    </p:spTree>
-  </p:cSld>
-  <p:clrMapOvr>
-    <a:masterClrMapping/>
-  </p:clrMapOvr>
-</p:sld>
-</file>
-
-<file path=ppt/slides/slide13.xml><?xml version="1.0" encoding="utf-8"?>
-<p:sld xmlns:a="http://schemas.openxmlformats.org/drawingml/2006/main" xmlns:r="http://schemas.openxmlformats.org/officeDocument/2006/relationships" xmlns:mc="http://schemas.openxmlformats.org/markup-compatibility/2006" xmlns:mv="urn:schemas-microsoft-com:mac:vml" xmlns:p="http://schemas.openxmlformats.org/presentationml/2006/main" xmlns:c="http://schemas.openxmlformats.org/drawingml/2006/chart" xmlns:dgm="http://schemas.openxmlformats.org/drawingml/2006/diagram" xmlns:o="urn:schemas-microsoft-com:office:office" xmlns:v="urn:schemas-microsoft-com:vml" xmlns:pvml="urn:schemas-microsoft-com:office:powerpoint" xmlns:com="http://schemas.openxmlformats.org/drawingml/2006/compatibility" xmlns:p14="http://schemas.microsoft.com/office/powerpoint/2010/main" xmlns:p15="http://schemas.microsoft.com/office/powerpoint/2012/main" xmlns:ahyp="http://schemas.microsoft.com/office/drawing/2018/hyperlinkcolor">
-  <p:cSld>
-    <p:spTree>
-      <p:nvGrpSpPr>
-        <p:cNvPr id="137" name="Shape 137"/>
-        <p:cNvGrpSpPr/>
-        <p:nvPr/>
-      </p:nvGrpSpPr>
-      <p:grpSpPr>
-        <a:xfrm>
-          <a:off x="0" y="0"/>
-          <a:ext cx="0" cy="0"/>
-          <a:chOff x="0" y="0"/>
-          <a:chExt cx="0" cy="0"/>
-        </a:xfrm>
-      </p:grpSpPr>
-      <p:sp>
-        <p:nvSpPr>
-          <p:cNvPr id="138" name="Google Shape;138;p27"/>
-          <p:cNvSpPr txBox="1"/>
-          <p:nvPr/>
-        </p:nvSpPr>
-        <p:spPr>
-          <a:xfrm>
-            <a:off x="208350" y="66661"/>
-            <a:ext cx="8760900" cy="5017800"/>
-          </a:xfrm>
-          <a:prstGeom prst="rect">
-            <a:avLst/>
-          </a:prstGeom>
-          <a:solidFill>
-            <a:srgbClr val="FFF2CC"/>
-          </a:solidFill>
-          <a:ln cap="flat" cmpd="sng" w="9525">
-            <a:solidFill>
-              <a:schemeClr val="dk1"/>
-            </a:solidFill>
-            <a:prstDash val="solid"/>
-            <a:round/>
-            <a:headEnd len="sm" w="sm" type="none"/>
-            <a:tailEnd len="sm" w="sm" type="none"/>
-          </a:ln>
-        </p:spPr>
-        <p:txBody>
-          <a:bodyPr anchorCtr="0" anchor="t" bIns="91425" lIns="91425" spcFirstLastPara="1" rIns="91425" wrap="square" tIns="91425">
-            <a:spAutoFit/>
-          </a:bodyPr>
-          <a:lstStyle/>
-          <a:p>
-            <a:pPr indent="0" lvl="0" marL="0" rtl="0" algn="l">
-              <a:spcBef>
-                <a:spcPts val="0"/>
-              </a:spcBef>
-              <a:spcAft>
-                <a:spcPts val="0"/>
-              </a:spcAft>
-              <a:buClr>
-                <a:schemeClr val="dk1"/>
-              </a:buClr>
-              <a:buSzPts val="1100"/>
-              <a:buFont typeface="Arial"/>
-              <a:buNone/>
-            </a:pPr>
-            <a:r>
-              <a:rPr lang="en" sz="2000">
-                <a:solidFill>
-                  <a:schemeClr val="dk1"/>
-                </a:solidFill>
-              </a:rPr>
-              <a:t> struct timeval t;</a:t>
-            </a:r>
-            <a:endParaRPr sz="2000">
-              <a:solidFill>
-                <a:schemeClr val="dk1"/>
-              </a:solidFill>
-            </a:endParaRPr>
-          </a:p>
-          <a:p>
-            <a:pPr indent="0" lvl="0" marL="0" rtl="0" algn="l">
-              <a:spcBef>
-                <a:spcPts val="0"/>
-              </a:spcBef>
-              <a:spcAft>
-                <a:spcPts val="0"/>
-              </a:spcAft>
-              <a:buClr>
-                <a:schemeClr val="dk1"/>
-              </a:buClr>
-              <a:buSzPts val="1100"/>
-              <a:buFont typeface="Arial"/>
-              <a:buNone/>
-            </a:pPr>
-            <a:r>
-              <a:rPr lang="en" sz="2000">
-                <a:solidFill>
-                  <a:schemeClr val="dk1"/>
-                </a:solidFill>
-              </a:rPr>
-              <a:t> double Start, Finish;</a:t>
-            </a:r>
-            <a:endParaRPr sz="2000">
-              <a:solidFill>
-                <a:schemeClr val="dk1"/>
-              </a:solidFill>
-            </a:endParaRPr>
-          </a:p>
-          <a:p>
-            <a:pPr indent="0" lvl="0" marL="0" rtl="0" algn="l">
-              <a:spcBef>
-                <a:spcPts val="0"/>
-              </a:spcBef>
-              <a:spcAft>
-                <a:spcPts val="0"/>
-              </a:spcAft>
-              <a:buClr>
-                <a:schemeClr val="dk1"/>
-              </a:buClr>
-              <a:buSzPts val="1100"/>
-              <a:buFont typeface="Arial"/>
-              <a:buNone/>
-            </a:pPr>
-            <a:r>
-              <a:rPr lang="en" sz="2000">
-                <a:solidFill>
-                  <a:schemeClr val="dk1"/>
-                </a:solidFill>
-              </a:rPr>
-              <a:t> double ElapsedTime;</a:t>
-            </a:r>
-            <a:endParaRPr sz="2000">
-              <a:solidFill>
-                <a:schemeClr val="dk1"/>
-              </a:solidFill>
-            </a:endParaRPr>
-          </a:p>
-          <a:p>
-            <a:pPr indent="0" lvl="0" marL="0" rtl="0" algn="l">
-              <a:spcBef>
-                <a:spcPts val="0"/>
-              </a:spcBef>
-              <a:spcAft>
-                <a:spcPts val="0"/>
-              </a:spcAft>
-              <a:buNone/>
-            </a:pPr>
-            <a:r>
-              <a:t/>
-            </a:r>
-            <a:endParaRPr sz="2000">
-              <a:solidFill>
-                <a:schemeClr val="dk1"/>
-              </a:solidFill>
-            </a:endParaRPr>
-          </a:p>
-          <a:p>
-            <a:pPr indent="0" lvl="0" marL="0" rtl="0" algn="l">
-              <a:spcBef>
-                <a:spcPts val="0"/>
-              </a:spcBef>
-              <a:spcAft>
-                <a:spcPts val="0"/>
-              </a:spcAft>
-              <a:buClr>
-                <a:schemeClr val="dk1"/>
-              </a:buClr>
-              <a:buSzPts val="1100"/>
-              <a:buFont typeface="Arial"/>
-              <a:buNone/>
-            </a:pPr>
-            <a:r>
-              <a:rPr lang="en" sz="2000">
-                <a:solidFill>
-                  <a:schemeClr val="dk1"/>
-                </a:solidFill>
-              </a:rPr>
-              <a:t> int N=atoi(argv[1]);</a:t>
-            </a:r>
-            <a:endParaRPr sz="2000">
-              <a:solidFill>
-                <a:schemeClr val="dk1"/>
-              </a:solidFill>
-            </a:endParaRPr>
-          </a:p>
-          <a:p>
-            <a:pPr indent="0" lvl="0" marL="0" rtl="0" algn="l">
-              <a:spcBef>
-                <a:spcPts val="0"/>
-              </a:spcBef>
-              <a:spcAft>
-                <a:spcPts val="0"/>
-              </a:spcAft>
-              <a:buClr>
-                <a:schemeClr val="dk1"/>
-              </a:buClr>
-              <a:buSzPts val="1100"/>
-              <a:buFont typeface="Arial"/>
-              <a:buNone/>
-            </a:pPr>
-            <a:r>
-              <a:rPr lang="en" sz="2000">
-                <a:solidFill>
-                  <a:schemeClr val="dk1"/>
-                </a:solidFill>
-              </a:rPr>
-              <a:t> if(N==0)</a:t>
-            </a:r>
-            <a:endParaRPr sz="2000">
-              <a:solidFill>
-                <a:schemeClr val="dk1"/>
-              </a:solidFill>
-            </a:endParaRPr>
-          </a:p>
-          <a:p>
-            <a:pPr indent="0" lvl="0" marL="0" rtl="0" algn="l">
-              <a:spcBef>
-                <a:spcPts val="0"/>
-              </a:spcBef>
-              <a:spcAft>
-                <a:spcPts val="0"/>
-              </a:spcAft>
-              <a:buClr>
-                <a:schemeClr val="dk1"/>
-              </a:buClr>
-              <a:buSzPts val="1100"/>
-              <a:buFont typeface="Arial"/>
-              <a:buNone/>
-            </a:pPr>
-            <a:r>
-              <a:rPr lang="en" sz="2000">
-                <a:solidFill>
-                  <a:schemeClr val="dk1"/>
-                </a:solidFill>
-              </a:rPr>
-              <a:t>   N=1&lt;&lt;30;</a:t>
-            </a:r>
-            <a:endParaRPr sz="2000">
-              <a:solidFill>
-                <a:schemeClr val="dk1"/>
-              </a:solidFill>
-            </a:endParaRPr>
-          </a:p>
-          <a:p>
-            <a:pPr indent="0" lvl="0" marL="0" rtl="0" algn="l">
-              <a:spcBef>
-                <a:spcPts val="0"/>
-              </a:spcBef>
-              <a:spcAft>
-                <a:spcPts val="0"/>
-              </a:spcAft>
-              <a:buClr>
-                <a:schemeClr val="dk1"/>
-              </a:buClr>
-              <a:buSzPts val="1100"/>
-              <a:buFont typeface="Arial"/>
-              <a:buNone/>
-            </a:pPr>
-            <a:r>
-              <a:t/>
-            </a:r>
-            <a:endParaRPr sz="2000">
-              <a:solidFill>
-                <a:schemeClr val="dk1"/>
-              </a:solidFill>
-            </a:endParaRPr>
-          </a:p>
-          <a:p>
-            <a:pPr indent="0" lvl="0" marL="0" rtl="0" algn="l">
-              <a:spcBef>
-                <a:spcPts val="0"/>
-              </a:spcBef>
-              <a:spcAft>
-                <a:spcPts val="0"/>
-              </a:spcAft>
-              <a:buClr>
-                <a:schemeClr val="dk1"/>
-              </a:buClr>
-              <a:buSzPts val="1100"/>
-              <a:buFont typeface="Arial"/>
-              <a:buNone/>
-            </a:pPr>
-            <a:r>
-              <a:rPr lang="en" sz="2000">
-                <a:solidFill>
-                  <a:schemeClr val="dk1"/>
-                </a:solidFill>
-              </a:rPr>
-              <a:t> int* a=(int*)calloc(N, sizeof(int));</a:t>
-            </a:r>
-            <a:endParaRPr sz="2000">
-              <a:solidFill>
-                <a:schemeClr val="dk1"/>
-              </a:solidFill>
-            </a:endParaRPr>
-          </a:p>
-          <a:p>
-            <a:pPr indent="0" lvl="0" marL="0" rtl="0" algn="l">
-              <a:spcBef>
-                <a:spcPts val="0"/>
-              </a:spcBef>
-              <a:spcAft>
-                <a:spcPts val="0"/>
-              </a:spcAft>
-              <a:buClr>
-                <a:schemeClr val="dk1"/>
-              </a:buClr>
-              <a:buSzPts val="1100"/>
-              <a:buFont typeface="Arial"/>
-              <a:buNone/>
-            </a:pPr>
-            <a:r>
-              <a:rPr lang="en" sz="2000">
-                <a:solidFill>
-                  <a:schemeClr val="dk1"/>
-                </a:solidFill>
-              </a:rPr>
-              <a:t> int* b=(int*)calloc(N, sizeof(int));</a:t>
-            </a:r>
-            <a:endParaRPr sz="2000">
-              <a:solidFill>
-                <a:schemeClr val="dk1"/>
-              </a:solidFill>
-            </a:endParaRPr>
-          </a:p>
-          <a:p>
-            <a:pPr indent="0" lvl="0" marL="0" rtl="0" algn="l">
-              <a:spcBef>
-                <a:spcPts val="0"/>
-              </a:spcBef>
-              <a:spcAft>
-                <a:spcPts val="0"/>
-              </a:spcAft>
-              <a:buClr>
-                <a:schemeClr val="dk1"/>
-              </a:buClr>
-              <a:buSzPts val="1100"/>
-              <a:buFont typeface="Arial"/>
-              <a:buNone/>
-            </a:pPr>
-            <a:r>
-              <a:t/>
-            </a:r>
-            <a:endParaRPr sz="2000">
-              <a:solidFill>
-                <a:schemeClr val="dk1"/>
-              </a:solidFill>
-            </a:endParaRPr>
-          </a:p>
-          <a:p>
-            <a:pPr indent="0" lvl="0" marL="0" rtl="0" algn="l">
-              <a:spcBef>
-                <a:spcPts val="0"/>
-              </a:spcBef>
-              <a:spcAft>
-                <a:spcPts val="0"/>
-              </a:spcAft>
-              <a:buClr>
-                <a:schemeClr val="dk1"/>
-              </a:buClr>
-              <a:buSzPts val="1100"/>
-              <a:buFont typeface="Arial"/>
-              <a:buNone/>
-            </a:pPr>
-            <a:r>
-              <a:rPr lang="en" sz="2000">
-                <a:solidFill>
-                  <a:schemeClr val="dk1"/>
-                </a:solidFill>
-              </a:rPr>
-              <a:t> for(int i=0; i&lt;N;i++){</a:t>
-            </a:r>
-            <a:endParaRPr sz="2000">
-              <a:solidFill>
-                <a:schemeClr val="dk1"/>
-              </a:solidFill>
-            </a:endParaRPr>
-          </a:p>
-          <a:p>
-            <a:pPr indent="0" lvl="0" marL="0" rtl="0" algn="l">
-              <a:spcBef>
-                <a:spcPts val="0"/>
-              </a:spcBef>
-              <a:spcAft>
-                <a:spcPts val="0"/>
-              </a:spcAft>
-              <a:buClr>
-                <a:schemeClr val="dk1"/>
-              </a:buClr>
-              <a:buSzPts val="1100"/>
-              <a:buFont typeface="Arial"/>
-              <a:buNone/>
-            </a:pPr>
-            <a:r>
-              <a:rPr lang="en" sz="2000">
-                <a:solidFill>
-                  <a:schemeClr val="dk1"/>
-                </a:solidFill>
-              </a:rPr>
-              <a:t>   a[i]=2*i;</a:t>
-            </a:r>
-            <a:endParaRPr sz="2000">
-              <a:solidFill>
-                <a:schemeClr val="dk1"/>
-              </a:solidFill>
-            </a:endParaRPr>
-          </a:p>
-          <a:p>
-            <a:pPr indent="0" lvl="0" marL="0" rtl="0" algn="l">
-              <a:spcBef>
-                <a:spcPts val="0"/>
-              </a:spcBef>
-              <a:spcAft>
-                <a:spcPts val="0"/>
-              </a:spcAft>
-              <a:buClr>
-                <a:schemeClr val="dk1"/>
-              </a:buClr>
-              <a:buSzPts val="1100"/>
-              <a:buFont typeface="Arial"/>
-              <a:buNone/>
-            </a:pPr>
-            <a:r>
-              <a:rPr lang="en" sz="2000">
-                <a:solidFill>
-                  <a:schemeClr val="dk1"/>
-                </a:solidFill>
-              </a:rPr>
-              <a:t>   b[i]=2*i+1;</a:t>
-            </a:r>
-            <a:endParaRPr sz="2000">
-              <a:solidFill>
-                <a:schemeClr val="dk1"/>
-              </a:solidFill>
-            </a:endParaRPr>
-          </a:p>
-          <a:p>
-            <a:pPr indent="0" lvl="0" marL="0" rtl="0" algn="l">
-              <a:spcBef>
-                <a:spcPts val="0"/>
-              </a:spcBef>
-              <a:spcAft>
-                <a:spcPts val="0"/>
-              </a:spcAft>
-              <a:buClr>
-                <a:schemeClr val="dk1"/>
-              </a:buClr>
-              <a:buSzPts val="1100"/>
-              <a:buFont typeface="Arial"/>
-              <a:buNone/>
-            </a:pPr>
-            <a:r>
-              <a:rPr lang="en" sz="2000">
-                <a:solidFill>
-                  <a:schemeClr val="dk1"/>
-                </a:solidFill>
-              </a:rPr>
-              <a:t> }</a:t>
-            </a:r>
-            <a:endParaRPr sz="2000">
-              <a:solidFill>
-                <a:schemeClr val="dk1"/>
-              </a:solidFill>
-            </a:endParaRPr>
-          </a:p>
-          <a:p>
-            <a:pPr indent="0" lvl="0" marL="0" rtl="0" algn="l">
-              <a:spcBef>
-                <a:spcPts val="0"/>
-              </a:spcBef>
-              <a:spcAft>
-                <a:spcPts val="0"/>
-              </a:spcAft>
-              <a:buNone/>
-            </a:pPr>
-            <a:r>
-              <a:t/>
-            </a:r>
-            <a:endParaRPr/>
-          </a:p>
-        </p:txBody>
-      </p:sp>
-    </p:spTree>
-  </p:cSld>
-  <p:clrMapOvr>
-    <a:masterClrMapping/>
-  </p:clrMapOvr>
-</p:sld>
-</file>
-
-<file path=ppt/slides/slide14.xml><?xml version="1.0" encoding="utf-8"?>
-<p:sld xmlns:a="http://schemas.openxmlformats.org/drawingml/2006/main" xmlns:r="http://schemas.openxmlformats.org/officeDocument/2006/relationships" xmlns:mc="http://schemas.openxmlformats.org/markup-compatibility/2006" xmlns:mv="urn:schemas-microsoft-com:mac:vml" xmlns:p="http://schemas.openxmlformats.org/presentationml/2006/main" xmlns:c="http://schemas.openxmlformats.org/drawingml/2006/chart" xmlns:dgm="http://schemas.openxmlformats.org/drawingml/2006/diagram" xmlns:o="urn:schemas-microsoft-com:office:office" xmlns:v="urn:schemas-microsoft-com:vml" xmlns:pvml="urn:schemas-microsoft-com:office:powerpoint" xmlns:com="http://schemas.openxmlformats.org/drawingml/2006/compatibility" xmlns:p14="http://schemas.microsoft.com/office/powerpoint/2010/main" xmlns:p15="http://schemas.microsoft.com/office/powerpoint/2012/main" xmlns:ahyp="http://schemas.microsoft.com/office/drawing/2018/hyperlinkcolor">
-  <p:cSld>
-    <p:spTree>
-      <p:nvGrpSpPr>
-        <p:cNvPr id="142" name="Shape 142"/>
-        <p:cNvGrpSpPr/>
-        <p:nvPr/>
-      </p:nvGrpSpPr>
-      <p:grpSpPr>
-        <a:xfrm>
-          <a:off x="0" y="0"/>
-          <a:ext cx="0" cy="0"/>
-          <a:chOff x="0" y="0"/>
-          <a:chExt cx="0" cy="0"/>
-        </a:xfrm>
-      </p:grpSpPr>
-      <p:sp>
-        <p:nvSpPr>
-          <p:cNvPr id="143" name="Google Shape;143;p28"/>
+          <p:cNvPr id="119" name="Google Shape;119;p24"/>
           <p:cNvSpPr txBox="1"/>
           <p:nvPr/>
         </p:nvSpPr>
@@ -11550,12 +10430,12 @@
 </p:sld>
 </file>
 
-<file path=ppt/slides/slide15.xml><?xml version="1.0" encoding="utf-8"?>
+<file path=ppt/slides/slide11.xml><?xml version="1.0" encoding="utf-8"?>
 <p:sld xmlns:a="http://schemas.openxmlformats.org/drawingml/2006/main" xmlns:r="http://schemas.openxmlformats.org/officeDocument/2006/relationships" xmlns:mc="http://schemas.openxmlformats.org/markup-compatibility/2006" xmlns:mv="urn:schemas-microsoft-com:mac:vml" xmlns:p="http://schemas.openxmlformats.org/presentationml/2006/main" xmlns:c="http://schemas.openxmlformats.org/drawingml/2006/chart" xmlns:dgm="http://schemas.openxmlformats.org/drawingml/2006/diagram" xmlns:o="urn:schemas-microsoft-com:office:office" xmlns:v="urn:schemas-microsoft-com:vml" xmlns:pvml="urn:schemas-microsoft-com:office:powerpoint" xmlns:com="http://schemas.openxmlformats.org/drawingml/2006/compatibility" xmlns:p14="http://schemas.microsoft.com/office/powerpoint/2010/main" xmlns:p15="http://schemas.microsoft.com/office/powerpoint/2012/main" xmlns:ahyp="http://schemas.microsoft.com/office/drawing/2018/hyperlinkcolor">
   <p:cSld>
     <p:spTree>
       <p:nvGrpSpPr>
-        <p:cNvPr id="147" name="Shape 147"/>
+        <p:cNvPr id="123" name="Shape 123"/>
         <p:cNvGrpSpPr/>
         <p:nvPr/>
       </p:nvGrpSpPr>
@@ -11569,7 +10449,7 @@
       </p:grpSpPr>
       <p:sp>
         <p:nvSpPr>
-          <p:cNvPr id="148" name="Google Shape;148;p29"/>
+          <p:cNvPr id="124" name="Google Shape;124;p25"/>
           <p:cNvSpPr txBox="1"/>
           <p:nvPr/>
         </p:nvSpPr>
@@ -11916,12 +10796,12 @@
 </p:sld>
 </file>
 
-<file path=ppt/slides/slide16.xml><?xml version="1.0" encoding="utf-8"?>
+<file path=ppt/slides/slide12.xml><?xml version="1.0" encoding="utf-8"?>
 <p:sld xmlns:a="http://schemas.openxmlformats.org/drawingml/2006/main" xmlns:r="http://schemas.openxmlformats.org/officeDocument/2006/relationships" xmlns:mc="http://schemas.openxmlformats.org/markup-compatibility/2006" xmlns:mv="urn:schemas-microsoft-com:mac:vml" xmlns:p="http://schemas.openxmlformats.org/presentationml/2006/main" xmlns:c="http://schemas.openxmlformats.org/drawingml/2006/chart" xmlns:dgm="http://schemas.openxmlformats.org/drawingml/2006/diagram" xmlns:o="urn:schemas-microsoft-com:office:office" xmlns:v="urn:schemas-microsoft-com:vml" xmlns:pvml="urn:schemas-microsoft-com:office:powerpoint" xmlns:com="http://schemas.openxmlformats.org/drawingml/2006/compatibility" xmlns:p14="http://schemas.microsoft.com/office/powerpoint/2010/main" xmlns:p15="http://schemas.microsoft.com/office/powerpoint/2012/main" xmlns:ahyp="http://schemas.microsoft.com/office/drawing/2018/hyperlinkcolor">
   <p:cSld>
     <p:spTree>
       <p:nvGrpSpPr>
-        <p:cNvPr id="152" name="Shape 152"/>
+        <p:cNvPr id="128" name="Shape 128"/>
         <p:cNvGrpSpPr/>
         <p:nvPr/>
       </p:nvGrpSpPr>
@@ -11935,7 +10815,7 @@
       </p:grpSpPr>
       <p:sp>
         <p:nvSpPr>
-          <p:cNvPr id="153" name="Google Shape;153;p30"/>
+          <p:cNvPr id="129" name="Google Shape;129;p26"/>
           <p:cNvSpPr txBox="1"/>
           <p:nvPr/>
         </p:nvSpPr>
@@ -12304,12 +11184,12 @@
 </p:sld>
 </file>
 
-<file path=ppt/slides/slide17.xml><?xml version="1.0" encoding="utf-8"?>
+<file path=ppt/slides/slide13.xml><?xml version="1.0" encoding="utf-8"?>
 <p:sld xmlns:a="http://schemas.openxmlformats.org/drawingml/2006/main" xmlns:r="http://schemas.openxmlformats.org/officeDocument/2006/relationships" xmlns:mc="http://schemas.openxmlformats.org/markup-compatibility/2006" xmlns:mv="urn:schemas-microsoft-com:mac:vml" xmlns:p="http://schemas.openxmlformats.org/presentationml/2006/main" xmlns:c="http://schemas.openxmlformats.org/drawingml/2006/chart" xmlns:dgm="http://schemas.openxmlformats.org/drawingml/2006/diagram" xmlns:o="urn:schemas-microsoft-com:office:office" xmlns:v="urn:schemas-microsoft-com:vml" xmlns:pvml="urn:schemas-microsoft-com:office:powerpoint" xmlns:com="http://schemas.openxmlformats.org/drawingml/2006/compatibility" xmlns:p14="http://schemas.microsoft.com/office/powerpoint/2010/main" xmlns:p15="http://schemas.microsoft.com/office/powerpoint/2012/main" xmlns:ahyp="http://schemas.microsoft.com/office/drawing/2018/hyperlinkcolor">
   <p:cSld>
     <p:spTree>
       <p:nvGrpSpPr>
-        <p:cNvPr id="157" name="Shape 157"/>
+        <p:cNvPr id="133" name="Shape 133"/>
         <p:cNvGrpSpPr/>
         <p:nvPr/>
       </p:nvGrpSpPr>
@@ -12323,7 +11203,7 @@
       </p:grpSpPr>
       <p:sp>
         <p:nvSpPr>
-          <p:cNvPr id="158" name="Google Shape;158;p31"/>
+          <p:cNvPr id="134" name="Google Shape;134;p27"/>
           <p:cNvSpPr txBox="1"/>
           <p:nvPr/>
         </p:nvSpPr>
@@ -12651,12 +11531,12 @@
 </p:sld>
 </file>
 
-<file path=ppt/slides/slide18.xml><?xml version="1.0" encoding="utf-8"?>
+<file path=ppt/slides/slide14.xml><?xml version="1.0" encoding="utf-8"?>
 <p:sld xmlns:a="http://schemas.openxmlformats.org/drawingml/2006/main" xmlns:r="http://schemas.openxmlformats.org/officeDocument/2006/relationships" xmlns:mc="http://schemas.openxmlformats.org/markup-compatibility/2006" xmlns:mv="urn:schemas-microsoft-com:mac:vml" xmlns:p="http://schemas.openxmlformats.org/presentationml/2006/main" xmlns:c="http://schemas.openxmlformats.org/drawingml/2006/chart" xmlns:dgm="http://schemas.openxmlformats.org/drawingml/2006/diagram" xmlns:o="urn:schemas-microsoft-com:office:office" xmlns:v="urn:schemas-microsoft-com:vml" xmlns:pvml="urn:schemas-microsoft-com:office:powerpoint" xmlns:com="http://schemas.openxmlformats.org/drawingml/2006/compatibility" xmlns:p14="http://schemas.microsoft.com/office/powerpoint/2010/main" xmlns:p15="http://schemas.microsoft.com/office/powerpoint/2012/main" xmlns:ahyp="http://schemas.microsoft.com/office/drawing/2018/hyperlinkcolor">
   <p:cSld>
     <p:spTree>
       <p:nvGrpSpPr>
-        <p:cNvPr id="162" name="Shape 162"/>
+        <p:cNvPr id="138" name="Shape 138"/>
         <p:cNvGrpSpPr/>
         <p:nvPr/>
       </p:nvGrpSpPr>
@@ -12670,7 +11550,7 @@
       </p:grpSpPr>
       <p:sp>
         <p:nvSpPr>
-          <p:cNvPr id="163" name="Google Shape;163;p32"/>
+          <p:cNvPr id="139" name="Google Shape;139;p28"/>
           <p:cNvSpPr txBox="1"/>
           <p:nvPr/>
         </p:nvSpPr>
@@ -12933,12 +11813,12 @@
 </p:sld>
 </file>
 
-<file path=ppt/slides/slide19.xml><?xml version="1.0" encoding="utf-8"?>
+<file path=ppt/slides/slide15.xml><?xml version="1.0" encoding="utf-8"?>
 <p:sld xmlns:a="http://schemas.openxmlformats.org/drawingml/2006/main" xmlns:r="http://schemas.openxmlformats.org/officeDocument/2006/relationships" xmlns:mc="http://schemas.openxmlformats.org/markup-compatibility/2006" xmlns:mv="urn:schemas-microsoft-com:mac:vml" xmlns:p="http://schemas.openxmlformats.org/presentationml/2006/main" xmlns:c="http://schemas.openxmlformats.org/drawingml/2006/chart" xmlns:dgm="http://schemas.openxmlformats.org/drawingml/2006/diagram" xmlns:o="urn:schemas-microsoft-com:office:office" xmlns:v="urn:schemas-microsoft-com:vml" xmlns:pvml="urn:schemas-microsoft-com:office:powerpoint" xmlns:com="http://schemas.openxmlformats.org/drawingml/2006/compatibility" xmlns:p14="http://schemas.microsoft.com/office/powerpoint/2010/main" xmlns:p15="http://schemas.microsoft.com/office/powerpoint/2012/main" xmlns:ahyp="http://schemas.microsoft.com/office/drawing/2018/hyperlinkcolor">
   <p:cSld>
     <p:spTree>
       <p:nvGrpSpPr>
-        <p:cNvPr id="167" name="Shape 167"/>
+        <p:cNvPr id="143" name="Shape 143"/>
         <p:cNvGrpSpPr/>
         <p:nvPr/>
       </p:nvGrpSpPr>
@@ -12952,7 +11832,7 @@
       </p:grpSpPr>
       <p:sp>
         <p:nvSpPr>
-          <p:cNvPr id="168" name="Google Shape;168;p33"/>
+          <p:cNvPr id="144" name="Google Shape;144;p29"/>
           <p:cNvSpPr txBox="1"/>
           <p:nvPr/>
         </p:nvSpPr>
@@ -13328,12 +12208,12 @@
 </p:sld>
 </file>
 
-<file path=ppt/slides/slide2.xml><?xml version="1.0" encoding="utf-8"?>
+<file path=ppt/slides/slide16.xml><?xml version="1.0" encoding="utf-8"?>
 <p:sld xmlns:a="http://schemas.openxmlformats.org/drawingml/2006/main" xmlns:r="http://schemas.openxmlformats.org/officeDocument/2006/relationships" xmlns:mc="http://schemas.openxmlformats.org/markup-compatibility/2006" xmlns:mv="urn:schemas-microsoft-com:mac:vml" xmlns:p="http://schemas.openxmlformats.org/presentationml/2006/main" xmlns:c="http://schemas.openxmlformats.org/drawingml/2006/chart" xmlns:dgm="http://schemas.openxmlformats.org/drawingml/2006/diagram" xmlns:o="urn:schemas-microsoft-com:office:office" xmlns:v="urn:schemas-microsoft-com:vml" xmlns:pvml="urn:schemas-microsoft-com:office:powerpoint" xmlns:com="http://schemas.openxmlformats.org/drawingml/2006/compatibility" xmlns:p14="http://schemas.microsoft.com/office/powerpoint/2010/main" xmlns:p15="http://schemas.microsoft.com/office/powerpoint/2012/main" xmlns:ahyp="http://schemas.microsoft.com/office/drawing/2018/hyperlinkcolor">
   <p:cSld>
     <p:spTree>
       <p:nvGrpSpPr>
-        <p:cNvPr id="70" name="Shape 70"/>
+        <p:cNvPr id="148" name="Shape 148"/>
         <p:cNvGrpSpPr/>
         <p:nvPr/>
       </p:nvGrpSpPr>
@@ -13347,630 +12227,7 @@
       </p:grpSpPr>
       <p:sp>
         <p:nvSpPr>
-          <p:cNvPr id="71" name="Google Shape;71;p16"/>
-          <p:cNvSpPr txBox="1"/>
-          <p:nvPr/>
-        </p:nvSpPr>
-        <p:spPr>
-          <a:xfrm>
-            <a:off x="118925" y="506675"/>
-            <a:ext cx="9025200" cy="4617600"/>
-          </a:xfrm>
-          <a:prstGeom prst="rect">
-            <a:avLst/>
-          </a:prstGeom>
-          <a:noFill/>
-          <a:ln>
-            <a:noFill/>
-          </a:ln>
-        </p:spPr>
-        <p:txBody>
-          <a:bodyPr anchorCtr="0" anchor="t" bIns="91425" lIns="91425" spcFirstLastPara="1" rIns="91425" wrap="square" tIns="91425">
-            <a:spAutoFit/>
-          </a:bodyPr>
-          <a:lstStyle/>
-          <a:p>
-            <a:pPr indent="0" lvl="0" marL="0" rtl="0" algn="l">
-              <a:spcBef>
-                <a:spcPts val="0"/>
-              </a:spcBef>
-              <a:spcAft>
-                <a:spcPts val="0"/>
-              </a:spcAft>
-              <a:buClr>
-                <a:schemeClr val="dk1"/>
-              </a:buClr>
-              <a:buSzPts val="1100"/>
-              <a:buFont typeface="Arial"/>
-              <a:buNone/>
-            </a:pPr>
-            <a:r>
-              <a:rPr lang="en" sz="1800">
-                <a:solidFill>
-                  <a:schemeClr val="dk1"/>
-                </a:solidFill>
-                <a:highlight>
-                  <a:srgbClr val="C0C3A1"/>
-                </a:highlight>
-                <a:latin typeface="Courier New"/>
-                <a:ea typeface="Courier New"/>
-                <a:cs typeface="Courier New"/>
-                <a:sym typeface="Courier New"/>
-              </a:rPr>
-              <a:t>Device 0: "NVIDIA GeForce RTX 2060"</a:t>
-            </a:r>
-            <a:endParaRPr sz="1800">
-              <a:solidFill>
-                <a:schemeClr val="dk1"/>
-              </a:solidFill>
-              <a:highlight>
-                <a:srgbClr val="C0C3A1"/>
-              </a:highlight>
-              <a:latin typeface="Courier New"/>
-              <a:ea typeface="Courier New"/>
-              <a:cs typeface="Courier New"/>
-              <a:sym typeface="Courier New"/>
-            </a:endParaRPr>
-          </a:p>
-          <a:p>
-            <a:pPr indent="0" lvl="0" marL="0" rtl="0" algn="l">
-              <a:spcBef>
-                <a:spcPts val="0"/>
-              </a:spcBef>
-              <a:spcAft>
-                <a:spcPts val="0"/>
-              </a:spcAft>
-              <a:buClr>
-                <a:schemeClr val="dk1"/>
-              </a:buClr>
-              <a:buSzPts val="1100"/>
-              <a:buFont typeface="Arial"/>
-              <a:buNone/>
-            </a:pPr>
-            <a:r>
-              <a:rPr lang="en" sz="1800">
-                <a:solidFill>
-                  <a:schemeClr val="dk1"/>
-                </a:solidFill>
-                <a:latin typeface="Courier New"/>
-                <a:ea typeface="Courier New"/>
-                <a:cs typeface="Courier New"/>
-                <a:sym typeface="Courier New"/>
-              </a:rPr>
-              <a:t> CUDA Driver Version / Runtime Version       12.0 / 11.1</a:t>
-            </a:r>
-            <a:endParaRPr sz="1800">
-              <a:solidFill>
-                <a:schemeClr val="dk1"/>
-              </a:solidFill>
-              <a:latin typeface="Courier New"/>
-              <a:ea typeface="Courier New"/>
-              <a:cs typeface="Courier New"/>
-              <a:sym typeface="Courier New"/>
-            </a:endParaRPr>
-          </a:p>
-          <a:p>
-            <a:pPr indent="0" lvl="0" marL="0" rtl="0" algn="l">
-              <a:spcBef>
-                <a:spcPts val="0"/>
-              </a:spcBef>
-              <a:spcAft>
-                <a:spcPts val="0"/>
-              </a:spcAft>
-              <a:buClr>
-                <a:schemeClr val="dk1"/>
-              </a:buClr>
-              <a:buSzPts val="1100"/>
-              <a:buFont typeface="Arial"/>
-              <a:buNone/>
-            </a:pPr>
-            <a:r>
-              <a:rPr lang="en" sz="1800">
-                <a:solidFill>
-                  <a:schemeClr val="dk1"/>
-                </a:solidFill>
-                <a:latin typeface="Courier New"/>
-                <a:ea typeface="Courier New"/>
-                <a:cs typeface="Courier New"/>
-                <a:sym typeface="Courier New"/>
-              </a:rPr>
-              <a:t> CUDA Capability Major/Minor version number: 7.5</a:t>
-            </a:r>
-            <a:endParaRPr sz="1800">
-              <a:solidFill>
-                <a:schemeClr val="dk1"/>
-              </a:solidFill>
-              <a:latin typeface="Courier New"/>
-              <a:ea typeface="Courier New"/>
-              <a:cs typeface="Courier New"/>
-              <a:sym typeface="Courier New"/>
-            </a:endParaRPr>
-          </a:p>
-          <a:p>
-            <a:pPr indent="0" lvl="0" marL="0" rtl="0" algn="l">
-              <a:spcBef>
-                <a:spcPts val="0"/>
-              </a:spcBef>
-              <a:spcAft>
-                <a:spcPts val="0"/>
-              </a:spcAft>
-              <a:buClr>
-                <a:schemeClr val="dk1"/>
-              </a:buClr>
-              <a:buSzPts val="1100"/>
-              <a:buFont typeface="Arial"/>
-              <a:buNone/>
-            </a:pPr>
-            <a:r>
-              <a:rPr lang="en" sz="1800">
-                <a:solidFill>
-                  <a:schemeClr val="dk1"/>
-                </a:solidFill>
-                <a:latin typeface="Courier New"/>
-                <a:ea typeface="Courier New"/>
-                <a:cs typeface="Courier New"/>
-                <a:sym typeface="Courier New"/>
-              </a:rPr>
-              <a:t> Total amount of global memory:              5919 MBytes (6206324736 bytes)</a:t>
-            </a:r>
-            <a:endParaRPr sz="1800">
-              <a:solidFill>
-                <a:schemeClr val="dk1"/>
-              </a:solidFill>
-              <a:latin typeface="Courier New"/>
-              <a:ea typeface="Courier New"/>
-              <a:cs typeface="Courier New"/>
-              <a:sym typeface="Courier New"/>
-            </a:endParaRPr>
-          </a:p>
-          <a:p>
-            <a:pPr indent="0" lvl="0" marL="0" rtl="0" algn="l">
-              <a:spcBef>
-                <a:spcPts val="0"/>
-              </a:spcBef>
-              <a:spcAft>
-                <a:spcPts val="0"/>
-              </a:spcAft>
-              <a:buClr>
-                <a:schemeClr val="dk1"/>
-              </a:buClr>
-              <a:buSzPts val="1100"/>
-              <a:buFont typeface="Arial"/>
-              <a:buNone/>
-            </a:pPr>
-            <a:r>
-              <a:rPr lang="en" sz="1800">
-                <a:solidFill>
-                  <a:schemeClr val="dk1"/>
-                </a:solidFill>
-                <a:latin typeface="Courier New"/>
-                <a:ea typeface="Courier New"/>
-                <a:cs typeface="Courier New"/>
-                <a:sym typeface="Courier New"/>
-              </a:rPr>
-              <a:t> (30) Multiprocessors, ( 64) CUDA Cores/MP:  1920 CUDA Cores</a:t>
-            </a:r>
-            <a:endParaRPr sz="1800">
-              <a:solidFill>
-                <a:schemeClr val="dk1"/>
-              </a:solidFill>
-              <a:latin typeface="Courier New"/>
-              <a:ea typeface="Courier New"/>
-              <a:cs typeface="Courier New"/>
-              <a:sym typeface="Courier New"/>
-            </a:endParaRPr>
-          </a:p>
-          <a:p>
-            <a:pPr indent="0" lvl="0" marL="0" rtl="0" algn="l">
-              <a:spcBef>
-                <a:spcPts val="0"/>
-              </a:spcBef>
-              <a:spcAft>
-                <a:spcPts val="0"/>
-              </a:spcAft>
-              <a:buClr>
-                <a:schemeClr val="dk1"/>
-              </a:buClr>
-              <a:buSzPts val="1100"/>
-              <a:buFont typeface="Arial"/>
-              <a:buNone/>
-            </a:pPr>
-            <a:r>
-              <a:rPr lang="en" sz="1800">
-                <a:solidFill>
-                  <a:schemeClr val="dk1"/>
-                </a:solidFill>
-                <a:latin typeface="Courier New"/>
-                <a:ea typeface="Courier New"/>
-                <a:cs typeface="Courier New"/>
-                <a:sym typeface="Courier New"/>
-              </a:rPr>
-              <a:t> GPU Max Clock rate:                         1695 MHz (1.70 GHz)</a:t>
-            </a:r>
-            <a:endParaRPr sz="1800">
-              <a:solidFill>
-                <a:schemeClr val="dk1"/>
-              </a:solidFill>
-              <a:latin typeface="Courier New"/>
-              <a:ea typeface="Courier New"/>
-              <a:cs typeface="Courier New"/>
-              <a:sym typeface="Courier New"/>
-            </a:endParaRPr>
-          </a:p>
-          <a:p>
-            <a:pPr indent="0" lvl="0" marL="0" rtl="0" algn="l">
-              <a:spcBef>
-                <a:spcPts val="0"/>
-              </a:spcBef>
-              <a:spcAft>
-                <a:spcPts val="0"/>
-              </a:spcAft>
-              <a:buClr>
-                <a:schemeClr val="dk1"/>
-              </a:buClr>
-              <a:buSzPts val="1100"/>
-              <a:buFont typeface="Arial"/>
-              <a:buNone/>
-            </a:pPr>
-            <a:r>
-              <a:rPr lang="en" sz="1800">
-                <a:solidFill>
-                  <a:schemeClr val="dk1"/>
-                </a:solidFill>
-                <a:latin typeface="Courier New"/>
-                <a:ea typeface="Courier New"/>
-                <a:cs typeface="Courier New"/>
-                <a:sym typeface="Courier New"/>
-              </a:rPr>
-              <a:t> Memory Clock rate:                          7001 Mhz</a:t>
-            </a:r>
-            <a:endParaRPr sz="1800">
-              <a:solidFill>
-                <a:schemeClr val="dk1"/>
-              </a:solidFill>
-              <a:latin typeface="Courier New"/>
-              <a:ea typeface="Courier New"/>
-              <a:cs typeface="Courier New"/>
-              <a:sym typeface="Courier New"/>
-            </a:endParaRPr>
-          </a:p>
-          <a:p>
-            <a:pPr indent="0" lvl="0" marL="0" rtl="0" algn="l">
-              <a:spcBef>
-                <a:spcPts val="0"/>
-              </a:spcBef>
-              <a:spcAft>
-                <a:spcPts val="0"/>
-              </a:spcAft>
-              <a:buClr>
-                <a:schemeClr val="dk1"/>
-              </a:buClr>
-              <a:buSzPts val="1100"/>
-              <a:buFont typeface="Arial"/>
-              <a:buNone/>
-            </a:pPr>
-            <a:r>
-              <a:rPr lang="en" sz="1800">
-                <a:solidFill>
-                  <a:schemeClr val="dk1"/>
-                </a:solidFill>
-                <a:latin typeface="Courier New"/>
-                <a:ea typeface="Courier New"/>
-                <a:cs typeface="Courier New"/>
-                <a:sym typeface="Courier New"/>
-              </a:rPr>
-              <a:t> Memory Bus Width:                           192-bit</a:t>
-            </a:r>
-            <a:endParaRPr sz="1800">
-              <a:solidFill>
-                <a:schemeClr val="dk1"/>
-              </a:solidFill>
-              <a:latin typeface="Courier New"/>
-              <a:ea typeface="Courier New"/>
-              <a:cs typeface="Courier New"/>
-              <a:sym typeface="Courier New"/>
-            </a:endParaRPr>
-          </a:p>
-          <a:p>
-            <a:pPr indent="0" lvl="0" marL="0" rtl="0" algn="l">
-              <a:spcBef>
-                <a:spcPts val="0"/>
-              </a:spcBef>
-              <a:spcAft>
-                <a:spcPts val="0"/>
-              </a:spcAft>
-              <a:buClr>
-                <a:schemeClr val="dk1"/>
-              </a:buClr>
-              <a:buSzPts val="1100"/>
-              <a:buFont typeface="Arial"/>
-              <a:buNone/>
-            </a:pPr>
-            <a:r>
-              <a:rPr lang="en" sz="1800">
-                <a:solidFill>
-                  <a:schemeClr val="dk1"/>
-                </a:solidFill>
-                <a:highlight>
-                  <a:srgbClr val="C0C3A1"/>
-                </a:highlight>
-                <a:latin typeface="Courier New"/>
-                <a:ea typeface="Courier New"/>
-                <a:cs typeface="Courier New"/>
-                <a:sym typeface="Courier New"/>
-              </a:rPr>
-              <a:t>……………………………………………………………………………………………………………………………………………………</a:t>
-            </a:r>
-            <a:endParaRPr sz="1800">
-              <a:solidFill>
-                <a:schemeClr val="dk1"/>
-              </a:solidFill>
-              <a:highlight>
-                <a:srgbClr val="C0C3A1"/>
-              </a:highlight>
-              <a:latin typeface="Courier New"/>
-              <a:ea typeface="Courier New"/>
-              <a:cs typeface="Courier New"/>
-              <a:sym typeface="Courier New"/>
-            </a:endParaRPr>
-          </a:p>
-          <a:p>
-            <a:pPr indent="0" lvl="0" marL="0" rtl="0" algn="l">
-              <a:spcBef>
-                <a:spcPts val="0"/>
-              </a:spcBef>
-              <a:spcAft>
-                <a:spcPts val="0"/>
-              </a:spcAft>
-              <a:buClr>
-                <a:schemeClr val="dk1"/>
-              </a:buClr>
-              <a:buSzPts val="1100"/>
-              <a:buFont typeface="Arial"/>
-              <a:buNone/>
-            </a:pPr>
-            <a:r>
-              <a:rPr lang="en" sz="1800">
-                <a:solidFill>
-                  <a:schemeClr val="dk1"/>
-                </a:solidFill>
-                <a:highlight>
-                  <a:srgbClr val="C0C3A1"/>
-                </a:highlight>
-                <a:latin typeface="Courier New"/>
-                <a:ea typeface="Courier New"/>
-                <a:cs typeface="Courier New"/>
-                <a:sym typeface="Courier New"/>
-              </a:rPr>
-              <a:t> Maximum number of threads per multiprocessor:  1024</a:t>
-            </a:r>
-            <a:endParaRPr sz="1800">
-              <a:solidFill>
-                <a:schemeClr val="dk1"/>
-              </a:solidFill>
-              <a:highlight>
-                <a:srgbClr val="C0C3A1"/>
-              </a:highlight>
-              <a:latin typeface="Courier New"/>
-              <a:ea typeface="Courier New"/>
-              <a:cs typeface="Courier New"/>
-              <a:sym typeface="Courier New"/>
-            </a:endParaRPr>
-          </a:p>
-          <a:p>
-            <a:pPr indent="0" lvl="0" marL="0" rtl="0" algn="l">
-              <a:spcBef>
-                <a:spcPts val="0"/>
-              </a:spcBef>
-              <a:spcAft>
-                <a:spcPts val="0"/>
-              </a:spcAft>
-              <a:buClr>
-                <a:schemeClr val="dk1"/>
-              </a:buClr>
-              <a:buSzPts val="1100"/>
-              <a:buFont typeface="Arial"/>
-              <a:buNone/>
-            </a:pPr>
-            <a:r>
-              <a:rPr lang="en" sz="1800">
-                <a:solidFill>
-                  <a:schemeClr val="dk1"/>
-                </a:solidFill>
-                <a:latin typeface="Courier New"/>
-                <a:ea typeface="Courier New"/>
-                <a:cs typeface="Courier New"/>
-                <a:sym typeface="Courier New"/>
-              </a:rPr>
-              <a:t> Maximum number of threads per block:           1024</a:t>
-            </a:r>
-            <a:endParaRPr sz="1800">
-              <a:solidFill>
-                <a:schemeClr val="dk1"/>
-              </a:solidFill>
-              <a:latin typeface="Courier New"/>
-              <a:ea typeface="Courier New"/>
-              <a:cs typeface="Courier New"/>
-              <a:sym typeface="Courier New"/>
-            </a:endParaRPr>
-          </a:p>
-          <a:p>
-            <a:pPr indent="0" lvl="0" marL="0" rtl="0" algn="l">
-              <a:spcBef>
-                <a:spcPts val="0"/>
-              </a:spcBef>
-              <a:spcAft>
-                <a:spcPts val="0"/>
-              </a:spcAft>
-              <a:buClr>
-                <a:schemeClr val="dk1"/>
-              </a:buClr>
-              <a:buSzPts val="1100"/>
-              <a:buFont typeface="Arial"/>
-              <a:buNone/>
-            </a:pPr>
-            <a:r>
-              <a:rPr lang="en" sz="1800">
-                <a:solidFill>
-                  <a:schemeClr val="dk1"/>
-                </a:solidFill>
-                <a:latin typeface="Courier New"/>
-                <a:ea typeface="Courier New"/>
-                <a:cs typeface="Courier New"/>
-                <a:sym typeface="Courier New"/>
-              </a:rPr>
-              <a:t> Max dimension size of a thread block (x,y,z): (1024, 1024, 64)</a:t>
-            </a:r>
-            <a:endParaRPr sz="1800">
-              <a:solidFill>
-                <a:schemeClr val="dk1"/>
-              </a:solidFill>
-              <a:latin typeface="Courier New"/>
-              <a:ea typeface="Courier New"/>
-              <a:cs typeface="Courier New"/>
-              <a:sym typeface="Courier New"/>
-            </a:endParaRPr>
-          </a:p>
-          <a:p>
-            <a:pPr indent="0" lvl="0" marL="0" rtl="0" algn="l">
-              <a:spcBef>
-                <a:spcPts val="0"/>
-              </a:spcBef>
-              <a:spcAft>
-                <a:spcPts val="0"/>
-              </a:spcAft>
-              <a:buClr>
-                <a:schemeClr val="dk1"/>
-              </a:buClr>
-              <a:buSzPts val="1100"/>
-              <a:buFont typeface="Arial"/>
-              <a:buNone/>
-            </a:pPr>
-            <a:r>
-              <a:rPr lang="en" sz="1800">
-                <a:solidFill>
-                  <a:schemeClr val="dk1"/>
-                </a:solidFill>
-                <a:latin typeface="Courier New"/>
-                <a:ea typeface="Courier New"/>
-                <a:cs typeface="Courier New"/>
-                <a:sym typeface="Courier New"/>
-              </a:rPr>
-              <a:t> Max dimension size of a grid size    (x,y,z): (2147483647, 65535, 65535)</a:t>
-            </a:r>
-            <a:endParaRPr sz="1100">
-              <a:solidFill>
-                <a:schemeClr val="dk1"/>
-              </a:solidFill>
-              <a:latin typeface="Courier New"/>
-              <a:ea typeface="Courier New"/>
-              <a:cs typeface="Courier New"/>
-              <a:sym typeface="Courier New"/>
-            </a:endParaRPr>
-          </a:p>
-          <a:p>
-            <a:pPr indent="0" lvl="0" marL="0" rtl="0" algn="l">
-              <a:spcBef>
-                <a:spcPts val="0"/>
-              </a:spcBef>
-              <a:spcAft>
-                <a:spcPts val="0"/>
-              </a:spcAft>
-              <a:buNone/>
-            </a:pPr>
-            <a:r>
-              <a:rPr lang="en" sz="1800"/>
-              <a:t>…………………………………………………………………………………………………</a:t>
-            </a:r>
-            <a:endParaRPr sz="1800"/>
-          </a:p>
-        </p:txBody>
-      </p:sp>
-      <p:sp>
-        <p:nvSpPr>
-          <p:cNvPr id="72" name="Google Shape;72;p16"/>
-          <p:cNvSpPr txBox="1"/>
-          <p:nvPr/>
-        </p:nvSpPr>
-        <p:spPr>
-          <a:xfrm>
-            <a:off x="118925" y="56525"/>
-            <a:ext cx="9025200" cy="461700"/>
-          </a:xfrm>
-          <a:prstGeom prst="rect">
-            <a:avLst/>
-          </a:prstGeom>
-          <a:noFill/>
-          <a:ln>
-            <a:noFill/>
-          </a:ln>
-        </p:spPr>
-        <p:txBody>
-          <a:bodyPr anchorCtr="0" anchor="t" bIns="91425" lIns="91425" spcFirstLastPara="1" rIns="91425" wrap="square" tIns="91425">
-            <a:spAutoFit/>
-          </a:bodyPr>
-          <a:lstStyle/>
-          <a:p>
-            <a:pPr indent="0" lvl="0" marL="0" rtl="0" algn="l">
-              <a:spcBef>
-                <a:spcPts val="0"/>
-              </a:spcBef>
-              <a:spcAft>
-                <a:spcPts val="0"/>
-              </a:spcAft>
-              <a:buNone/>
-            </a:pPr>
-            <a:r>
-              <a:rPr b="1" lang="en" sz="1800">
-                <a:solidFill>
-                  <a:schemeClr val="dk1"/>
-                </a:solidFill>
-                <a:highlight>
-                  <a:srgbClr val="C0C3A1"/>
-                </a:highlight>
-                <a:latin typeface="Courier New"/>
-                <a:ea typeface="Courier New"/>
-                <a:cs typeface="Courier New"/>
-                <a:sym typeface="Courier New"/>
-              </a:rPr>
-              <a:t>~/NVIDIA_CUDA-11.1_Samples/1_Utilities/deviceQuery&gt;./deviceQuery</a:t>
-            </a:r>
-            <a:endParaRPr>
-              <a:highlight>
-                <a:srgbClr val="C0C3A1"/>
-              </a:highlight>
-            </a:endParaRPr>
-          </a:p>
-        </p:txBody>
-      </p:sp>
-    </p:spTree>
-  </p:cSld>
-  <p:clrMapOvr>
-    <a:masterClrMapping/>
-  </p:clrMapOvr>
-</p:sld>
-</file>
-
-<file path=ppt/slides/slide20.xml><?xml version="1.0" encoding="utf-8"?>
-<p:sld xmlns:a="http://schemas.openxmlformats.org/drawingml/2006/main" xmlns:r="http://schemas.openxmlformats.org/officeDocument/2006/relationships" xmlns:mc="http://schemas.openxmlformats.org/markup-compatibility/2006" xmlns:mv="urn:schemas-microsoft-com:mac:vml" xmlns:p="http://schemas.openxmlformats.org/presentationml/2006/main" xmlns:c="http://schemas.openxmlformats.org/drawingml/2006/chart" xmlns:dgm="http://schemas.openxmlformats.org/drawingml/2006/diagram" xmlns:o="urn:schemas-microsoft-com:office:office" xmlns:v="urn:schemas-microsoft-com:vml" xmlns:pvml="urn:schemas-microsoft-com:office:powerpoint" xmlns:com="http://schemas.openxmlformats.org/drawingml/2006/compatibility" xmlns:p14="http://schemas.microsoft.com/office/powerpoint/2010/main" xmlns:p15="http://schemas.microsoft.com/office/powerpoint/2012/main" xmlns:ahyp="http://schemas.microsoft.com/office/drawing/2018/hyperlinkcolor">
-  <p:cSld>
-    <p:spTree>
-      <p:nvGrpSpPr>
-        <p:cNvPr id="172" name="Shape 172"/>
-        <p:cNvGrpSpPr/>
-        <p:nvPr/>
-      </p:nvGrpSpPr>
-      <p:grpSpPr>
-        <a:xfrm>
-          <a:off x="0" y="0"/>
-          <a:ext cx="0" cy="0"/>
-          <a:chOff x="0" y="0"/>
-          <a:chExt cx="0" cy="0"/>
-        </a:xfrm>
-      </p:grpSpPr>
-      <p:sp>
-        <p:nvSpPr>
-          <p:cNvPr id="173" name="Google Shape;173;p34"/>
+          <p:cNvPr id="149" name="Google Shape;149;p30"/>
           <p:cNvSpPr txBox="1"/>
           <p:nvPr/>
         </p:nvSpPr>
@@ -14247,7 +12504,7 @@
       </p:sp>
       <p:sp>
         <p:nvSpPr>
-          <p:cNvPr id="174" name="Google Shape;174;p34"/>
+          <p:cNvPr id="150" name="Google Shape;150;p30"/>
           <p:cNvSpPr txBox="1"/>
           <p:nvPr/>
         </p:nvSpPr>
@@ -14318,7 +12575,7 @@
       </p:sp>
       <p:sp>
         <p:nvSpPr>
-          <p:cNvPr id="175" name="Google Shape;175;p34"/>
+          <p:cNvPr id="151" name="Google Shape;151;p30"/>
           <p:cNvSpPr txBox="1"/>
           <p:nvPr/>
         </p:nvSpPr>
@@ -14410,12 +12667,12 @@
 </p:sld>
 </file>
 
-<file path=ppt/slides/slide3.xml><?xml version="1.0" encoding="utf-8"?>
+<file path=ppt/slides/slide17.xml><?xml version="1.0" encoding="utf-8"?>
 <p:sld xmlns:a="http://schemas.openxmlformats.org/drawingml/2006/main" xmlns:r="http://schemas.openxmlformats.org/officeDocument/2006/relationships" xmlns:mc="http://schemas.openxmlformats.org/markup-compatibility/2006" xmlns:mv="urn:schemas-microsoft-com:mac:vml" xmlns:p="http://schemas.openxmlformats.org/presentationml/2006/main" xmlns:c="http://schemas.openxmlformats.org/drawingml/2006/chart" xmlns:dgm="http://schemas.openxmlformats.org/drawingml/2006/diagram" xmlns:o="urn:schemas-microsoft-com:office:office" xmlns:v="urn:schemas-microsoft-com:vml" xmlns:pvml="urn:schemas-microsoft-com:office:powerpoint" xmlns:com="http://schemas.openxmlformats.org/drawingml/2006/compatibility" xmlns:p14="http://schemas.microsoft.com/office/powerpoint/2010/main" xmlns:p15="http://schemas.microsoft.com/office/powerpoint/2012/main" xmlns:ahyp="http://schemas.microsoft.com/office/drawing/2018/hyperlinkcolor">
   <p:cSld>
     <p:spTree>
       <p:nvGrpSpPr>
-        <p:cNvPr id="76" name="Shape 76"/>
+        <p:cNvPr id="155" name="Shape 155"/>
         <p:cNvGrpSpPr/>
         <p:nvPr/>
       </p:nvGrpSpPr>
@@ -14429,7 +12686,630 @@
       </p:grpSpPr>
       <p:sp>
         <p:nvSpPr>
-          <p:cNvPr id="77" name="Google Shape;77;p17"/>
+          <p:cNvPr id="156" name="Google Shape;156;p31"/>
+          <p:cNvSpPr txBox="1"/>
+          <p:nvPr/>
+        </p:nvSpPr>
+        <p:spPr>
+          <a:xfrm>
+            <a:off x="118925" y="506675"/>
+            <a:ext cx="9025200" cy="4617600"/>
+          </a:xfrm>
+          <a:prstGeom prst="rect">
+            <a:avLst/>
+          </a:prstGeom>
+          <a:noFill/>
+          <a:ln>
+            <a:noFill/>
+          </a:ln>
+        </p:spPr>
+        <p:txBody>
+          <a:bodyPr anchorCtr="0" anchor="t" bIns="91425" lIns="91425" spcFirstLastPara="1" rIns="91425" wrap="square" tIns="91425">
+            <a:spAutoFit/>
+          </a:bodyPr>
+          <a:lstStyle/>
+          <a:p>
+            <a:pPr indent="0" lvl="0" marL="0" rtl="0" algn="l">
+              <a:spcBef>
+                <a:spcPts val="0"/>
+              </a:spcBef>
+              <a:spcAft>
+                <a:spcPts val="0"/>
+              </a:spcAft>
+              <a:buClr>
+                <a:schemeClr val="dk1"/>
+              </a:buClr>
+              <a:buSzPts val="1100"/>
+              <a:buFont typeface="Arial"/>
+              <a:buNone/>
+            </a:pPr>
+            <a:r>
+              <a:rPr lang="en" sz="1800">
+                <a:solidFill>
+                  <a:schemeClr val="dk1"/>
+                </a:solidFill>
+                <a:highlight>
+                  <a:srgbClr val="C0C3A1"/>
+                </a:highlight>
+                <a:latin typeface="Courier New"/>
+                <a:ea typeface="Courier New"/>
+                <a:cs typeface="Courier New"/>
+                <a:sym typeface="Courier New"/>
+              </a:rPr>
+              <a:t>Device 0: "NVIDIA GeForce RTX 2060"</a:t>
+            </a:r>
+            <a:endParaRPr sz="1800">
+              <a:solidFill>
+                <a:schemeClr val="dk1"/>
+              </a:solidFill>
+              <a:highlight>
+                <a:srgbClr val="C0C3A1"/>
+              </a:highlight>
+              <a:latin typeface="Courier New"/>
+              <a:ea typeface="Courier New"/>
+              <a:cs typeface="Courier New"/>
+              <a:sym typeface="Courier New"/>
+            </a:endParaRPr>
+          </a:p>
+          <a:p>
+            <a:pPr indent="0" lvl="0" marL="0" rtl="0" algn="l">
+              <a:spcBef>
+                <a:spcPts val="0"/>
+              </a:spcBef>
+              <a:spcAft>
+                <a:spcPts val="0"/>
+              </a:spcAft>
+              <a:buClr>
+                <a:schemeClr val="dk1"/>
+              </a:buClr>
+              <a:buSzPts val="1100"/>
+              <a:buFont typeface="Arial"/>
+              <a:buNone/>
+            </a:pPr>
+            <a:r>
+              <a:rPr lang="en" sz="1800">
+                <a:solidFill>
+                  <a:schemeClr val="dk1"/>
+                </a:solidFill>
+                <a:latin typeface="Courier New"/>
+                <a:ea typeface="Courier New"/>
+                <a:cs typeface="Courier New"/>
+                <a:sym typeface="Courier New"/>
+              </a:rPr>
+              <a:t> CUDA Driver Version / Runtime Version       12.0 / 11.1</a:t>
+            </a:r>
+            <a:endParaRPr sz="1800">
+              <a:solidFill>
+                <a:schemeClr val="dk1"/>
+              </a:solidFill>
+              <a:latin typeface="Courier New"/>
+              <a:ea typeface="Courier New"/>
+              <a:cs typeface="Courier New"/>
+              <a:sym typeface="Courier New"/>
+            </a:endParaRPr>
+          </a:p>
+          <a:p>
+            <a:pPr indent="0" lvl="0" marL="0" rtl="0" algn="l">
+              <a:spcBef>
+                <a:spcPts val="0"/>
+              </a:spcBef>
+              <a:spcAft>
+                <a:spcPts val="0"/>
+              </a:spcAft>
+              <a:buClr>
+                <a:schemeClr val="dk1"/>
+              </a:buClr>
+              <a:buSzPts val="1100"/>
+              <a:buFont typeface="Arial"/>
+              <a:buNone/>
+            </a:pPr>
+            <a:r>
+              <a:rPr lang="en" sz="1800">
+                <a:solidFill>
+                  <a:schemeClr val="dk1"/>
+                </a:solidFill>
+                <a:latin typeface="Courier New"/>
+                <a:ea typeface="Courier New"/>
+                <a:cs typeface="Courier New"/>
+                <a:sym typeface="Courier New"/>
+              </a:rPr>
+              <a:t> CUDA Capability Major/Minor version number: 7.5</a:t>
+            </a:r>
+            <a:endParaRPr sz="1800">
+              <a:solidFill>
+                <a:schemeClr val="dk1"/>
+              </a:solidFill>
+              <a:latin typeface="Courier New"/>
+              <a:ea typeface="Courier New"/>
+              <a:cs typeface="Courier New"/>
+              <a:sym typeface="Courier New"/>
+            </a:endParaRPr>
+          </a:p>
+          <a:p>
+            <a:pPr indent="0" lvl="0" marL="0" rtl="0" algn="l">
+              <a:spcBef>
+                <a:spcPts val="0"/>
+              </a:spcBef>
+              <a:spcAft>
+                <a:spcPts val="0"/>
+              </a:spcAft>
+              <a:buClr>
+                <a:schemeClr val="dk1"/>
+              </a:buClr>
+              <a:buSzPts val="1100"/>
+              <a:buFont typeface="Arial"/>
+              <a:buNone/>
+            </a:pPr>
+            <a:r>
+              <a:rPr lang="en" sz="1800">
+                <a:solidFill>
+                  <a:schemeClr val="dk1"/>
+                </a:solidFill>
+                <a:latin typeface="Courier New"/>
+                <a:ea typeface="Courier New"/>
+                <a:cs typeface="Courier New"/>
+                <a:sym typeface="Courier New"/>
+              </a:rPr>
+              <a:t> Total amount of global memory:              5919 MBytes (6206324736 bytes)</a:t>
+            </a:r>
+            <a:endParaRPr sz="1800">
+              <a:solidFill>
+                <a:schemeClr val="dk1"/>
+              </a:solidFill>
+              <a:latin typeface="Courier New"/>
+              <a:ea typeface="Courier New"/>
+              <a:cs typeface="Courier New"/>
+              <a:sym typeface="Courier New"/>
+            </a:endParaRPr>
+          </a:p>
+          <a:p>
+            <a:pPr indent="0" lvl="0" marL="0" rtl="0" algn="l">
+              <a:spcBef>
+                <a:spcPts val="0"/>
+              </a:spcBef>
+              <a:spcAft>
+                <a:spcPts val="0"/>
+              </a:spcAft>
+              <a:buClr>
+                <a:schemeClr val="dk1"/>
+              </a:buClr>
+              <a:buSzPts val="1100"/>
+              <a:buFont typeface="Arial"/>
+              <a:buNone/>
+            </a:pPr>
+            <a:r>
+              <a:rPr lang="en" sz="1800">
+                <a:solidFill>
+                  <a:schemeClr val="dk1"/>
+                </a:solidFill>
+                <a:latin typeface="Courier New"/>
+                <a:ea typeface="Courier New"/>
+                <a:cs typeface="Courier New"/>
+                <a:sym typeface="Courier New"/>
+              </a:rPr>
+              <a:t> (30) Multiprocessors, ( 64) CUDA Cores/MP:  1920 CUDA Cores</a:t>
+            </a:r>
+            <a:endParaRPr sz="1800">
+              <a:solidFill>
+                <a:schemeClr val="dk1"/>
+              </a:solidFill>
+              <a:latin typeface="Courier New"/>
+              <a:ea typeface="Courier New"/>
+              <a:cs typeface="Courier New"/>
+              <a:sym typeface="Courier New"/>
+            </a:endParaRPr>
+          </a:p>
+          <a:p>
+            <a:pPr indent="0" lvl="0" marL="0" rtl="0" algn="l">
+              <a:spcBef>
+                <a:spcPts val="0"/>
+              </a:spcBef>
+              <a:spcAft>
+                <a:spcPts val="0"/>
+              </a:spcAft>
+              <a:buClr>
+                <a:schemeClr val="dk1"/>
+              </a:buClr>
+              <a:buSzPts val="1100"/>
+              <a:buFont typeface="Arial"/>
+              <a:buNone/>
+            </a:pPr>
+            <a:r>
+              <a:rPr lang="en" sz="1800">
+                <a:solidFill>
+                  <a:schemeClr val="dk1"/>
+                </a:solidFill>
+                <a:latin typeface="Courier New"/>
+                <a:ea typeface="Courier New"/>
+                <a:cs typeface="Courier New"/>
+                <a:sym typeface="Courier New"/>
+              </a:rPr>
+              <a:t> GPU Max Clock rate:                         1695 MHz (1.70 GHz)</a:t>
+            </a:r>
+            <a:endParaRPr sz="1800">
+              <a:solidFill>
+                <a:schemeClr val="dk1"/>
+              </a:solidFill>
+              <a:latin typeface="Courier New"/>
+              <a:ea typeface="Courier New"/>
+              <a:cs typeface="Courier New"/>
+              <a:sym typeface="Courier New"/>
+            </a:endParaRPr>
+          </a:p>
+          <a:p>
+            <a:pPr indent="0" lvl="0" marL="0" rtl="0" algn="l">
+              <a:spcBef>
+                <a:spcPts val="0"/>
+              </a:spcBef>
+              <a:spcAft>
+                <a:spcPts val="0"/>
+              </a:spcAft>
+              <a:buClr>
+                <a:schemeClr val="dk1"/>
+              </a:buClr>
+              <a:buSzPts val="1100"/>
+              <a:buFont typeface="Arial"/>
+              <a:buNone/>
+            </a:pPr>
+            <a:r>
+              <a:rPr lang="en" sz="1800">
+                <a:solidFill>
+                  <a:schemeClr val="dk1"/>
+                </a:solidFill>
+                <a:latin typeface="Courier New"/>
+                <a:ea typeface="Courier New"/>
+                <a:cs typeface="Courier New"/>
+                <a:sym typeface="Courier New"/>
+              </a:rPr>
+              <a:t> Memory Clock rate:                          7001 Mhz</a:t>
+            </a:r>
+            <a:endParaRPr sz="1800">
+              <a:solidFill>
+                <a:schemeClr val="dk1"/>
+              </a:solidFill>
+              <a:latin typeface="Courier New"/>
+              <a:ea typeface="Courier New"/>
+              <a:cs typeface="Courier New"/>
+              <a:sym typeface="Courier New"/>
+            </a:endParaRPr>
+          </a:p>
+          <a:p>
+            <a:pPr indent="0" lvl="0" marL="0" rtl="0" algn="l">
+              <a:spcBef>
+                <a:spcPts val="0"/>
+              </a:spcBef>
+              <a:spcAft>
+                <a:spcPts val="0"/>
+              </a:spcAft>
+              <a:buClr>
+                <a:schemeClr val="dk1"/>
+              </a:buClr>
+              <a:buSzPts val="1100"/>
+              <a:buFont typeface="Arial"/>
+              <a:buNone/>
+            </a:pPr>
+            <a:r>
+              <a:rPr lang="en" sz="1800">
+                <a:solidFill>
+                  <a:schemeClr val="dk1"/>
+                </a:solidFill>
+                <a:latin typeface="Courier New"/>
+                <a:ea typeface="Courier New"/>
+                <a:cs typeface="Courier New"/>
+                <a:sym typeface="Courier New"/>
+              </a:rPr>
+              <a:t> Memory Bus Width:                           192-bit</a:t>
+            </a:r>
+            <a:endParaRPr sz="1800">
+              <a:solidFill>
+                <a:schemeClr val="dk1"/>
+              </a:solidFill>
+              <a:latin typeface="Courier New"/>
+              <a:ea typeface="Courier New"/>
+              <a:cs typeface="Courier New"/>
+              <a:sym typeface="Courier New"/>
+            </a:endParaRPr>
+          </a:p>
+          <a:p>
+            <a:pPr indent="0" lvl="0" marL="0" rtl="0" algn="l">
+              <a:spcBef>
+                <a:spcPts val="0"/>
+              </a:spcBef>
+              <a:spcAft>
+                <a:spcPts val="0"/>
+              </a:spcAft>
+              <a:buClr>
+                <a:schemeClr val="dk1"/>
+              </a:buClr>
+              <a:buSzPts val="1100"/>
+              <a:buFont typeface="Arial"/>
+              <a:buNone/>
+            </a:pPr>
+            <a:r>
+              <a:rPr lang="en" sz="1800">
+                <a:solidFill>
+                  <a:schemeClr val="dk1"/>
+                </a:solidFill>
+                <a:highlight>
+                  <a:srgbClr val="C0C3A1"/>
+                </a:highlight>
+                <a:latin typeface="Courier New"/>
+                <a:ea typeface="Courier New"/>
+                <a:cs typeface="Courier New"/>
+                <a:sym typeface="Courier New"/>
+              </a:rPr>
+              <a:t>……………………………………………………………………………………………………………………………………………………</a:t>
+            </a:r>
+            <a:endParaRPr sz="1800">
+              <a:solidFill>
+                <a:schemeClr val="dk1"/>
+              </a:solidFill>
+              <a:highlight>
+                <a:srgbClr val="C0C3A1"/>
+              </a:highlight>
+              <a:latin typeface="Courier New"/>
+              <a:ea typeface="Courier New"/>
+              <a:cs typeface="Courier New"/>
+              <a:sym typeface="Courier New"/>
+            </a:endParaRPr>
+          </a:p>
+          <a:p>
+            <a:pPr indent="0" lvl="0" marL="0" rtl="0" algn="l">
+              <a:spcBef>
+                <a:spcPts val="0"/>
+              </a:spcBef>
+              <a:spcAft>
+                <a:spcPts val="0"/>
+              </a:spcAft>
+              <a:buClr>
+                <a:schemeClr val="dk1"/>
+              </a:buClr>
+              <a:buSzPts val="1100"/>
+              <a:buFont typeface="Arial"/>
+              <a:buNone/>
+            </a:pPr>
+            <a:r>
+              <a:rPr lang="en" sz="1800">
+                <a:solidFill>
+                  <a:schemeClr val="dk1"/>
+                </a:solidFill>
+                <a:highlight>
+                  <a:srgbClr val="C0C3A1"/>
+                </a:highlight>
+                <a:latin typeface="Courier New"/>
+                <a:ea typeface="Courier New"/>
+                <a:cs typeface="Courier New"/>
+                <a:sym typeface="Courier New"/>
+              </a:rPr>
+              <a:t> Maximum number of threads per multiprocessor:  1024</a:t>
+            </a:r>
+            <a:endParaRPr sz="1800">
+              <a:solidFill>
+                <a:schemeClr val="dk1"/>
+              </a:solidFill>
+              <a:highlight>
+                <a:srgbClr val="C0C3A1"/>
+              </a:highlight>
+              <a:latin typeface="Courier New"/>
+              <a:ea typeface="Courier New"/>
+              <a:cs typeface="Courier New"/>
+              <a:sym typeface="Courier New"/>
+            </a:endParaRPr>
+          </a:p>
+          <a:p>
+            <a:pPr indent="0" lvl="0" marL="0" rtl="0" algn="l">
+              <a:spcBef>
+                <a:spcPts val="0"/>
+              </a:spcBef>
+              <a:spcAft>
+                <a:spcPts val="0"/>
+              </a:spcAft>
+              <a:buClr>
+                <a:schemeClr val="dk1"/>
+              </a:buClr>
+              <a:buSzPts val="1100"/>
+              <a:buFont typeface="Arial"/>
+              <a:buNone/>
+            </a:pPr>
+            <a:r>
+              <a:rPr lang="en" sz="1800">
+                <a:solidFill>
+                  <a:schemeClr val="dk1"/>
+                </a:solidFill>
+                <a:latin typeface="Courier New"/>
+                <a:ea typeface="Courier New"/>
+                <a:cs typeface="Courier New"/>
+                <a:sym typeface="Courier New"/>
+              </a:rPr>
+              <a:t> Maximum number of threads per block:           1024</a:t>
+            </a:r>
+            <a:endParaRPr sz="1800">
+              <a:solidFill>
+                <a:schemeClr val="dk1"/>
+              </a:solidFill>
+              <a:latin typeface="Courier New"/>
+              <a:ea typeface="Courier New"/>
+              <a:cs typeface="Courier New"/>
+              <a:sym typeface="Courier New"/>
+            </a:endParaRPr>
+          </a:p>
+          <a:p>
+            <a:pPr indent="0" lvl="0" marL="0" rtl="0" algn="l">
+              <a:spcBef>
+                <a:spcPts val="0"/>
+              </a:spcBef>
+              <a:spcAft>
+                <a:spcPts val="0"/>
+              </a:spcAft>
+              <a:buClr>
+                <a:schemeClr val="dk1"/>
+              </a:buClr>
+              <a:buSzPts val="1100"/>
+              <a:buFont typeface="Arial"/>
+              <a:buNone/>
+            </a:pPr>
+            <a:r>
+              <a:rPr lang="en" sz="1800">
+                <a:solidFill>
+                  <a:schemeClr val="dk1"/>
+                </a:solidFill>
+                <a:latin typeface="Courier New"/>
+                <a:ea typeface="Courier New"/>
+                <a:cs typeface="Courier New"/>
+                <a:sym typeface="Courier New"/>
+              </a:rPr>
+              <a:t> Max dimension size of a thread block (x,y,z): (1024, 1024, 64)</a:t>
+            </a:r>
+            <a:endParaRPr sz="1800">
+              <a:solidFill>
+                <a:schemeClr val="dk1"/>
+              </a:solidFill>
+              <a:latin typeface="Courier New"/>
+              <a:ea typeface="Courier New"/>
+              <a:cs typeface="Courier New"/>
+              <a:sym typeface="Courier New"/>
+            </a:endParaRPr>
+          </a:p>
+          <a:p>
+            <a:pPr indent="0" lvl="0" marL="0" rtl="0" algn="l">
+              <a:spcBef>
+                <a:spcPts val="0"/>
+              </a:spcBef>
+              <a:spcAft>
+                <a:spcPts val="0"/>
+              </a:spcAft>
+              <a:buClr>
+                <a:schemeClr val="dk1"/>
+              </a:buClr>
+              <a:buSzPts val="1100"/>
+              <a:buFont typeface="Arial"/>
+              <a:buNone/>
+            </a:pPr>
+            <a:r>
+              <a:rPr lang="en" sz="1800">
+                <a:solidFill>
+                  <a:schemeClr val="dk1"/>
+                </a:solidFill>
+                <a:latin typeface="Courier New"/>
+                <a:ea typeface="Courier New"/>
+                <a:cs typeface="Courier New"/>
+                <a:sym typeface="Courier New"/>
+              </a:rPr>
+              <a:t> Max dimension size of a grid size    (x,y,z): (2147483647, 65535, 65535)</a:t>
+            </a:r>
+            <a:endParaRPr sz="1100">
+              <a:solidFill>
+                <a:schemeClr val="dk1"/>
+              </a:solidFill>
+              <a:latin typeface="Courier New"/>
+              <a:ea typeface="Courier New"/>
+              <a:cs typeface="Courier New"/>
+              <a:sym typeface="Courier New"/>
+            </a:endParaRPr>
+          </a:p>
+          <a:p>
+            <a:pPr indent="0" lvl="0" marL="0" rtl="0" algn="l">
+              <a:spcBef>
+                <a:spcPts val="0"/>
+              </a:spcBef>
+              <a:spcAft>
+                <a:spcPts val="0"/>
+              </a:spcAft>
+              <a:buNone/>
+            </a:pPr>
+            <a:r>
+              <a:rPr lang="en" sz="1800"/>
+              <a:t>…………………………………………………………………………………………………</a:t>
+            </a:r>
+            <a:endParaRPr sz="1800"/>
+          </a:p>
+        </p:txBody>
+      </p:sp>
+      <p:sp>
+        <p:nvSpPr>
+          <p:cNvPr id="157" name="Google Shape;157;p31"/>
+          <p:cNvSpPr txBox="1"/>
+          <p:nvPr/>
+        </p:nvSpPr>
+        <p:spPr>
+          <a:xfrm>
+            <a:off x="118925" y="56525"/>
+            <a:ext cx="9025200" cy="461700"/>
+          </a:xfrm>
+          <a:prstGeom prst="rect">
+            <a:avLst/>
+          </a:prstGeom>
+          <a:noFill/>
+          <a:ln>
+            <a:noFill/>
+          </a:ln>
+        </p:spPr>
+        <p:txBody>
+          <a:bodyPr anchorCtr="0" anchor="t" bIns="91425" lIns="91425" spcFirstLastPara="1" rIns="91425" wrap="square" tIns="91425">
+            <a:spAutoFit/>
+          </a:bodyPr>
+          <a:lstStyle/>
+          <a:p>
+            <a:pPr indent="0" lvl="0" marL="0" rtl="0" algn="l">
+              <a:spcBef>
+                <a:spcPts val="0"/>
+              </a:spcBef>
+              <a:spcAft>
+                <a:spcPts val="0"/>
+              </a:spcAft>
+              <a:buNone/>
+            </a:pPr>
+            <a:r>
+              <a:rPr b="1" lang="en" sz="1800">
+                <a:solidFill>
+                  <a:schemeClr val="dk1"/>
+                </a:solidFill>
+                <a:highlight>
+                  <a:srgbClr val="C0C3A1"/>
+                </a:highlight>
+                <a:latin typeface="Courier New"/>
+                <a:ea typeface="Courier New"/>
+                <a:cs typeface="Courier New"/>
+                <a:sym typeface="Courier New"/>
+              </a:rPr>
+              <a:t>~/NVIDIA_CUDA-11.1_Samples/1_Utilities/deviceQuery&gt;./deviceQuery</a:t>
+            </a:r>
+            <a:endParaRPr>
+              <a:highlight>
+                <a:srgbClr val="C0C3A1"/>
+              </a:highlight>
+            </a:endParaRPr>
+          </a:p>
+        </p:txBody>
+      </p:sp>
+    </p:spTree>
+  </p:cSld>
+  <p:clrMapOvr>
+    <a:masterClrMapping/>
+  </p:clrMapOvr>
+</p:sld>
+</file>
+
+<file path=ppt/slides/slide18.xml><?xml version="1.0" encoding="utf-8"?>
+<p:sld xmlns:a="http://schemas.openxmlformats.org/drawingml/2006/main" xmlns:r="http://schemas.openxmlformats.org/officeDocument/2006/relationships" xmlns:mc="http://schemas.openxmlformats.org/markup-compatibility/2006" xmlns:mv="urn:schemas-microsoft-com:mac:vml" xmlns:p="http://schemas.openxmlformats.org/presentationml/2006/main" xmlns:c="http://schemas.openxmlformats.org/drawingml/2006/chart" xmlns:dgm="http://schemas.openxmlformats.org/drawingml/2006/diagram" xmlns:o="urn:schemas-microsoft-com:office:office" xmlns:v="urn:schemas-microsoft-com:vml" xmlns:pvml="urn:schemas-microsoft-com:office:powerpoint" xmlns:com="http://schemas.openxmlformats.org/drawingml/2006/compatibility" xmlns:p14="http://schemas.microsoft.com/office/powerpoint/2010/main" xmlns:p15="http://schemas.microsoft.com/office/powerpoint/2012/main" xmlns:ahyp="http://schemas.microsoft.com/office/drawing/2018/hyperlinkcolor">
+  <p:cSld>
+    <p:spTree>
+      <p:nvGrpSpPr>
+        <p:cNvPr id="161" name="Shape 161"/>
+        <p:cNvGrpSpPr/>
+        <p:nvPr/>
+      </p:nvGrpSpPr>
+      <p:grpSpPr>
+        <a:xfrm>
+          <a:off x="0" y="0"/>
+          <a:ext cx="0" cy="0"/>
+          <a:chOff x="0" y="0"/>
+          <a:chExt cx="0" cy="0"/>
+        </a:xfrm>
+      </p:grpSpPr>
+      <p:sp>
+        <p:nvSpPr>
+          <p:cNvPr id="162" name="Google Shape;162;p32"/>
           <p:cNvSpPr txBox="1"/>
           <p:nvPr/>
         </p:nvSpPr>
@@ -14481,7 +13361,7 @@
       </p:sp>
       <p:pic>
         <p:nvPicPr>
-          <p:cNvPr id="78" name="Google Shape;78;p17"/>
+          <p:cNvPr id="163" name="Google Shape;163;p32"/>
           <p:cNvPicPr preferRelativeResize="0"/>
           <p:nvPr/>
         </p:nvPicPr>
@@ -14515,12 +13395,12 @@
 </p:sld>
 </file>
 
-<file path=ppt/slides/slide4.xml><?xml version="1.0" encoding="utf-8"?>
+<file path=ppt/slides/slide19.xml><?xml version="1.0" encoding="utf-8"?>
 <p:sld xmlns:a="http://schemas.openxmlformats.org/drawingml/2006/main" xmlns:r="http://schemas.openxmlformats.org/officeDocument/2006/relationships" xmlns:mc="http://schemas.openxmlformats.org/markup-compatibility/2006" xmlns:mv="urn:schemas-microsoft-com:mac:vml" xmlns:p="http://schemas.openxmlformats.org/presentationml/2006/main" xmlns:c="http://schemas.openxmlformats.org/drawingml/2006/chart" xmlns:dgm="http://schemas.openxmlformats.org/drawingml/2006/diagram" xmlns:o="urn:schemas-microsoft-com:office:office" xmlns:v="urn:schemas-microsoft-com:vml" xmlns:pvml="urn:schemas-microsoft-com:office:powerpoint" xmlns:com="http://schemas.openxmlformats.org/drawingml/2006/compatibility" xmlns:p14="http://schemas.microsoft.com/office/powerpoint/2010/main" xmlns:p15="http://schemas.microsoft.com/office/powerpoint/2012/main" xmlns:ahyp="http://schemas.microsoft.com/office/drawing/2018/hyperlinkcolor">
   <p:cSld>
     <p:spTree>
       <p:nvGrpSpPr>
-        <p:cNvPr id="82" name="Shape 82"/>
+        <p:cNvPr id="167" name="Shape 167"/>
         <p:cNvGrpSpPr/>
         <p:nvPr/>
       </p:nvGrpSpPr>
@@ -14534,7 +13414,7 @@
       </p:grpSpPr>
       <p:graphicFrame>
         <p:nvGraphicFramePr>
-          <p:cNvPr id="83" name="Google Shape;83;p18"/>
+          <p:cNvPr id="168" name="Google Shape;168;p33"/>
           <p:cNvGraphicFramePr/>
           <p:nvPr/>
         </p:nvGraphicFramePr>
@@ -14547,7 +13427,7 @@
             <a:tbl>
               <a:tblPr>
                 <a:noFill/>
-                <a:tableStyleId>{AD852E70-BE64-4C65-86CD-D70FD1396671}</a:tableStyleId>
+                <a:tableStyleId>{8A0EF6B0-99D1-401E-A511-5FA77D50C43D}</a:tableStyleId>
               </a:tblPr>
               <a:tblGrid>
                 <a:gridCol w="2413000"/>
@@ -16261,7 +15141,7 @@
       </p:graphicFrame>
       <p:sp>
         <p:nvSpPr>
-          <p:cNvPr id="84" name="Google Shape;84;p18"/>
+          <p:cNvPr id="169" name="Google Shape;169;p33"/>
           <p:cNvSpPr txBox="1"/>
           <p:nvPr/>
         </p:nvSpPr>
@@ -16315,12 +15195,12 @@
 </p:sld>
 </file>
 
-<file path=ppt/slides/slide5.xml><?xml version="1.0" encoding="utf-8"?>
+<file path=ppt/slides/slide2.xml><?xml version="1.0" encoding="utf-8"?>
 <p:sld xmlns:a="http://schemas.openxmlformats.org/drawingml/2006/main" xmlns:r="http://schemas.openxmlformats.org/officeDocument/2006/relationships" xmlns:mc="http://schemas.openxmlformats.org/markup-compatibility/2006" xmlns:mv="urn:schemas-microsoft-com:mac:vml" xmlns:p="http://schemas.openxmlformats.org/presentationml/2006/main" xmlns:c="http://schemas.openxmlformats.org/drawingml/2006/chart" xmlns:dgm="http://schemas.openxmlformats.org/drawingml/2006/diagram" xmlns:o="urn:schemas-microsoft-com:office:office" xmlns:v="urn:schemas-microsoft-com:vml" xmlns:pvml="urn:schemas-microsoft-com:office:powerpoint" xmlns:com="http://schemas.openxmlformats.org/drawingml/2006/compatibility" xmlns:p14="http://schemas.microsoft.com/office/powerpoint/2010/main" xmlns:p15="http://schemas.microsoft.com/office/powerpoint/2012/main" xmlns:ahyp="http://schemas.microsoft.com/office/drawing/2018/hyperlinkcolor">
   <p:cSld>
     <p:spTree>
       <p:nvGrpSpPr>
-        <p:cNvPr id="88" name="Shape 88"/>
+        <p:cNvPr id="70" name="Shape 70"/>
         <p:cNvGrpSpPr/>
         <p:nvPr/>
       </p:nvGrpSpPr>
@@ -16334,116 +15214,7 @@
       </p:grpSpPr>
       <p:sp>
         <p:nvSpPr>
-          <p:cNvPr id="89" name="Google Shape;89;p19"/>
-          <p:cNvSpPr txBox="1"/>
-          <p:nvPr/>
-        </p:nvSpPr>
-        <p:spPr>
-          <a:xfrm>
-            <a:off x="178350" y="1217575"/>
-            <a:ext cx="8787300" cy="923400"/>
-          </a:xfrm>
-          <a:prstGeom prst="rect">
-            <a:avLst/>
-          </a:prstGeom>
-          <a:noFill/>
-          <a:ln>
-            <a:noFill/>
-          </a:ln>
-        </p:spPr>
-        <p:txBody>
-          <a:bodyPr anchorCtr="0" anchor="t" bIns="91425" lIns="91425" spcFirstLastPara="1" rIns="91425" wrap="square" tIns="91425">
-            <a:spAutoFit/>
-          </a:bodyPr>
-          <a:lstStyle/>
-          <a:p>
-            <a:pPr indent="0" lvl="0" marL="0" rtl="0" algn="l">
-              <a:spcBef>
-                <a:spcPts val="0"/>
-              </a:spcBef>
-              <a:spcAft>
-                <a:spcPts val="0"/>
-              </a:spcAft>
-              <a:buNone/>
-            </a:pPr>
-            <a:r>
-              <a:rPr lang="en" sz="2400"/>
-              <a:t>https://docs.nvidia.com/cuda/archive/11.5.1/cuda-c-programming-guide/index.html#compute-capabilities</a:t>
-            </a:r>
-            <a:endParaRPr sz="2400"/>
-          </a:p>
-        </p:txBody>
-      </p:sp>
-      <p:sp>
-        <p:nvSpPr>
-          <p:cNvPr id="90" name="Google Shape;90;p19"/>
-          <p:cNvSpPr txBox="1"/>
-          <p:nvPr/>
-        </p:nvSpPr>
-        <p:spPr>
-          <a:xfrm>
-            <a:off x="171775" y="198800"/>
-            <a:ext cx="8787300" cy="554100"/>
-          </a:xfrm>
-          <a:prstGeom prst="rect">
-            <a:avLst/>
-          </a:prstGeom>
-          <a:noFill/>
-          <a:ln>
-            <a:noFill/>
-          </a:ln>
-        </p:spPr>
-        <p:txBody>
-          <a:bodyPr anchorCtr="0" anchor="t" bIns="91425" lIns="91425" spcFirstLastPara="1" rIns="91425" wrap="square" tIns="91425">
-            <a:spAutoFit/>
-          </a:bodyPr>
-          <a:lstStyle/>
-          <a:p>
-            <a:pPr indent="0" lvl="0" marL="0" rtl="0" algn="l">
-              <a:spcBef>
-                <a:spcPts val="0"/>
-              </a:spcBef>
-              <a:spcAft>
-                <a:spcPts val="0"/>
-              </a:spcAft>
-              <a:buNone/>
-            </a:pPr>
-            <a:r>
-              <a:rPr lang="en" sz="2400"/>
-              <a:t>https://docs.nvidia.com/cuda/archive/11.5.1/</a:t>
-            </a:r>
-            <a:endParaRPr sz="2400"/>
-          </a:p>
-        </p:txBody>
-      </p:sp>
-    </p:spTree>
-  </p:cSld>
-  <p:clrMapOvr>
-    <a:masterClrMapping/>
-  </p:clrMapOvr>
-</p:sld>
-</file>
-
-<file path=ppt/slides/slide6.xml><?xml version="1.0" encoding="utf-8"?>
-<p:sld xmlns:a="http://schemas.openxmlformats.org/drawingml/2006/main" xmlns:r="http://schemas.openxmlformats.org/officeDocument/2006/relationships" xmlns:mc="http://schemas.openxmlformats.org/markup-compatibility/2006" xmlns:mv="urn:schemas-microsoft-com:mac:vml" xmlns:p="http://schemas.openxmlformats.org/presentationml/2006/main" xmlns:c="http://schemas.openxmlformats.org/drawingml/2006/chart" xmlns:dgm="http://schemas.openxmlformats.org/drawingml/2006/diagram" xmlns:o="urn:schemas-microsoft-com:office:office" xmlns:v="urn:schemas-microsoft-com:vml" xmlns:pvml="urn:schemas-microsoft-com:office:powerpoint" xmlns:com="http://schemas.openxmlformats.org/drawingml/2006/compatibility" xmlns:p14="http://schemas.microsoft.com/office/powerpoint/2010/main" xmlns:p15="http://schemas.microsoft.com/office/powerpoint/2012/main" xmlns:ahyp="http://schemas.microsoft.com/office/drawing/2018/hyperlinkcolor">
-  <p:cSld>
-    <p:spTree>
-      <p:nvGrpSpPr>
-        <p:cNvPr id="94" name="Shape 94"/>
-        <p:cNvGrpSpPr/>
-        <p:nvPr/>
-      </p:nvGrpSpPr>
-      <p:grpSpPr>
-        <a:xfrm>
-          <a:off x="0" y="0"/>
-          <a:ext cx="0" cy="0"/>
-          <a:chOff x="0" y="0"/>
-          <a:chExt cx="0" cy="0"/>
-        </a:xfrm>
-      </p:grpSpPr>
-      <p:sp>
-        <p:nvSpPr>
-          <p:cNvPr id="95" name="Google Shape;95;p20"/>
+          <p:cNvPr id="71" name="Google Shape;71;p16"/>
           <p:cNvSpPr txBox="1"/>
           <p:nvPr/>
         </p:nvSpPr>
@@ -16495,7 +15266,7 @@
       </p:sp>
       <p:pic>
         <p:nvPicPr>
-          <p:cNvPr id="96" name="Google Shape;96;p20"/>
+          <p:cNvPr id="72" name="Google Shape;72;p16"/>
           <p:cNvPicPr preferRelativeResize="0"/>
           <p:nvPr/>
         </p:nvPicPr>
@@ -16523,7 +15294,7 @@
       </p:pic>
       <p:pic>
         <p:nvPicPr>
-          <p:cNvPr id="97" name="Google Shape;97;p20"/>
+          <p:cNvPr id="73" name="Google Shape;73;p16"/>
           <p:cNvPicPr preferRelativeResize="0"/>
           <p:nvPr/>
         </p:nvPicPr>
@@ -16551,7 +15322,7 @@
       </p:pic>
       <p:pic>
         <p:nvPicPr>
-          <p:cNvPr id="98" name="Google Shape;98;p20"/>
+          <p:cNvPr id="74" name="Google Shape;74;p16"/>
           <p:cNvPicPr preferRelativeResize="0"/>
           <p:nvPr/>
         </p:nvPicPr>
@@ -16567,6 +15338,535 @@
           <a:xfrm>
             <a:off x="638175" y="4348163"/>
             <a:ext cx="7715250" cy="714375"/>
+          </a:xfrm>
+          <a:prstGeom prst="rect">
+            <a:avLst/>
+          </a:prstGeom>
+          <a:noFill/>
+          <a:ln>
+            <a:noFill/>
+          </a:ln>
+        </p:spPr>
+      </p:pic>
+    </p:spTree>
+  </p:cSld>
+  <p:clrMapOvr>
+    <a:masterClrMapping/>
+  </p:clrMapOvr>
+</p:sld>
+</file>
+
+<file path=ppt/slides/slide20.xml><?xml version="1.0" encoding="utf-8"?>
+<p:sld xmlns:a="http://schemas.openxmlformats.org/drawingml/2006/main" xmlns:r="http://schemas.openxmlformats.org/officeDocument/2006/relationships" xmlns:mc="http://schemas.openxmlformats.org/markup-compatibility/2006" xmlns:mv="urn:schemas-microsoft-com:mac:vml" xmlns:p="http://schemas.openxmlformats.org/presentationml/2006/main" xmlns:c="http://schemas.openxmlformats.org/drawingml/2006/chart" xmlns:dgm="http://schemas.openxmlformats.org/drawingml/2006/diagram" xmlns:o="urn:schemas-microsoft-com:office:office" xmlns:v="urn:schemas-microsoft-com:vml" xmlns:pvml="urn:schemas-microsoft-com:office:powerpoint" xmlns:com="http://schemas.openxmlformats.org/drawingml/2006/compatibility" xmlns:p14="http://schemas.microsoft.com/office/powerpoint/2010/main" xmlns:p15="http://schemas.microsoft.com/office/powerpoint/2012/main" xmlns:ahyp="http://schemas.microsoft.com/office/drawing/2018/hyperlinkcolor">
+  <p:cSld>
+    <p:spTree>
+      <p:nvGrpSpPr>
+        <p:cNvPr id="173" name="Shape 173"/>
+        <p:cNvGrpSpPr/>
+        <p:nvPr/>
+      </p:nvGrpSpPr>
+      <p:grpSpPr>
+        <a:xfrm>
+          <a:off x="0" y="0"/>
+          <a:ext cx="0" cy="0"/>
+          <a:chOff x="0" y="0"/>
+          <a:chExt cx="0" cy="0"/>
+        </a:xfrm>
+      </p:grpSpPr>
+      <p:sp>
+        <p:nvSpPr>
+          <p:cNvPr id="174" name="Google Shape;174;p34"/>
+          <p:cNvSpPr txBox="1"/>
+          <p:nvPr/>
+        </p:nvSpPr>
+        <p:spPr>
+          <a:xfrm>
+            <a:off x="178350" y="1217575"/>
+            <a:ext cx="8787300" cy="923400"/>
+          </a:xfrm>
+          <a:prstGeom prst="rect">
+            <a:avLst/>
+          </a:prstGeom>
+          <a:noFill/>
+          <a:ln>
+            <a:noFill/>
+          </a:ln>
+        </p:spPr>
+        <p:txBody>
+          <a:bodyPr anchorCtr="0" anchor="t" bIns="91425" lIns="91425" spcFirstLastPara="1" rIns="91425" wrap="square" tIns="91425">
+            <a:spAutoFit/>
+          </a:bodyPr>
+          <a:lstStyle/>
+          <a:p>
+            <a:pPr indent="0" lvl="0" marL="0" rtl="0" algn="l">
+              <a:spcBef>
+                <a:spcPts val="0"/>
+              </a:spcBef>
+              <a:spcAft>
+                <a:spcPts val="0"/>
+              </a:spcAft>
+              <a:buNone/>
+            </a:pPr>
+            <a:r>
+              <a:rPr lang="en" sz="2400"/>
+              <a:t>https://docs.nvidia.com/cuda/archive/11.5.1/cuda-c-programming-guide/index.html#compute-capabilities</a:t>
+            </a:r>
+            <a:endParaRPr sz="2400"/>
+          </a:p>
+        </p:txBody>
+      </p:sp>
+      <p:sp>
+        <p:nvSpPr>
+          <p:cNvPr id="175" name="Google Shape;175;p34"/>
+          <p:cNvSpPr txBox="1"/>
+          <p:nvPr/>
+        </p:nvSpPr>
+        <p:spPr>
+          <a:xfrm>
+            <a:off x="171775" y="198800"/>
+            <a:ext cx="8787300" cy="554100"/>
+          </a:xfrm>
+          <a:prstGeom prst="rect">
+            <a:avLst/>
+          </a:prstGeom>
+          <a:noFill/>
+          <a:ln>
+            <a:noFill/>
+          </a:ln>
+        </p:spPr>
+        <p:txBody>
+          <a:bodyPr anchorCtr="0" anchor="t" bIns="91425" lIns="91425" spcFirstLastPara="1" rIns="91425" wrap="square" tIns="91425">
+            <a:spAutoFit/>
+          </a:bodyPr>
+          <a:lstStyle/>
+          <a:p>
+            <a:pPr indent="0" lvl="0" marL="0" rtl="0" algn="l">
+              <a:spcBef>
+                <a:spcPts val="0"/>
+              </a:spcBef>
+              <a:spcAft>
+                <a:spcPts val="0"/>
+              </a:spcAft>
+              <a:buNone/>
+            </a:pPr>
+            <a:r>
+              <a:rPr lang="en" sz="2400"/>
+              <a:t>https://docs.nvidia.com/cuda/archive/11.5.1/</a:t>
+            </a:r>
+            <a:endParaRPr sz="2400"/>
+          </a:p>
+        </p:txBody>
+      </p:sp>
+    </p:spTree>
+  </p:cSld>
+  <p:clrMapOvr>
+    <a:masterClrMapping/>
+  </p:clrMapOvr>
+</p:sld>
+</file>
+
+<file path=ppt/slides/slide3.xml><?xml version="1.0" encoding="utf-8"?>
+<p:sld xmlns:a="http://schemas.openxmlformats.org/drawingml/2006/main" xmlns:r="http://schemas.openxmlformats.org/officeDocument/2006/relationships" xmlns:mc="http://schemas.openxmlformats.org/markup-compatibility/2006" xmlns:mv="urn:schemas-microsoft-com:mac:vml" xmlns:p="http://schemas.openxmlformats.org/presentationml/2006/main" xmlns:c="http://schemas.openxmlformats.org/drawingml/2006/chart" xmlns:dgm="http://schemas.openxmlformats.org/drawingml/2006/diagram" xmlns:o="urn:schemas-microsoft-com:office:office" xmlns:v="urn:schemas-microsoft-com:vml" xmlns:pvml="urn:schemas-microsoft-com:office:powerpoint" xmlns:com="http://schemas.openxmlformats.org/drawingml/2006/compatibility" xmlns:p14="http://schemas.microsoft.com/office/powerpoint/2010/main" xmlns:p15="http://schemas.microsoft.com/office/powerpoint/2012/main" xmlns:ahyp="http://schemas.microsoft.com/office/drawing/2018/hyperlinkcolor">
+  <p:cSld>
+    <p:spTree>
+      <p:nvGrpSpPr>
+        <p:cNvPr id="78" name="Shape 78"/>
+        <p:cNvGrpSpPr/>
+        <p:nvPr/>
+      </p:nvGrpSpPr>
+      <p:grpSpPr>
+        <a:xfrm>
+          <a:off x="0" y="0"/>
+          <a:ext cx="0" cy="0"/>
+          <a:chOff x="0" y="0"/>
+          <a:chExt cx="0" cy="0"/>
+        </a:xfrm>
+      </p:grpSpPr>
+      <p:pic>
+        <p:nvPicPr>
+          <p:cNvPr id="79" name="Google Shape;79;p17"/>
+          <p:cNvPicPr preferRelativeResize="0"/>
+          <p:nvPr/>
+        </p:nvPicPr>
+        <p:blipFill>
+          <a:blip r:embed="rId3">
+            <a:alphaModFix/>
+          </a:blip>
+          <a:stretch>
+            <a:fillRect/>
+          </a:stretch>
+        </p:blipFill>
+        <p:spPr>
+          <a:xfrm>
+            <a:off x="304800" y="990600"/>
+            <a:ext cx="8414766" cy="3349298"/>
+          </a:xfrm>
+          <a:prstGeom prst="rect">
+            <a:avLst/>
+          </a:prstGeom>
+          <a:noFill/>
+          <a:ln>
+            <a:noFill/>
+          </a:ln>
+        </p:spPr>
+      </p:pic>
+      <p:sp>
+        <p:nvSpPr>
+          <p:cNvPr id="80" name="Google Shape;80;p17"/>
+          <p:cNvSpPr txBox="1"/>
+          <p:nvPr/>
+        </p:nvSpPr>
+        <p:spPr>
+          <a:xfrm>
+            <a:off x="990600" y="76200"/>
+            <a:ext cx="7086600" cy="464100"/>
+          </a:xfrm>
+          <a:prstGeom prst="rect">
+            <a:avLst/>
+          </a:prstGeom>
+          <a:solidFill>
+            <a:srgbClr val="FFCC00"/>
+          </a:solidFill>
+          <a:ln>
+            <a:noFill/>
+          </a:ln>
+        </p:spPr>
+        <p:txBody>
+          <a:bodyPr anchorCtr="0" anchor="t" bIns="46800" lIns="90000" spcFirstLastPara="1" rIns="90000" wrap="square" tIns="46800">
+            <a:spAutoFit/>
+          </a:bodyPr>
+          <a:lstStyle/>
+          <a:p>
+            <a:pPr indent="0" lvl="0" marL="0" marR="0" rtl="0" algn="ctr">
+              <a:lnSpc>
+                <a:spcPct val="100000"/>
+              </a:lnSpc>
+              <a:spcBef>
+                <a:spcPts val="0"/>
+              </a:spcBef>
+              <a:spcAft>
+                <a:spcPts val="0"/>
+              </a:spcAft>
+              <a:buClr>
+                <a:srgbClr val="000000"/>
+              </a:buClr>
+              <a:buSzPts val="2400"/>
+              <a:buFont typeface="Arial"/>
+              <a:buNone/>
+            </a:pPr>
+            <a:r>
+              <a:rPr b="1" lang="en" sz="2400"/>
+              <a:t>Диагностика синхронных вызовов</a:t>
+            </a:r>
+            <a:endParaRPr/>
+          </a:p>
+        </p:txBody>
+      </p:sp>
+    </p:spTree>
+  </p:cSld>
+  <p:clrMapOvr>
+    <a:masterClrMapping/>
+  </p:clrMapOvr>
+</p:sld>
+</file>
+
+<file path=ppt/slides/slide4.xml><?xml version="1.0" encoding="utf-8"?>
+<p:sld xmlns:a="http://schemas.openxmlformats.org/drawingml/2006/main" xmlns:r="http://schemas.openxmlformats.org/officeDocument/2006/relationships" xmlns:mc="http://schemas.openxmlformats.org/markup-compatibility/2006" xmlns:mv="urn:schemas-microsoft-com:mac:vml" xmlns:p="http://schemas.openxmlformats.org/presentationml/2006/main" xmlns:c="http://schemas.openxmlformats.org/drawingml/2006/chart" xmlns:dgm="http://schemas.openxmlformats.org/drawingml/2006/diagram" xmlns:o="urn:schemas-microsoft-com:office:office" xmlns:v="urn:schemas-microsoft-com:vml" xmlns:pvml="urn:schemas-microsoft-com:office:powerpoint" xmlns:com="http://schemas.openxmlformats.org/drawingml/2006/compatibility" xmlns:p14="http://schemas.microsoft.com/office/powerpoint/2010/main" xmlns:p15="http://schemas.microsoft.com/office/powerpoint/2012/main" xmlns:ahyp="http://schemas.microsoft.com/office/drawing/2018/hyperlinkcolor">
+  <p:cSld>
+    <p:spTree>
+      <p:nvGrpSpPr>
+        <p:cNvPr id="84" name="Shape 84"/>
+        <p:cNvGrpSpPr/>
+        <p:nvPr/>
+      </p:nvGrpSpPr>
+      <p:grpSpPr>
+        <a:xfrm>
+          <a:off x="0" y="0"/>
+          <a:ext cx="0" cy="0"/>
+          <a:chOff x="0" y="0"/>
+          <a:chExt cx="0" cy="0"/>
+        </a:xfrm>
+      </p:grpSpPr>
+      <p:sp>
+        <p:nvSpPr>
+          <p:cNvPr id="85" name="Google Shape;85;p18"/>
+          <p:cNvSpPr txBox="1"/>
+          <p:nvPr/>
+        </p:nvSpPr>
+        <p:spPr>
+          <a:xfrm>
+            <a:off x="990600" y="76200"/>
+            <a:ext cx="7086600" cy="464100"/>
+          </a:xfrm>
+          <a:prstGeom prst="rect">
+            <a:avLst/>
+          </a:prstGeom>
+          <a:solidFill>
+            <a:srgbClr val="FFCC00"/>
+          </a:solidFill>
+          <a:ln>
+            <a:noFill/>
+          </a:ln>
+        </p:spPr>
+        <p:txBody>
+          <a:bodyPr anchorCtr="0" anchor="t" bIns="46800" lIns="90000" spcFirstLastPara="1" rIns="90000" wrap="square" tIns="46800">
+            <a:spAutoFit/>
+          </a:bodyPr>
+          <a:lstStyle/>
+          <a:p>
+            <a:pPr indent="0" lvl="0" marL="0" marR="0" rtl="0" algn="ctr">
+              <a:lnSpc>
+                <a:spcPct val="100000"/>
+              </a:lnSpc>
+              <a:spcBef>
+                <a:spcPts val="0"/>
+              </a:spcBef>
+              <a:spcAft>
+                <a:spcPts val="0"/>
+              </a:spcAft>
+              <a:buClr>
+                <a:srgbClr val="000000"/>
+              </a:buClr>
+              <a:buSzPts val="2400"/>
+              <a:buFont typeface="Arial"/>
+              <a:buNone/>
+            </a:pPr>
+            <a:r>
+              <a:rPr b="1" lang="en" sz="2400"/>
+              <a:t>Диагностика асинхронных вызовов</a:t>
+            </a:r>
+            <a:endParaRPr/>
+          </a:p>
+        </p:txBody>
+      </p:sp>
+      <p:pic>
+        <p:nvPicPr>
+          <p:cNvPr id="86" name="Google Shape;86;p18"/>
+          <p:cNvPicPr preferRelativeResize="0"/>
+          <p:nvPr/>
+        </p:nvPicPr>
+        <p:blipFill>
+          <a:blip r:embed="rId3">
+            <a:alphaModFix/>
+          </a:blip>
+          <a:stretch>
+            <a:fillRect/>
+          </a:stretch>
+        </p:blipFill>
+        <p:spPr>
+          <a:xfrm>
+            <a:off x="152400" y="768900"/>
+            <a:ext cx="8697278" cy="4168791"/>
+          </a:xfrm>
+          <a:prstGeom prst="rect">
+            <a:avLst/>
+          </a:prstGeom>
+          <a:noFill/>
+          <a:ln>
+            <a:noFill/>
+          </a:ln>
+        </p:spPr>
+      </p:pic>
+    </p:spTree>
+  </p:cSld>
+  <p:clrMapOvr>
+    <a:masterClrMapping/>
+  </p:clrMapOvr>
+</p:sld>
+</file>
+
+<file path=ppt/slides/slide5.xml><?xml version="1.0" encoding="utf-8"?>
+<p:sld xmlns:a="http://schemas.openxmlformats.org/drawingml/2006/main" xmlns:r="http://schemas.openxmlformats.org/officeDocument/2006/relationships" xmlns:mc="http://schemas.openxmlformats.org/markup-compatibility/2006" xmlns:mv="urn:schemas-microsoft-com:mac:vml" xmlns:p="http://schemas.openxmlformats.org/presentationml/2006/main" xmlns:c="http://schemas.openxmlformats.org/drawingml/2006/chart" xmlns:dgm="http://schemas.openxmlformats.org/drawingml/2006/diagram" xmlns:o="urn:schemas-microsoft-com:office:office" xmlns:v="urn:schemas-microsoft-com:vml" xmlns:pvml="urn:schemas-microsoft-com:office:powerpoint" xmlns:com="http://schemas.openxmlformats.org/drawingml/2006/compatibility" xmlns:p14="http://schemas.microsoft.com/office/powerpoint/2010/main" xmlns:p15="http://schemas.microsoft.com/office/powerpoint/2012/main" xmlns:ahyp="http://schemas.microsoft.com/office/drawing/2018/hyperlinkcolor">
+  <p:cSld>
+    <p:spTree>
+      <p:nvGrpSpPr>
+        <p:cNvPr id="90" name="Shape 90"/>
+        <p:cNvGrpSpPr/>
+        <p:nvPr/>
+      </p:nvGrpSpPr>
+      <p:grpSpPr>
+        <a:xfrm>
+          <a:off x="0" y="0"/>
+          <a:ext cx="0" cy="0"/>
+          <a:chOff x="0" y="0"/>
+          <a:chExt cx="0" cy="0"/>
+        </a:xfrm>
+      </p:grpSpPr>
+      <p:sp>
+        <p:nvSpPr>
+          <p:cNvPr id="91" name="Google Shape;91;p19"/>
+          <p:cNvSpPr txBox="1"/>
+          <p:nvPr/>
+        </p:nvSpPr>
+        <p:spPr>
+          <a:xfrm>
+            <a:off x="990600" y="76200"/>
+            <a:ext cx="7086600" cy="833400"/>
+          </a:xfrm>
+          <a:prstGeom prst="rect">
+            <a:avLst/>
+          </a:prstGeom>
+          <a:solidFill>
+            <a:srgbClr val="FFCC00"/>
+          </a:solidFill>
+          <a:ln>
+            <a:noFill/>
+          </a:ln>
+        </p:spPr>
+        <p:txBody>
+          <a:bodyPr anchorCtr="0" anchor="t" bIns="46800" lIns="90000" spcFirstLastPara="1" rIns="90000" wrap="square" tIns="46800">
+            <a:spAutoFit/>
+          </a:bodyPr>
+          <a:lstStyle/>
+          <a:p>
+            <a:pPr indent="0" lvl="0" marL="0" marR="0" rtl="0" algn="ctr">
+              <a:lnSpc>
+                <a:spcPct val="100000"/>
+              </a:lnSpc>
+              <a:spcBef>
+                <a:spcPts val="0"/>
+              </a:spcBef>
+              <a:spcAft>
+                <a:spcPts val="0"/>
+              </a:spcAft>
+              <a:buClr>
+                <a:srgbClr val="000000"/>
+              </a:buClr>
+              <a:buSzPts val="2400"/>
+              <a:buFont typeface="Arial"/>
+              <a:buNone/>
+            </a:pPr>
+            <a:r>
+              <a:rPr b="1" lang="en" sz="2400"/>
+              <a:t>Профилирование программ с помощью объектов событий</a:t>
+            </a:r>
+            <a:endParaRPr/>
+          </a:p>
+        </p:txBody>
+      </p:sp>
+      <p:pic>
+        <p:nvPicPr>
+          <p:cNvPr id="92" name="Google Shape;92;p19"/>
+          <p:cNvPicPr preferRelativeResize="0"/>
+          <p:nvPr/>
+        </p:nvPicPr>
+        <p:blipFill>
+          <a:blip r:embed="rId3">
+            <a:alphaModFix/>
+          </a:blip>
+          <a:stretch>
+            <a:fillRect/>
+          </a:stretch>
+        </p:blipFill>
+        <p:spPr>
+          <a:xfrm>
+            <a:off x="269033" y="1366800"/>
+            <a:ext cx="8609647" cy="2491538"/>
+          </a:xfrm>
+          <a:prstGeom prst="rect">
+            <a:avLst/>
+          </a:prstGeom>
+          <a:noFill/>
+          <a:ln>
+            <a:noFill/>
+          </a:ln>
+        </p:spPr>
+      </p:pic>
+    </p:spTree>
+  </p:cSld>
+  <p:clrMapOvr>
+    <a:masterClrMapping/>
+  </p:clrMapOvr>
+</p:sld>
+</file>
+
+<file path=ppt/slides/slide6.xml><?xml version="1.0" encoding="utf-8"?>
+<p:sld xmlns:a="http://schemas.openxmlformats.org/drawingml/2006/main" xmlns:r="http://schemas.openxmlformats.org/officeDocument/2006/relationships" xmlns:mc="http://schemas.openxmlformats.org/markup-compatibility/2006" xmlns:mv="urn:schemas-microsoft-com:mac:vml" xmlns:p="http://schemas.openxmlformats.org/presentationml/2006/main" xmlns:c="http://schemas.openxmlformats.org/drawingml/2006/chart" xmlns:dgm="http://schemas.openxmlformats.org/drawingml/2006/diagram" xmlns:o="urn:schemas-microsoft-com:office:office" xmlns:v="urn:schemas-microsoft-com:vml" xmlns:pvml="urn:schemas-microsoft-com:office:powerpoint" xmlns:com="http://schemas.openxmlformats.org/drawingml/2006/compatibility" xmlns:p14="http://schemas.microsoft.com/office/powerpoint/2010/main" xmlns:p15="http://schemas.microsoft.com/office/powerpoint/2012/main" xmlns:ahyp="http://schemas.microsoft.com/office/drawing/2018/hyperlinkcolor">
+  <p:cSld>
+    <p:spTree>
+      <p:nvGrpSpPr>
+        <p:cNvPr id="96" name="Shape 96"/>
+        <p:cNvGrpSpPr/>
+        <p:nvPr/>
+      </p:nvGrpSpPr>
+      <p:grpSpPr>
+        <a:xfrm>
+          <a:off x="0" y="0"/>
+          <a:ext cx="0" cy="0"/>
+          <a:chOff x="0" y="0"/>
+          <a:chExt cx="0" cy="0"/>
+        </a:xfrm>
+      </p:grpSpPr>
+      <p:sp>
+        <p:nvSpPr>
+          <p:cNvPr id="97" name="Google Shape;97;p20"/>
+          <p:cNvSpPr txBox="1"/>
+          <p:nvPr/>
+        </p:nvSpPr>
+        <p:spPr>
+          <a:xfrm>
+            <a:off x="990600" y="76200"/>
+            <a:ext cx="7086600" cy="464100"/>
+          </a:xfrm>
+          <a:prstGeom prst="rect">
+            <a:avLst/>
+          </a:prstGeom>
+          <a:solidFill>
+            <a:srgbClr val="FFCC00"/>
+          </a:solidFill>
+          <a:ln>
+            <a:noFill/>
+          </a:ln>
+        </p:spPr>
+        <p:txBody>
+          <a:bodyPr anchorCtr="0" anchor="t" bIns="46800" lIns="90000" spcFirstLastPara="1" rIns="90000" wrap="square" tIns="46800">
+            <a:spAutoFit/>
+          </a:bodyPr>
+          <a:lstStyle/>
+          <a:p>
+            <a:pPr indent="0" lvl="0" marL="0" marR="0" rtl="0" algn="ctr">
+              <a:lnSpc>
+                <a:spcPct val="100000"/>
+              </a:lnSpc>
+              <a:spcBef>
+                <a:spcPts val="0"/>
+              </a:spcBef>
+              <a:spcAft>
+                <a:spcPts val="0"/>
+              </a:spcAft>
+              <a:buClr>
+                <a:srgbClr val="000000"/>
+              </a:buClr>
+              <a:buSzPts val="2400"/>
+              <a:buFont typeface="Arial"/>
+              <a:buNone/>
+            </a:pPr>
+            <a:r>
+              <a:rPr b="1" lang="en" sz="2400"/>
+              <a:t>Синхронизация по событию</a:t>
+            </a:r>
+            <a:endParaRPr/>
+          </a:p>
+        </p:txBody>
+      </p:sp>
+      <p:pic>
+        <p:nvPicPr>
+          <p:cNvPr id="98" name="Google Shape;98;p20"/>
+          <p:cNvPicPr preferRelativeResize="0"/>
+          <p:nvPr/>
+        </p:nvPicPr>
+        <p:blipFill>
+          <a:blip r:embed="rId3">
+            <a:alphaModFix/>
+          </a:blip>
+          <a:stretch>
+            <a:fillRect/>
+          </a:stretch>
+        </p:blipFill>
+        <p:spPr>
+          <a:xfrm>
+            <a:off x="152400" y="692700"/>
+            <a:ext cx="8872538" cy="4168801"/>
           </a:xfrm>
           <a:prstGeom prst="rect">
             <a:avLst/>
@@ -16602,83 +15902,104 @@
           <a:chExt cx="0" cy="0"/>
         </a:xfrm>
       </p:grpSpPr>
-      <p:pic>
-        <p:nvPicPr>
-          <p:cNvPr id="103" name="Google Shape;103;p21"/>
-          <p:cNvPicPr preferRelativeResize="0"/>
-          <p:nvPr/>
-        </p:nvPicPr>
-        <p:blipFill>
-          <a:blip r:embed="rId3">
-            <a:alphaModFix/>
-          </a:blip>
-          <a:stretch>
-            <a:fillRect/>
-          </a:stretch>
-        </p:blipFill>
-        <p:spPr>
-          <a:xfrm>
-            <a:off x="304800" y="990600"/>
-            <a:ext cx="8414766" cy="3349298"/>
-          </a:xfrm>
-          <a:prstGeom prst="rect">
-            <a:avLst/>
-          </a:prstGeom>
-          <a:noFill/>
-          <a:ln>
-            <a:noFill/>
-          </a:ln>
-        </p:spPr>
-      </p:pic>
       <p:sp>
         <p:nvSpPr>
-          <p:cNvPr id="104" name="Google Shape;104;p21"/>
+          <p:cNvPr id="103" name="Google Shape;103;p21"/>
           <p:cNvSpPr txBox="1"/>
           <p:nvPr/>
         </p:nvSpPr>
         <p:spPr>
           <a:xfrm>
-            <a:off x="990600" y="76200"/>
-            <a:ext cx="7086600" cy="464100"/>
+            <a:off x="118925" y="1023775"/>
+            <a:ext cx="8892900" cy="3140100"/>
           </a:xfrm>
           <a:prstGeom prst="rect">
             <a:avLst/>
           </a:prstGeom>
           <a:solidFill>
-            <a:srgbClr val="FFCC00"/>
+            <a:srgbClr val="F4CCCC"/>
           </a:solidFill>
-          <a:ln>
-            <a:noFill/>
+          <a:ln cap="flat" cmpd="sng" w="9525">
+            <a:solidFill>
+              <a:schemeClr val="dk1"/>
+            </a:solidFill>
+            <a:prstDash val="solid"/>
+            <a:round/>
+            <a:headEnd len="sm" w="sm" type="none"/>
+            <a:tailEnd len="sm" w="sm" type="none"/>
           </a:ln>
         </p:spPr>
         <p:txBody>
-          <a:bodyPr anchorCtr="0" anchor="t" bIns="46800" lIns="90000" spcFirstLastPara="1" rIns="90000" wrap="square" tIns="46800">
+          <a:bodyPr anchorCtr="0" anchor="t" bIns="91425" lIns="91425" spcFirstLastPara="1" rIns="91425" wrap="square" tIns="91425">
             <a:spAutoFit/>
           </a:bodyPr>
           <a:lstStyle/>
           <a:p>
-            <a:pPr indent="0" lvl="0" marL="0" marR="0" rtl="0" algn="ctr">
-              <a:lnSpc>
-                <a:spcPct val="100000"/>
-              </a:lnSpc>
-              <a:spcBef>
-                <a:spcPts val="0"/>
-              </a:spcBef>
-              <a:spcAft>
-                <a:spcPts val="0"/>
-              </a:spcAft>
-              <a:buClr>
-                <a:srgbClr val="000000"/>
-              </a:buClr>
+            <a:pPr indent="0" lvl="0" marL="0" rtl="0" algn="l">
+              <a:spcBef>
+                <a:spcPts val="0"/>
+              </a:spcBef>
+              <a:spcAft>
+                <a:spcPts val="0"/>
+              </a:spcAft>
+              <a:buNone/>
+            </a:pPr>
+            <a:r>
+              <a:rPr lang="en" sz="2400"/>
+              <a:t>Задача:</a:t>
+            </a:r>
+            <a:endParaRPr sz="2400"/>
+          </a:p>
+          <a:p>
+            <a:pPr indent="-381000" lvl="0" marL="457200" rtl="0" algn="l">
+              <a:spcBef>
+                <a:spcPts val="0"/>
+              </a:spcBef>
+              <a:spcAft>
+                <a:spcPts val="0"/>
+              </a:spcAft>
               <a:buSzPts val="2400"/>
-              <a:buFont typeface="Arial"/>
-              <a:buNone/>
-            </a:pPr>
-            <a:r>
-              <a:rPr b="1" lang="en" sz="2400"/>
-              <a:t>Диагностика синхронных вызовов</a:t>
-            </a:r>
-            <a:endParaRPr/>
+              <a:buAutoNum type="arabicPeriod"/>
+            </a:pPr>
+            <a:r>
+              <a:rPr lang="en" sz="2400"/>
+              <a:t>Определить при какой длине векторов имеет смысл распараллеливать операцию сложения.</a:t>
+            </a:r>
+            <a:endParaRPr sz="2400"/>
+          </a:p>
+          <a:p>
+            <a:pPr indent="-381000" lvl="0" marL="457200" rtl="0" algn="l">
+              <a:spcBef>
+                <a:spcPts val="0"/>
+              </a:spcBef>
+              <a:spcAft>
+                <a:spcPts val="0"/>
+              </a:spcAft>
+              <a:buSzPts val="2400"/>
+              <a:buAutoNum type="arabicPeriod"/>
+            </a:pPr>
+            <a:r>
+              <a:rPr lang="en" sz="2400"/>
+              <a:t>Определить оптимальное количество потоков POSIX для распараллеливания.</a:t>
+            </a:r>
+            <a:endParaRPr sz="2400"/>
+          </a:p>
+          <a:p>
+            <a:pPr indent="-381000" lvl="0" marL="457200" rtl="0" algn="l">
+              <a:spcBef>
+                <a:spcPts val="0"/>
+              </a:spcBef>
+              <a:spcAft>
+                <a:spcPts val="0"/>
+              </a:spcAft>
+              <a:buSzPts val="2400"/>
+              <a:buAutoNum type="arabicPeriod"/>
+            </a:pPr>
+            <a:r>
+              <a:rPr lang="en" sz="2400"/>
+              <a:t>Определить зависимость времени выполнения операции сложения на GPU от длины векторов (выбирать количество нитей равным длине вектора).  </a:t>
+            </a:r>
+            <a:endParaRPr sz="2400"/>
           </a:p>
         </p:txBody>
       </p:sp>
@@ -16695,7 +16016,7 @@
   <p:cSld>
     <p:spTree>
       <p:nvGrpSpPr>
-        <p:cNvPr id="108" name="Shape 108"/>
+        <p:cNvPr id="107" name="Shape 107"/>
         <p:cNvGrpSpPr/>
         <p:nvPr/>
       </p:nvGrpSpPr>
@@ -16709,74 +16030,14 @@
       </p:grpSpPr>
       <p:sp>
         <p:nvSpPr>
-          <p:cNvPr id="109" name="Google Shape;109;p22"/>
+          <p:cNvPr id="108" name="Google Shape;108;p22"/>
           <p:cNvSpPr txBox="1"/>
           <p:nvPr/>
         </p:nvSpPr>
         <p:spPr>
           <a:xfrm>
-            <a:off x="990600" y="76200"/>
-            <a:ext cx="7086600" cy="464100"/>
-          </a:xfrm>
-          <a:prstGeom prst="rect">
-            <a:avLst/>
-          </a:prstGeom>
-          <a:solidFill>
-            <a:srgbClr val="FFCC00"/>
-          </a:solidFill>
-          <a:ln>
-            <a:noFill/>
-          </a:ln>
-        </p:spPr>
-        <p:txBody>
-          <a:bodyPr anchorCtr="0" anchor="t" bIns="46800" lIns="90000" spcFirstLastPara="1" rIns="90000" wrap="square" tIns="46800">
-            <a:spAutoFit/>
-          </a:bodyPr>
-          <a:lstStyle/>
-          <a:p>
-            <a:pPr indent="0" lvl="0" marL="0" marR="0" rtl="0" algn="ctr">
-              <a:lnSpc>
-                <a:spcPct val="100000"/>
-              </a:lnSpc>
-              <a:spcBef>
-                <a:spcPts val="0"/>
-              </a:spcBef>
-              <a:spcAft>
-                <a:spcPts val="0"/>
-              </a:spcAft>
-              <a:buClr>
-                <a:srgbClr val="000000"/>
-              </a:buClr>
-              <a:buSzPts val="2400"/>
-              <a:buFont typeface="Arial"/>
-              <a:buNone/>
-            </a:pPr>
-            <a:r>
-              <a:rPr b="1" lang="en" sz="2400"/>
-              <a:t>Диагностика асинхронных вызовов</a:t>
-            </a:r>
-            <a:endParaRPr/>
-          </a:p>
-        </p:txBody>
-      </p:sp>
-      <p:pic>
-        <p:nvPicPr>
-          <p:cNvPr id="110" name="Google Shape;110;p22"/>
-          <p:cNvPicPr preferRelativeResize="0"/>
-          <p:nvPr/>
-        </p:nvPicPr>
-        <p:blipFill>
-          <a:blip r:embed="rId3">
-            <a:alphaModFix/>
-          </a:blip>
-          <a:stretch>
-            <a:fillRect/>
-          </a:stretch>
-        </p:blipFill>
-        <p:spPr>
-          <a:xfrm>
-            <a:off x="152400" y="768900"/>
-            <a:ext cx="8697278" cy="4168791"/>
+            <a:off x="317125" y="330925"/>
+            <a:ext cx="8615400" cy="400200"/>
           </a:xfrm>
           <a:prstGeom prst="rect">
             <a:avLst/>
@@ -16786,7 +16047,370 @@
             <a:noFill/>
           </a:ln>
         </p:spPr>
-      </p:pic>
+        <p:txBody>
+          <a:bodyPr anchorCtr="0" anchor="t" bIns="91425" lIns="91425" spcFirstLastPara="1" rIns="91425" wrap="square" tIns="91425">
+            <a:spAutoFit/>
+          </a:bodyPr>
+          <a:lstStyle/>
+          <a:p>
+            <a:pPr indent="0" lvl="0" marL="0" rtl="0" algn="l">
+              <a:spcBef>
+                <a:spcPts val="0"/>
+              </a:spcBef>
+              <a:spcAft>
+                <a:spcPts val="0"/>
+              </a:spcAft>
+              <a:buNone/>
+            </a:pPr>
+            <a:r>
+              <a:t/>
+            </a:r>
+            <a:endParaRPr/>
+          </a:p>
+        </p:txBody>
+      </p:sp>
+      <p:sp>
+        <p:nvSpPr>
+          <p:cNvPr id="109" name="Google Shape;109;p22"/>
+          <p:cNvSpPr txBox="1"/>
+          <p:nvPr/>
+        </p:nvSpPr>
+        <p:spPr>
+          <a:xfrm>
+            <a:off x="237850" y="134925"/>
+            <a:ext cx="8826900" cy="4802400"/>
+          </a:xfrm>
+          <a:prstGeom prst="rect">
+            <a:avLst/>
+          </a:prstGeom>
+          <a:solidFill>
+            <a:srgbClr val="FFF2CC"/>
+          </a:solidFill>
+          <a:ln cap="flat" cmpd="sng" w="9525">
+            <a:solidFill>
+              <a:schemeClr val="dk1"/>
+            </a:solidFill>
+            <a:prstDash val="solid"/>
+            <a:round/>
+            <a:headEnd len="sm" w="sm" type="none"/>
+            <a:tailEnd len="sm" w="sm" type="none"/>
+          </a:ln>
+        </p:spPr>
+        <p:txBody>
+          <a:bodyPr anchorCtr="0" anchor="t" bIns="91425" lIns="91425" spcFirstLastPara="1" rIns="91425" wrap="square" tIns="91425">
+            <a:spAutoFit/>
+          </a:bodyPr>
+          <a:lstStyle/>
+          <a:p>
+            <a:pPr indent="0" lvl="0" marL="0" rtl="0" algn="l">
+              <a:spcBef>
+                <a:spcPts val="0"/>
+              </a:spcBef>
+              <a:spcAft>
+                <a:spcPts val="0"/>
+              </a:spcAft>
+              <a:buClr>
+                <a:schemeClr val="dk1"/>
+              </a:buClr>
+              <a:buSzPts val="1100"/>
+              <a:buFont typeface="Arial"/>
+              <a:buNone/>
+            </a:pPr>
+            <a:r>
+              <a:rPr lang="en" sz="2000"/>
+              <a:t>#include &lt;malloc.h&gt;</a:t>
+            </a:r>
+            <a:endParaRPr sz="2000"/>
+          </a:p>
+          <a:p>
+            <a:pPr indent="0" lvl="0" marL="0" rtl="0" algn="l">
+              <a:spcBef>
+                <a:spcPts val="0"/>
+              </a:spcBef>
+              <a:spcAft>
+                <a:spcPts val="0"/>
+              </a:spcAft>
+              <a:buClr>
+                <a:schemeClr val="dk1"/>
+              </a:buClr>
+              <a:buSzPts val="1100"/>
+              <a:buFont typeface="Arial"/>
+              <a:buNone/>
+            </a:pPr>
+            <a:r>
+              <a:rPr lang="en" sz="2000"/>
+              <a:t>#include &lt;stdio.h&gt;</a:t>
+            </a:r>
+            <a:endParaRPr sz="2000"/>
+          </a:p>
+          <a:p>
+            <a:pPr indent="0" lvl="0" marL="0" rtl="0" algn="l">
+              <a:spcBef>
+                <a:spcPts val="0"/>
+              </a:spcBef>
+              <a:spcAft>
+                <a:spcPts val="0"/>
+              </a:spcAft>
+              <a:buClr>
+                <a:schemeClr val="dk1"/>
+              </a:buClr>
+              <a:buSzPts val="1100"/>
+              <a:buFont typeface="Arial"/>
+              <a:buNone/>
+            </a:pPr>
+            <a:r>
+              <a:rPr lang="en" sz="2000"/>
+              <a:t>#include &lt;stdlib.h&gt;</a:t>
+            </a:r>
+            <a:endParaRPr sz="2000"/>
+          </a:p>
+          <a:p>
+            <a:pPr indent="0" lvl="0" marL="0" rtl="0" algn="l">
+              <a:spcBef>
+                <a:spcPts val="0"/>
+              </a:spcBef>
+              <a:spcAft>
+                <a:spcPts val="0"/>
+              </a:spcAft>
+              <a:buClr>
+                <a:schemeClr val="dk1"/>
+              </a:buClr>
+              <a:buSzPts val="1100"/>
+              <a:buFont typeface="Arial"/>
+              <a:buNone/>
+            </a:pPr>
+            <a:r>
+              <a:rPr lang="en" sz="2000"/>
+              <a:t>#include &lt;sys/time.h&gt;</a:t>
+            </a:r>
+            <a:endParaRPr sz="2000"/>
+          </a:p>
+          <a:p>
+            <a:pPr indent="0" lvl="0" marL="0" rtl="0" algn="l">
+              <a:spcBef>
+                <a:spcPts val="0"/>
+              </a:spcBef>
+              <a:spcAft>
+                <a:spcPts val="0"/>
+              </a:spcAft>
+              <a:buClr>
+                <a:schemeClr val="dk1"/>
+              </a:buClr>
+              <a:buSzPts val="1100"/>
+              <a:buFont typeface="Arial"/>
+              <a:buNone/>
+            </a:pPr>
+            <a:r>
+              <a:t/>
+            </a:r>
+            <a:endParaRPr sz="2000"/>
+          </a:p>
+          <a:p>
+            <a:pPr indent="0" lvl="0" marL="0" rtl="0" algn="l">
+              <a:spcBef>
+                <a:spcPts val="0"/>
+              </a:spcBef>
+              <a:spcAft>
+                <a:spcPts val="0"/>
+              </a:spcAft>
+              <a:buClr>
+                <a:schemeClr val="dk1"/>
+              </a:buClr>
+              <a:buSzPts val="1100"/>
+              <a:buFont typeface="Arial"/>
+              <a:buNone/>
+            </a:pPr>
+            <a:r>
+              <a:rPr lang="en" sz="2000"/>
+              <a:t>void hTest(int N, int* a, int* b){</a:t>
+            </a:r>
+            <a:endParaRPr sz="2000"/>
+          </a:p>
+          <a:p>
+            <a:pPr indent="0" lvl="0" marL="0" rtl="0" algn="l">
+              <a:spcBef>
+                <a:spcPts val="0"/>
+              </a:spcBef>
+              <a:spcAft>
+                <a:spcPts val="0"/>
+              </a:spcAft>
+              <a:buClr>
+                <a:schemeClr val="dk1"/>
+              </a:buClr>
+              <a:buSzPts val="1100"/>
+              <a:buFont typeface="Arial"/>
+              <a:buNone/>
+            </a:pPr>
+            <a:r>
+              <a:rPr lang="en" sz="2000"/>
+              <a:t> for(int i=0; i&lt;N;i++)</a:t>
+            </a:r>
+            <a:endParaRPr sz="2000"/>
+          </a:p>
+          <a:p>
+            <a:pPr indent="0" lvl="0" marL="0" rtl="0" algn="l">
+              <a:spcBef>
+                <a:spcPts val="0"/>
+              </a:spcBef>
+              <a:spcAft>
+                <a:spcPts val="0"/>
+              </a:spcAft>
+              <a:buClr>
+                <a:schemeClr val="dk1"/>
+              </a:buClr>
+              <a:buSzPts val="1100"/>
+              <a:buFont typeface="Arial"/>
+              <a:buNone/>
+            </a:pPr>
+            <a:r>
+              <a:rPr lang="en" sz="2000"/>
+              <a:t>    a[i]+=b[i];</a:t>
+            </a:r>
+            <a:endParaRPr sz="2000"/>
+          </a:p>
+          <a:p>
+            <a:pPr indent="0" lvl="0" marL="0" rtl="0" algn="l">
+              <a:spcBef>
+                <a:spcPts val="0"/>
+              </a:spcBef>
+              <a:spcAft>
+                <a:spcPts val="0"/>
+              </a:spcAft>
+              <a:buClr>
+                <a:schemeClr val="dk1"/>
+              </a:buClr>
+              <a:buSzPts val="1100"/>
+              <a:buFont typeface="Arial"/>
+              <a:buNone/>
+            </a:pPr>
+            <a:r>
+              <a:rPr lang="en" sz="2000"/>
+              <a:t>}</a:t>
+            </a:r>
+            <a:endParaRPr sz="2000"/>
+          </a:p>
+          <a:p>
+            <a:pPr indent="0" lvl="0" marL="0" rtl="0" algn="l">
+              <a:spcBef>
+                <a:spcPts val="0"/>
+              </a:spcBef>
+              <a:spcAft>
+                <a:spcPts val="0"/>
+              </a:spcAft>
+              <a:buClr>
+                <a:schemeClr val="dk1"/>
+              </a:buClr>
+              <a:buSzPts val="1100"/>
+              <a:buFont typeface="Arial"/>
+              <a:buNone/>
+            </a:pPr>
+            <a:r>
+              <a:t/>
+            </a:r>
+            <a:endParaRPr sz="2000"/>
+          </a:p>
+          <a:p>
+            <a:pPr indent="0" lvl="0" marL="0" rtl="0" algn="l">
+              <a:spcBef>
+                <a:spcPts val="0"/>
+              </a:spcBef>
+              <a:spcAft>
+                <a:spcPts val="0"/>
+              </a:spcAft>
+              <a:buClr>
+                <a:schemeClr val="dk1"/>
+              </a:buClr>
+              <a:buSzPts val="1100"/>
+              <a:buFont typeface="Arial"/>
+              <a:buNone/>
+            </a:pPr>
+            <a:r>
+              <a:rPr lang="en" sz="2000"/>
+              <a:t>int main(int argc, char** argv){</a:t>
+            </a:r>
+            <a:endParaRPr sz="2000"/>
+          </a:p>
+          <a:p>
+            <a:pPr indent="0" lvl="0" marL="0" rtl="0" algn="l">
+              <a:spcBef>
+                <a:spcPts val="0"/>
+              </a:spcBef>
+              <a:spcAft>
+                <a:spcPts val="0"/>
+              </a:spcAft>
+              <a:buClr>
+                <a:schemeClr val="dk1"/>
+              </a:buClr>
+              <a:buSzPts val="1100"/>
+              <a:buFont typeface="Arial"/>
+              <a:buNone/>
+            </a:pPr>
+            <a:r>
+              <a:rPr lang="en" sz="2000"/>
+              <a:t> if(argc&lt;2){</a:t>
+            </a:r>
+            <a:endParaRPr sz="2000"/>
+          </a:p>
+          <a:p>
+            <a:pPr indent="0" lvl="0" marL="0" rtl="0" algn="l">
+              <a:spcBef>
+                <a:spcPts val="0"/>
+              </a:spcBef>
+              <a:spcAft>
+                <a:spcPts val="0"/>
+              </a:spcAft>
+              <a:buClr>
+                <a:schemeClr val="dk1"/>
+              </a:buClr>
+              <a:buSzPts val="1100"/>
+              <a:buFont typeface="Arial"/>
+              <a:buNone/>
+            </a:pPr>
+            <a:r>
+              <a:rPr lang="en" sz="2000"/>
+              <a:t>   fprintf(stderr, "USAGE: lab2 &lt;N&gt;\n");</a:t>
+            </a:r>
+            <a:endParaRPr sz="2000"/>
+          </a:p>
+          <a:p>
+            <a:pPr indent="0" lvl="0" marL="0" rtl="0" algn="l">
+              <a:spcBef>
+                <a:spcPts val="0"/>
+              </a:spcBef>
+              <a:spcAft>
+                <a:spcPts val="0"/>
+              </a:spcAft>
+              <a:buClr>
+                <a:schemeClr val="dk1"/>
+              </a:buClr>
+              <a:buSzPts val="1100"/>
+              <a:buFont typeface="Arial"/>
+              <a:buNone/>
+            </a:pPr>
+            <a:r>
+              <a:rPr lang="en" sz="2000"/>
+              <a:t>   return -1;</a:t>
+            </a:r>
+            <a:endParaRPr sz="2000"/>
+          </a:p>
+          <a:p>
+            <a:pPr indent="0" lvl="0" marL="0" rtl="0" algn="l">
+              <a:spcBef>
+                <a:spcPts val="0"/>
+              </a:spcBef>
+              <a:spcAft>
+                <a:spcPts val="0"/>
+              </a:spcAft>
+              <a:buNone/>
+            </a:pPr>
+            <a:r>
+              <a:rPr lang="en" sz="2000"/>
+              <a:t> }</a:t>
+            </a:r>
+            <a:endParaRPr/>
+          </a:p>
+        </p:txBody>
+      </p:sp>
     </p:spTree>
   </p:cSld>
   <p:clrMapOvr>
@@ -16800,7 +16424,7 @@
   <p:cSld>
     <p:spTree>
       <p:nvGrpSpPr>
-        <p:cNvPr id="114" name="Shape 114"/>
+        <p:cNvPr id="113" name="Shape 113"/>
         <p:cNvGrpSpPr/>
         <p:nvPr/>
       </p:nvGrpSpPr>
@@ -16814,35 +16438,38 @@
       </p:grpSpPr>
       <p:sp>
         <p:nvSpPr>
-          <p:cNvPr id="115" name="Google Shape;115;p23"/>
+          <p:cNvPr id="114" name="Google Shape;114;p23"/>
           <p:cNvSpPr txBox="1"/>
           <p:nvPr/>
         </p:nvSpPr>
         <p:spPr>
           <a:xfrm>
-            <a:off x="990600" y="76200"/>
-            <a:ext cx="7086600" cy="833400"/>
+            <a:off x="208350" y="66661"/>
+            <a:ext cx="8760900" cy="5017800"/>
           </a:xfrm>
           <a:prstGeom prst="rect">
             <a:avLst/>
           </a:prstGeom>
           <a:solidFill>
-            <a:srgbClr val="FFCC00"/>
+            <a:srgbClr val="FFF2CC"/>
           </a:solidFill>
-          <a:ln>
-            <a:noFill/>
+          <a:ln cap="flat" cmpd="sng" w="9525">
+            <a:solidFill>
+              <a:schemeClr val="dk1"/>
+            </a:solidFill>
+            <a:prstDash val="solid"/>
+            <a:round/>
+            <a:headEnd len="sm" w="sm" type="none"/>
+            <a:tailEnd len="sm" w="sm" type="none"/>
           </a:ln>
         </p:spPr>
         <p:txBody>
-          <a:bodyPr anchorCtr="0" anchor="t" bIns="46800" lIns="90000" spcFirstLastPara="1" rIns="90000" wrap="square" tIns="46800">
+          <a:bodyPr anchorCtr="0" anchor="t" bIns="91425" lIns="91425" spcFirstLastPara="1" rIns="91425" wrap="square" tIns="91425">
             <a:spAutoFit/>
           </a:bodyPr>
           <a:lstStyle/>
           <a:p>
-            <a:pPr indent="0" lvl="0" marL="0" marR="0" rtl="0" algn="ctr">
-              <a:lnSpc>
-                <a:spcPct val="100000"/>
-              </a:lnSpc>
+            <a:pPr indent="0" lvl="0" marL="0" rtl="0" algn="l">
               <a:spcBef>
                 <a:spcPts val="0"/>
               </a:spcBef>
@@ -16850,48 +16477,429 @@
                 <a:spcPts val="0"/>
               </a:spcAft>
               <a:buClr>
-                <a:srgbClr val="000000"/>
+                <a:schemeClr val="dk1"/>
               </a:buClr>
-              <a:buSzPts val="2400"/>
+              <a:buSzPts val="1100"/>
               <a:buFont typeface="Arial"/>
               <a:buNone/>
             </a:pPr>
             <a:r>
-              <a:rPr b="1" lang="en" sz="2400"/>
-              <a:t>Профилирование программ с помощью объектов событий</a:t>
+              <a:rPr lang="en" sz="2000">
+                <a:solidFill>
+                  <a:schemeClr val="dk1"/>
+                </a:solidFill>
+              </a:rPr>
+              <a:t> struct timeval t;</a:t>
+            </a:r>
+            <a:endParaRPr sz="2000">
+              <a:solidFill>
+                <a:schemeClr val="dk1"/>
+              </a:solidFill>
+            </a:endParaRPr>
+          </a:p>
+          <a:p>
+            <a:pPr indent="0" lvl="0" marL="0" rtl="0" algn="l">
+              <a:spcBef>
+                <a:spcPts val="0"/>
+              </a:spcBef>
+              <a:spcAft>
+                <a:spcPts val="0"/>
+              </a:spcAft>
+              <a:buClr>
+                <a:schemeClr val="dk1"/>
+              </a:buClr>
+              <a:buSzPts val="1100"/>
+              <a:buFont typeface="Arial"/>
+              <a:buNone/>
+            </a:pPr>
+            <a:r>
+              <a:rPr lang="en" sz="2000">
+                <a:solidFill>
+                  <a:schemeClr val="dk1"/>
+                </a:solidFill>
+              </a:rPr>
+              <a:t> double Start, Finish;</a:t>
+            </a:r>
+            <a:endParaRPr sz="2000">
+              <a:solidFill>
+                <a:schemeClr val="dk1"/>
+              </a:solidFill>
+            </a:endParaRPr>
+          </a:p>
+          <a:p>
+            <a:pPr indent="0" lvl="0" marL="0" rtl="0" algn="l">
+              <a:spcBef>
+                <a:spcPts val="0"/>
+              </a:spcBef>
+              <a:spcAft>
+                <a:spcPts val="0"/>
+              </a:spcAft>
+              <a:buClr>
+                <a:schemeClr val="dk1"/>
+              </a:buClr>
+              <a:buSzPts val="1100"/>
+              <a:buFont typeface="Arial"/>
+              <a:buNone/>
+            </a:pPr>
+            <a:r>
+              <a:rPr lang="en" sz="2000">
+                <a:solidFill>
+                  <a:schemeClr val="dk1"/>
+                </a:solidFill>
+              </a:rPr>
+              <a:t> double ElapsedTime;</a:t>
+            </a:r>
+            <a:endParaRPr sz="2000">
+              <a:solidFill>
+                <a:schemeClr val="dk1"/>
+              </a:solidFill>
+            </a:endParaRPr>
+          </a:p>
+          <a:p>
+            <a:pPr indent="0" lvl="0" marL="0" rtl="0" algn="l">
+              <a:spcBef>
+                <a:spcPts val="0"/>
+              </a:spcBef>
+              <a:spcAft>
+                <a:spcPts val="0"/>
+              </a:spcAft>
+              <a:buNone/>
+            </a:pPr>
+            <a:r>
+              <a:t/>
+            </a:r>
+            <a:endParaRPr sz="2000">
+              <a:solidFill>
+                <a:schemeClr val="dk1"/>
+              </a:solidFill>
+            </a:endParaRPr>
+          </a:p>
+          <a:p>
+            <a:pPr indent="0" lvl="0" marL="0" rtl="0" algn="l">
+              <a:spcBef>
+                <a:spcPts val="0"/>
+              </a:spcBef>
+              <a:spcAft>
+                <a:spcPts val="0"/>
+              </a:spcAft>
+              <a:buClr>
+                <a:schemeClr val="dk1"/>
+              </a:buClr>
+              <a:buSzPts val="1100"/>
+              <a:buFont typeface="Arial"/>
+              <a:buNone/>
+            </a:pPr>
+            <a:r>
+              <a:rPr lang="en" sz="2000">
+                <a:solidFill>
+                  <a:schemeClr val="dk1"/>
+                </a:solidFill>
+              </a:rPr>
+              <a:t> int N=atoi(argv[1]);</a:t>
+            </a:r>
+            <a:endParaRPr sz="2000">
+              <a:solidFill>
+                <a:schemeClr val="dk1"/>
+              </a:solidFill>
+            </a:endParaRPr>
+          </a:p>
+          <a:p>
+            <a:pPr indent="0" lvl="0" marL="0" rtl="0" algn="l">
+              <a:spcBef>
+                <a:spcPts val="0"/>
+              </a:spcBef>
+              <a:spcAft>
+                <a:spcPts val="0"/>
+              </a:spcAft>
+              <a:buClr>
+                <a:schemeClr val="dk1"/>
+              </a:buClr>
+              <a:buSzPts val="1100"/>
+              <a:buFont typeface="Arial"/>
+              <a:buNone/>
+            </a:pPr>
+            <a:r>
+              <a:rPr lang="en" sz="2000">
+                <a:solidFill>
+                  <a:schemeClr val="dk1"/>
+                </a:solidFill>
+              </a:rPr>
+              <a:t> if(N==0)</a:t>
+            </a:r>
+            <a:endParaRPr sz="2000">
+              <a:solidFill>
+                <a:schemeClr val="dk1"/>
+              </a:solidFill>
+            </a:endParaRPr>
+          </a:p>
+          <a:p>
+            <a:pPr indent="0" lvl="0" marL="0" rtl="0" algn="l">
+              <a:spcBef>
+                <a:spcPts val="0"/>
+              </a:spcBef>
+              <a:spcAft>
+                <a:spcPts val="0"/>
+              </a:spcAft>
+              <a:buClr>
+                <a:schemeClr val="dk1"/>
+              </a:buClr>
+              <a:buSzPts val="1100"/>
+              <a:buFont typeface="Arial"/>
+              <a:buNone/>
+            </a:pPr>
+            <a:r>
+              <a:rPr lang="en" sz="2000">
+                <a:solidFill>
+                  <a:schemeClr val="dk1"/>
+                </a:solidFill>
+              </a:rPr>
+              <a:t>   N=1&lt;&lt;30;</a:t>
+            </a:r>
+            <a:endParaRPr sz="2000">
+              <a:solidFill>
+                <a:schemeClr val="dk1"/>
+              </a:solidFill>
+            </a:endParaRPr>
+          </a:p>
+          <a:p>
+            <a:pPr indent="0" lvl="0" marL="0" rtl="0" algn="l">
+              <a:spcBef>
+                <a:spcPts val="0"/>
+              </a:spcBef>
+              <a:spcAft>
+                <a:spcPts val="0"/>
+              </a:spcAft>
+              <a:buClr>
+                <a:schemeClr val="dk1"/>
+              </a:buClr>
+              <a:buSzPts val="1100"/>
+              <a:buFont typeface="Arial"/>
+              <a:buNone/>
+            </a:pPr>
+            <a:r>
+              <a:t/>
+            </a:r>
+            <a:endParaRPr sz="2000">
+              <a:solidFill>
+                <a:schemeClr val="dk1"/>
+              </a:solidFill>
+            </a:endParaRPr>
+          </a:p>
+          <a:p>
+            <a:pPr indent="0" lvl="0" marL="0" rtl="0" algn="l">
+              <a:spcBef>
+                <a:spcPts val="0"/>
+              </a:spcBef>
+              <a:spcAft>
+                <a:spcPts val="0"/>
+              </a:spcAft>
+              <a:buClr>
+                <a:schemeClr val="dk1"/>
+              </a:buClr>
+              <a:buSzPts val="1100"/>
+              <a:buFont typeface="Arial"/>
+              <a:buNone/>
+            </a:pPr>
+            <a:r>
+              <a:rPr lang="en" sz="2000">
+                <a:solidFill>
+                  <a:schemeClr val="dk1"/>
+                </a:solidFill>
+              </a:rPr>
+              <a:t> int* a=(int*)calloc(N, sizeof(int));</a:t>
+            </a:r>
+            <a:endParaRPr sz="2000">
+              <a:solidFill>
+                <a:schemeClr val="dk1"/>
+              </a:solidFill>
+            </a:endParaRPr>
+          </a:p>
+          <a:p>
+            <a:pPr indent="0" lvl="0" marL="0" rtl="0" algn="l">
+              <a:spcBef>
+                <a:spcPts val="0"/>
+              </a:spcBef>
+              <a:spcAft>
+                <a:spcPts val="0"/>
+              </a:spcAft>
+              <a:buClr>
+                <a:schemeClr val="dk1"/>
+              </a:buClr>
+              <a:buSzPts val="1100"/>
+              <a:buFont typeface="Arial"/>
+              <a:buNone/>
+            </a:pPr>
+            <a:r>
+              <a:rPr lang="en" sz="2000">
+                <a:solidFill>
+                  <a:schemeClr val="dk1"/>
+                </a:solidFill>
+              </a:rPr>
+              <a:t> int* b=(int*)calloc(N, sizeof(int));</a:t>
+            </a:r>
+            <a:endParaRPr sz="2000">
+              <a:solidFill>
+                <a:schemeClr val="dk1"/>
+              </a:solidFill>
+            </a:endParaRPr>
+          </a:p>
+          <a:p>
+            <a:pPr indent="0" lvl="0" marL="0" rtl="0" algn="l">
+              <a:spcBef>
+                <a:spcPts val="0"/>
+              </a:spcBef>
+              <a:spcAft>
+                <a:spcPts val="0"/>
+              </a:spcAft>
+              <a:buClr>
+                <a:schemeClr val="dk1"/>
+              </a:buClr>
+              <a:buSzPts val="1100"/>
+              <a:buFont typeface="Arial"/>
+              <a:buNone/>
+            </a:pPr>
+            <a:r>
+              <a:t/>
+            </a:r>
+            <a:endParaRPr sz="2000">
+              <a:solidFill>
+                <a:schemeClr val="dk1"/>
+              </a:solidFill>
+            </a:endParaRPr>
+          </a:p>
+          <a:p>
+            <a:pPr indent="0" lvl="0" marL="0" rtl="0" algn="l">
+              <a:spcBef>
+                <a:spcPts val="0"/>
+              </a:spcBef>
+              <a:spcAft>
+                <a:spcPts val="0"/>
+              </a:spcAft>
+              <a:buClr>
+                <a:schemeClr val="dk1"/>
+              </a:buClr>
+              <a:buSzPts val="1100"/>
+              <a:buFont typeface="Arial"/>
+              <a:buNone/>
+            </a:pPr>
+            <a:r>
+              <a:rPr lang="en" sz="2000">
+                <a:solidFill>
+                  <a:schemeClr val="dk1"/>
+                </a:solidFill>
+              </a:rPr>
+              <a:t> for(int i=0; i&lt;N;i++){</a:t>
+            </a:r>
+            <a:endParaRPr sz="2000">
+              <a:solidFill>
+                <a:schemeClr val="dk1"/>
+              </a:solidFill>
+            </a:endParaRPr>
+          </a:p>
+          <a:p>
+            <a:pPr indent="0" lvl="0" marL="0" rtl="0" algn="l">
+              <a:spcBef>
+                <a:spcPts val="0"/>
+              </a:spcBef>
+              <a:spcAft>
+                <a:spcPts val="0"/>
+              </a:spcAft>
+              <a:buClr>
+                <a:schemeClr val="dk1"/>
+              </a:buClr>
+              <a:buSzPts val="1100"/>
+              <a:buFont typeface="Arial"/>
+              <a:buNone/>
+            </a:pPr>
+            <a:r>
+              <a:rPr lang="en" sz="2000">
+                <a:solidFill>
+                  <a:schemeClr val="dk1"/>
+                </a:solidFill>
+              </a:rPr>
+              <a:t>   a[i]=2*i;</a:t>
+            </a:r>
+            <a:endParaRPr sz="2000">
+              <a:solidFill>
+                <a:schemeClr val="dk1"/>
+              </a:solidFill>
+            </a:endParaRPr>
+          </a:p>
+          <a:p>
+            <a:pPr indent="0" lvl="0" marL="0" rtl="0" algn="l">
+              <a:spcBef>
+                <a:spcPts val="0"/>
+              </a:spcBef>
+              <a:spcAft>
+                <a:spcPts val="0"/>
+              </a:spcAft>
+              <a:buClr>
+                <a:schemeClr val="dk1"/>
+              </a:buClr>
+              <a:buSzPts val="1100"/>
+              <a:buFont typeface="Arial"/>
+              <a:buNone/>
+            </a:pPr>
+            <a:r>
+              <a:rPr lang="en" sz="2000">
+                <a:solidFill>
+                  <a:schemeClr val="dk1"/>
+                </a:solidFill>
+              </a:rPr>
+              <a:t>   b[i]=2*i+1;</a:t>
+            </a:r>
+            <a:endParaRPr sz="2000">
+              <a:solidFill>
+                <a:schemeClr val="dk1"/>
+              </a:solidFill>
+            </a:endParaRPr>
+          </a:p>
+          <a:p>
+            <a:pPr indent="0" lvl="0" marL="0" rtl="0" algn="l">
+              <a:spcBef>
+                <a:spcPts val="0"/>
+              </a:spcBef>
+              <a:spcAft>
+                <a:spcPts val="0"/>
+              </a:spcAft>
+              <a:buClr>
+                <a:schemeClr val="dk1"/>
+              </a:buClr>
+              <a:buSzPts val="1100"/>
+              <a:buFont typeface="Arial"/>
+              <a:buNone/>
+            </a:pPr>
+            <a:r>
+              <a:rPr lang="en" sz="2000">
+                <a:solidFill>
+                  <a:schemeClr val="dk1"/>
+                </a:solidFill>
+              </a:rPr>
+              <a:t> }</a:t>
+            </a:r>
+            <a:endParaRPr sz="2000">
+              <a:solidFill>
+                <a:schemeClr val="dk1"/>
+              </a:solidFill>
+            </a:endParaRPr>
+          </a:p>
+          <a:p>
+            <a:pPr indent="0" lvl="0" marL="0" rtl="0" algn="l">
+              <a:spcBef>
+                <a:spcPts val="0"/>
+              </a:spcBef>
+              <a:spcAft>
+                <a:spcPts val="0"/>
+              </a:spcAft>
+              <a:buNone/>
+            </a:pPr>
+            <a:r>
+              <a:t/>
             </a:r>
             <a:endParaRPr/>
           </a:p>
         </p:txBody>
       </p:sp>
-      <p:pic>
-        <p:nvPicPr>
-          <p:cNvPr id="116" name="Google Shape;116;p23"/>
-          <p:cNvPicPr preferRelativeResize="0"/>
-          <p:nvPr/>
-        </p:nvPicPr>
-        <p:blipFill>
-          <a:blip r:embed="rId3">
-            <a:alphaModFix/>
-          </a:blip>
-          <a:stretch>
-            <a:fillRect/>
-          </a:stretch>
-        </p:blipFill>
-        <p:spPr>
-          <a:xfrm>
-            <a:off x="269033" y="1366800"/>
-            <a:ext cx="8609647" cy="2491538"/>
-          </a:xfrm>
-          <a:prstGeom prst="rect">
-            <a:avLst/>
-          </a:prstGeom>
-          <a:noFill/>
-          <a:ln>
-            <a:noFill/>
-          </a:ln>
-        </p:spPr>
-      </p:pic>
     </p:spTree>
   </p:cSld>
   <p:clrMapOvr>
@@ -16901,9 +16909,9 @@
 </file>
 
 <file path=ppt/theme/theme1.xml><?xml version="1.0" encoding="utf-8"?>
-<a:theme xmlns:a="http://schemas.openxmlformats.org/drawingml/2006/main" xmlns:r="http://schemas.openxmlformats.org/officeDocument/2006/relationships" name="Simple Light">
+<a:theme xmlns:a="http://schemas.openxmlformats.org/drawingml/2006/main" xmlns:r="http://schemas.openxmlformats.org/officeDocument/2006/relationships" name="POI_THEME_TEMPLATE_DESIGN">
   <a:themeElements>
-    <a:clrScheme name="Simple Light">
+    <a:clrScheme name="POI_THEME_TEMPLATE_DESIGN">
       <a:dk1>
         <a:srgbClr val="000000"/>
       </a:dk1>
@@ -16911,34 +16919,34 @@
         <a:srgbClr val="FFFFFF"/>
       </a:lt1>
       <a:dk2>
-        <a:srgbClr val="595959"/>
+        <a:srgbClr val="000000"/>
       </a:dk2>
       <a:lt2>
-        <a:srgbClr val="EEEEEE"/>
+        <a:srgbClr val="808080"/>
       </a:lt2>
       <a:accent1>
-        <a:srgbClr val="4285F4"/>
+        <a:srgbClr val="00CC99"/>
       </a:accent1>
       <a:accent2>
-        <a:srgbClr val="212121"/>
+        <a:srgbClr val="3333CC"/>
       </a:accent2>
       <a:accent3>
-        <a:srgbClr val="78909C"/>
+        <a:srgbClr val="FFFFFF"/>
       </a:accent3>
       <a:accent4>
-        <a:srgbClr val="FFAB40"/>
+        <a:srgbClr val="00CC99"/>
       </a:accent4>
       <a:accent5>
-        <a:srgbClr val="0097A7"/>
+        <a:srgbClr val="3333CC"/>
       </a:accent5>
       <a:accent6>
-        <a:srgbClr val="EEFF41"/>
+        <a:srgbClr val="FFFFFF"/>
       </a:accent6>
       <a:hlink>
-        <a:srgbClr val="0097A7"/>
+        <a:srgbClr val="CCCCFF"/>
       </a:hlink>
       <a:folHlink>
-        <a:srgbClr val="0097A7"/>
+        <a:srgbClr val="B2B2B2"/>
       </a:folHlink>
     </a:clrScheme>
     <a:fontScheme name="Office">
@@ -17459,9 +17467,9 @@
 </file>
 
 <file path=ppt/theme/theme3.xml><?xml version="1.0" encoding="utf-8"?>
-<a:theme xmlns:a="http://schemas.openxmlformats.org/drawingml/2006/main" xmlns:r="http://schemas.openxmlformats.org/officeDocument/2006/relationships" name="POI_THEME_TEMPLATE_DESIGN">
+<a:theme xmlns:a="http://schemas.openxmlformats.org/drawingml/2006/main" xmlns:r="http://schemas.openxmlformats.org/officeDocument/2006/relationships" name="Simple Light">
   <a:themeElements>
-    <a:clrScheme name="POI_THEME_TEMPLATE_DESIGN">
+    <a:clrScheme name="Simple Light">
       <a:dk1>
         <a:srgbClr val="000000"/>
       </a:dk1>
@@ -17469,34 +17477,34 @@
         <a:srgbClr val="FFFFFF"/>
       </a:lt1>
       <a:dk2>
-        <a:srgbClr val="000000"/>
+        <a:srgbClr val="595959"/>
       </a:dk2>
       <a:lt2>
-        <a:srgbClr val="808080"/>
+        <a:srgbClr val="EEEEEE"/>
       </a:lt2>
       <a:accent1>
-        <a:srgbClr val="00CC99"/>
+        <a:srgbClr val="4285F4"/>
       </a:accent1>
       <a:accent2>
-        <a:srgbClr val="3333CC"/>
+        <a:srgbClr val="212121"/>
       </a:accent2>
       <a:accent3>
-        <a:srgbClr val="FFFFFF"/>
+        <a:srgbClr val="78909C"/>
       </a:accent3>
       <a:accent4>
-        <a:srgbClr val="00CC99"/>
+        <a:srgbClr val="FFAB40"/>
       </a:accent4>
       <a:accent5>
-        <a:srgbClr val="3333CC"/>
+        <a:srgbClr val="0097A7"/>
       </a:accent5>
       <a:accent6>
-        <a:srgbClr val="FFFFFF"/>
+        <a:srgbClr val="EEFF41"/>
       </a:accent6>
       <a:hlink>
-        <a:srgbClr val="CCCCFF"/>
+        <a:srgbClr val="0097A7"/>
       </a:hlink>
       <a:folHlink>
-        <a:srgbClr val="B2B2B2"/>
+        <a:srgbClr val="0097A7"/>
       </a:folHlink>
     </a:clrScheme>
     <a:fontScheme name="Office">
